--- a/C# Web Basics/Presentations/05. CSharp-Web-Basics-MVC-Introduction.pptx
+++ b/C# Web Basics/Presentations/05. CSharp-Web-Basics-MVC-Introduction.pptx
@@ -24,9 +24,9 @@
     <p:sldId id="266" r:id="rId12"/>
     <p:sldId id="267" r:id="rId13"/>
     <p:sldId id="268" r:id="rId14"/>
-    <p:sldId id="274" r:id="rId15"/>
-    <p:sldId id="276" r:id="rId16"/>
-    <p:sldId id="275" r:id="rId17"/>
+    <p:sldId id="401" r:id="rId15"/>
+    <p:sldId id="405" r:id="rId16"/>
+    <p:sldId id="493" r:id="rId17"/>
   </p:sldIdLst>
   <p:sldSz cx="12192000" cy="6858000"/>
   <p:notesSz cx="6858000" cy="9144000"/>
@@ -128,14 +128,14 @@
   <p:extLst>
     <p:ext uri="{521415D9-36F7-43E2-AB2F-B90AF26B5E84}">
       <p14:sectionLst xmlns:p14="http://schemas.microsoft.com/office/powerpoint/2010/main">
-        <p14:section name="Intro" id="{CECB2299-7C9A-4100-881C-4485B5EF70CC}">
+        <p14:section name="Intro" id="{C74162A8-AC29-4883-B9F3-72F1F3330AF2}">
           <p14:sldIdLst>
             <p14:sldId id="256"/>
             <p14:sldId id="257"/>
             <p14:sldId id="258"/>
           </p14:sldIdLst>
         </p14:section>
-        <p14:section name="MVC" id="{184A493E-91F1-454E-97E4-3ECBA208F99C}">
+        <p14:section name="MVC" id="{754B2B94-8FBC-4857-A390-6AD0B5A5F6D1}">
           <p14:sldIdLst>
             <p14:sldId id="259"/>
             <p14:sldId id="260"/>
@@ -148,12 +148,12 @@
             <p14:sldId id="267"/>
           </p14:sldIdLst>
         </p14:section>
-        <p14:section name="Conclusion" id="{29421472-CE5D-4607-9D83-E1D697C54EA6}">
+        <p14:section name="Conclusion" id="{05A14A8F-CF8A-4298-B340-3AC50207B6A2}">
           <p14:sldIdLst>
             <p14:sldId id="268"/>
-            <p14:sldId id="274"/>
-            <p14:sldId id="276"/>
-            <p14:sldId id="275"/>
+            <p14:sldId id="401"/>
+            <p14:sldId id="405"/>
+            <p14:sldId id="493"/>
           </p14:sldIdLst>
         </p14:section>
       </p14:sectionLst>
@@ -177,6 +177,14 @@
     </p:ext>
   </p:extLst>
 </p:presentation>
+</file>
+
+<file path=ppt/revisionInfo.xml><?xml version="1.0" encoding="utf-8"?>
+<p1510:revInfo xmlns:a="http://schemas.openxmlformats.org/drawingml/2006/main" xmlns:r="http://schemas.openxmlformats.org/officeDocument/2006/relationships" xmlns:p1510="http://schemas.microsoft.com/office/powerpoint/2015/10/main">
+  <p1510:revLst>
+    <p1510:client id="{ACC232DE-2511-49A3-B33B-FD78A94CD8E3}" v="22" dt="2019-12-04T16:40:36.347"/>
+  </p1510:revLst>
+</p1510:revInfo>
 </file>
 
 <file path=ppt/handoutMasters/handoutMaster1.xml><?xml version="1.0" encoding="utf-8"?>
@@ -273,7 +281,7 @@
           <a:p>
             <a:fld id="{4E087215-0C8F-4762-A664-737A353EC9A4}" type="datetimeFigureOut">
               <a:rPr lang="bg-BG" smtClean="0"/>
-              <a:t>9.1.2020 г.</a:t>
+              <a:t>2.10.2020 г.</a:t>
             </a:fld>
             <a:endParaRPr lang="bg-BG"/>
           </a:p>
@@ -464,7 +472,7 @@
           <a:p>
             <a:fld id="{72D84649-876A-46C9-8472-14CB09C070D8}" type="datetimeFigureOut">
               <a:rPr lang="en-US" smtClean="0"/>
-              <a:t>1/9/2020</a:t>
+              <a:t>10/2/2020</a:t>
             </a:fld>
             <a:endParaRPr lang="en-US"/>
           </a:p>
@@ -825,10 +833,10 @@
       </p:sp>
       <p:sp>
         <p:nvSpPr>
-          <p:cNvPr id="7" name="Footer Placeholder 7">
+          <p:cNvPr id="8" name="Footer Placeholder 7">
             <a:extLst>
               <a:ext uri="{FF2B5EF4-FFF2-40B4-BE49-F238E27FC236}">
-                <a16:creationId xmlns:a16="http://schemas.microsoft.com/office/drawing/2014/main" id="{CAC3A49B-3196-44DF-AC28-085C72EFBFF0}"/>
+                <a16:creationId xmlns:a16="http://schemas.microsoft.com/office/drawing/2014/main" id="{85ECAA09-225B-440C-A7E2-62BED33E3402}"/>
               </a:ext>
             </a:extLst>
           </p:cNvPr>
@@ -876,7 +884,7 @@
     </p:spTree>
     <p:extLst>
       <p:ext uri="{BB962C8B-B14F-4D97-AF65-F5344CB8AC3E}">
-        <p14:creationId xmlns:p14="http://schemas.microsoft.com/office/powerpoint/2010/main" val="2628703243"/>
+        <p14:creationId xmlns:p14="http://schemas.microsoft.com/office/powerpoint/2010/main" val="2611602024"/>
       </p:ext>
     </p:extLst>
   </p:cSld>
@@ -962,10 +970,10 @@
       </p:sp>
       <p:sp>
         <p:nvSpPr>
-          <p:cNvPr id="6" name="Footer Placeholder 7">
+          <p:cNvPr id="7" name="Footer Placeholder 7">
             <a:extLst>
               <a:ext uri="{FF2B5EF4-FFF2-40B4-BE49-F238E27FC236}">
-                <a16:creationId xmlns:a16="http://schemas.microsoft.com/office/drawing/2014/main" id="{CAC3A49B-3196-44DF-AC28-085C72EFBFF0}"/>
+                <a16:creationId xmlns:a16="http://schemas.microsoft.com/office/drawing/2014/main" id="{6FA96FA7-06E2-43DA-8503-3AB1BE83CBA7}"/>
               </a:ext>
             </a:extLst>
           </p:cNvPr>
@@ -1013,7 +1021,7 @@
     </p:spTree>
     <p:extLst>
       <p:ext uri="{BB962C8B-B14F-4D97-AF65-F5344CB8AC3E}">
-        <p14:creationId xmlns:p14="http://schemas.microsoft.com/office/powerpoint/2010/main" val="4028530743"/>
+        <p14:creationId xmlns:p14="http://schemas.microsoft.com/office/powerpoint/2010/main" val="3425786999"/>
       </p:ext>
     </p:extLst>
   </p:cSld>
@@ -1096,10 +1104,10 @@
       </p:sp>
       <p:sp>
         <p:nvSpPr>
-          <p:cNvPr id="5" name="Footer Placeholder 7">
+          <p:cNvPr id="6" name="Footer Placeholder 7">
             <a:extLst>
               <a:ext uri="{FF2B5EF4-FFF2-40B4-BE49-F238E27FC236}">
-                <a16:creationId xmlns:a16="http://schemas.microsoft.com/office/drawing/2014/main" id="{CAC3A49B-3196-44DF-AC28-085C72EFBFF0}"/>
+                <a16:creationId xmlns:a16="http://schemas.microsoft.com/office/drawing/2014/main" id="{D7BBD259-BB32-4ED5-BDAC-B113085CDA8A}"/>
               </a:ext>
             </a:extLst>
           </p:cNvPr>
@@ -1147,7 +1155,7 @@
     </p:spTree>
     <p:extLst>
       <p:ext uri="{BB962C8B-B14F-4D97-AF65-F5344CB8AC3E}">
-        <p14:creationId xmlns:p14="http://schemas.microsoft.com/office/powerpoint/2010/main" val="3520388940"/>
+        <p14:creationId xmlns:p14="http://schemas.microsoft.com/office/powerpoint/2010/main" val="3571890986"/>
       </p:ext>
     </p:extLst>
   </p:cSld>
@@ -1231,10 +1239,10 @@
       </p:sp>
       <p:sp>
         <p:nvSpPr>
-          <p:cNvPr id="6" name="Footer Placeholder 7">
+          <p:cNvPr id="7" name="Footer Placeholder 7">
             <a:extLst>
               <a:ext uri="{FF2B5EF4-FFF2-40B4-BE49-F238E27FC236}">
-                <a16:creationId xmlns:a16="http://schemas.microsoft.com/office/drawing/2014/main" id="{CAC3A49B-3196-44DF-AC28-085C72EFBFF0}"/>
+                <a16:creationId xmlns:a16="http://schemas.microsoft.com/office/drawing/2014/main" id="{34E6B600-5042-464F-B4B0-35FA52457250}"/>
               </a:ext>
             </a:extLst>
           </p:cNvPr>
@@ -1282,7 +1290,7 @@
     </p:spTree>
     <p:extLst>
       <p:ext uri="{BB962C8B-B14F-4D97-AF65-F5344CB8AC3E}">
-        <p14:creationId xmlns:p14="http://schemas.microsoft.com/office/powerpoint/2010/main" val="1860974293"/>
+        <p14:creationId xmlns:p14="http://schemas.microsoft.com/office/powerpoint/2010/main" val="794288912"/>
       </p:ext>
     </p:extLst>
   </p:cSld>
@@ -1475,7 +1483,7 @@
           <p:cNvPr id="6" name="Footer Placeholder 7">
             <a:extLst>
               <a:ext uri="{FF2B5EF4-FFF2-40B4-BE49-F238E27FC236}">
-                <a16:creationId xmlns:a16="http://schemas.microsoft.com/office/drawing/2014/main" id="{CAC3A49B-3196-44DF-AC28-085C72EFBFF0}"/>
+                <a16:creationId xmlns:a16="http://schemas.microsoft.com/office/drawing/2014/main" id="{3AE5FF30-B6F3-49CC-88DC-B9BB22AF752D}"/>
               </a:ext>
             </a:extLst>
           </p:cNvPr>
@@ -1523,7 +1531,7 @@
     </p:spTree>
     <p:extLst>
       <p:ext uri="{BB962C8B-B14F-4D97-AF65-F5344CB8AC3E}">
-        <p14:creationId xmlns:p14="http://schemas.microsoft.com/office/powerpoint/2010/main" val="4171907079"/>
+        <p14:creationId xmlns:p14="http://schemas.microsoft.com/office/powerpoint/2010/main" val="3812194613"/>
       </p:ext>
     </p:extLst>
   </p:cSld>
@@ -1716,7 +1724,7 @@
           <p:cNvPr id="6" name="Footer Placeholder 7">
             <a:extLst>
               <a:ext uri="{FF2B5EF4-FFF2-40B4-BE49-F238E27FC236}">
-                <a16:creationId xmlns:a16="http://schemas.microsoft.com/office/drawing/2014/main" id="{CAC3A49B-3196-44DF-AC28-085C72EFBFF0}"/>
+                <a16:creationId xmlns:a16="http://schemas.microsoft.com/office/drawing/2014/main" id="{2DF6E02F-D16C-4F5F-876B-FEAFBBF21DA2}"/>
               </a:ext>
             </a:extLst>
           </p:cNvPr>
@@ -1764,7 +1772,7 @@
     </p:spTree>
     <p:extLst>
       <p:ext uri="{BB962C8B-B14F-4D97-AF65-F5344CB8AC3E}">
-        <p14:creationId xmlns:p14="http://schemas.microsoft.com/office/powerpoint/2010/main" val="1658938417"/>
+        <p14:creationId xmlns:p14="http://schemas.microsoft.com/office/powerpoint/2010/main" val="3870562781"/>
       </p:ext>
     </p:extLst>
   </p:cSld>
@@ -1957,7 +1965,7 @@
           <p:cNvPr id="7" name="Footer Placeholder 7">
             <a:extLst>
               <a:ext uri="{FF2B5EF4-FFF2-40B4-BE49-F238E27FC236}">
-                <a16:creationId xmlns:a16="http://schemas.microsoft.com/office/drawing/2014/main" id="{CAC3A49B-3196-44DF-AC28-085C72EFBFF0}"/>
+                <a16:creationId xmlns:a16="http://schemas.microsoft.com/office/drawing/2014/main" id="{362D6097-012A-4AE2-8897-F9E6C8554A73}"/>
               </a:ext>
             </a:extLst>
           </p:cNvPr>
@@ -2005,7 +2013,7 @@
     </p:spTree>
     <p:extLst>
       <p:ext uri="{BB962C8B-B14F-4D97-AF65-F5344CB8AC3E}">
-        <p14:creationId xmlns:p14="http://schemas.microsoft.com/office/powerpoint/2010/main" val="729041308"/>
+        <p14:creationId xmlns:p14="http://schemas.microsoft.com/office/powerpoint/2010/main" val="2024200990"/>
       </p:ext>
     </p:extLst>
   </p:cSld>
@@ -2128,7 +2136,7 @@
           <p:nvPr userDrawn="1"/>
         </p:nvPicPr>
         <p:blipFill>
-          <a:blip r:embed="rId2" cstate="hqprint">
+          <a:blip r:embed="rId2">
             <a:clrChange>
               <a:clrFrom>
                 <a:srgbClr val="FFFFFF"/>
@@ -2334,7 +2342,7 @@
           <p:nvPr userDrawn="1"/>
         </p:nvPicPr>
         <p:blipFill>
-          <a:blip r:embed="rId5" cstate="hqprint">
+          <a:blip r:embed="rId5">
             <a:clrChange>
               <a:clrFrom>
                 <a:srgbClr val="FFFFFF"/>
@@ -2647,631 +2655,6 @@
 
 <file path=ppt/slideLayouts/slideLayout10.xml><?xml version="1.0" encoding="utf-8"?>
 <p:sldLayout xmlns:a="http://schemas.openxmlformats.org/drawingml/2006/main" xmlns:r="http://schemas.openxmlformats.org/officeDocument/2006/relationships" xmlns:p="http://schemas.openxmlformats.org/presentationml/2006/main" preserve="1" userDrawn="1">
-  <p:cSld name="Image and Content">
-    <p:spTree>
-      <p:nvGrpSpPr>
-        <p:cNvPr id="1" name=""/>
-        <p:cNvGrpSpPr/>
-        <p:nvPr/>
-      </p:nvGrpSpPr>
-      <p:grpSpPr>
-        <a:xfrm>
-          <a:off x="0" y="0"/>
-          <a:ext cx="0" cy="0"/>
-          <a:chOff x="0" y="0"/>
-          <a:chExt cx="0" cy="0"/>
-        </a:xfrm>
-      </p:grpSpPr>
-      <p:sp>
-        <p:nvSpPr>
-          <p:cNvPr id="15" name="Slide Number">
-            <a:extLst>
-              <a:ext uri="{FF2B5EF4-FFF2-40B4-BE49-F238E27FC236}">
-                <a16:creationId xmlns:a16="http://schemas.microsoft.com/office/drawing/2014/main" id="{F888EE71-82B3-40F1-A63F-7417422FB4A4}"/>
-              </a:ext>
-            </a:extLst>
-          </p:cNvPr>
-          <p:cNvSpPr>
-            <a:spLocks noGrp="1"/>
-          </p:cNvSpPr>
-          <p:nvPr>
-            <p:ph type="sldNum" sz="quarter" idx="4"/>
-          </p:nvPr>
-        </p:nvSpPr>
-        <p:spPr>
-          <a:xfrm>
-            <a:off x="11753030" y="6444000"/>
-            <a:ext cx="367414" cy="297000"/>
-          </a:xfrm>
-          <a:prstGeom prst="rect">
-            <a:avLst/>
-          </a:prstGeom>
-        </p:spPr>
-        <p:txBody>
-          <a:bodyPr vert="horz" lIns="91440" tIns="45720" rIns="91440" bIns="45720" rtlCol="0" anchor="b"/>
-          <a:lstStyle>
-            <a:lvl1pPr algn="r">
-              <a:defRPr sz="1000"/>
-            </a:lvl1pPr>
-          </a:lstStyle>
-          <a:p>
-            <a:fld id="{2BF067CD-8E6B-4360-9AA8-C5DF2A48A6D1}" type="slidenum">
-              <a:rPr lang="en-US" noProof="0" smtClean="0"/>
-              <a:pPr/>
-              <a:t>‹#›</a:t>
-            </a:fld>
-            <a:endParaRPr lang="en-US" noProof="0"/>
-          </a:p>
-        </p:txBody>
-      </p:sp>
-      <p:sp>
-        <p:nvSpPr>
-          <p:cNvPr id="14" name="Text Placeholder Body">
-            <a:extLst>
-              <a:ext uri="{FF2B5EF4-FFF2-40B4-BE49-F238E27FC236}">
-                <a16:creationId xmlns:a16="http://schemas.microsoft.com/office/drawing/2014/main" id="{A2ABE920-240F-4CF6-AD45-23ED489FAD6E}"/>
-              </a:ext>
-            </a:extLst>
-          </p:cNvPr>
-          <p:cNvSpPr>
-            <a:spLocks noGrp="1"/>
-          </p:cNvSpPr>
-          <p:nvPr>
-            <p:ph type="body" sz="quarter" idx="13" hasCustomPrompt="1"/>
-          </p:nvPr>
-        </p:nvSpPr>
-        <p:spPr>
-          <a:xfrm>
-            <a:off x="4569002" y="1353866"/>
-            <a:ext cx="7426234" cy="5219931"/>
-          </a:xfrm>
-        </p:spPr>
-        <p:txBody>
-          <a:bodyPr/>
-          <a:lstStyle>
-            <a:lvl1pPr latinLnBrk="0">
-              <a:defRPr/>
-            </a:lvl1pPr>
-            <a:lvl2pPr latinLnBrk="0">
-              <a:defRPr/>
-            </a:lvl2pPr>
-            <a:lvl3pPr latinLnBrk="0">
-              <a:defRPr/>
-            </a:lvl3pPr>
-            <a:lvl4pPr latinLnBrk="0">
-              <a:defRPr/>
-            </a:lvl4pPr>
-            <a:lvl5pPr latinLnBrk="0">
-              <a:defRPr/>
-            </a:lvl5pPr>
-          </a:lstStyle>
-          <a:p>
-            <a:pPr lvl="0"/>
-            <a:r>
-              <a:rPr lang="en-US" noProof="0"/>
-              <a:t>Edit Master text styles</a:t>
-            </a:r>
-          </a:p>
-          <a:p>
-            <a:pPr lvl="1"/>
-            <a:r>
-              <a:rPr lang="en-US" noProof="0"/>
-              <a:t>Second level</a:t>
-            </a:r>
-          </a:p>
-          <a:p>
-            <a:pPr lvl="2"/>
-            <a:r>
-              <a:rPr lang="en-US" noProof="0"/>
-              <a:t>Third level</a:t>
-            </a:r>
-          </a:p>
-          <a:p>
-            <a:pPr lvl="3"/>
-            <a:r>
-              <a:rPr lang="en-US" noProof="0"/>
-              <a:t>Fourth level</a:t>
-            </a:r>
-          </a:p>
-          <a:p>
-            <a:pPr lvl="4"/>
-            <a:r>
-              <a:rPr lang="en-US" noProof="0"/>
-              <a:t>Fifth level</a:t>
-            </a:r>
-          </a:p>
-        </p:txBody>
-      </p:sp>
-      <p:sp>
-        <p:nvSpPr>
-          <p:cNvPr id="5" name="Picture Placeholder Left"/>
-          <p:cNvSpPr>
-            <a:spLocks noGrp="1"/>
-          </p:cNvSpPr>
-          <p:nvPr>
-            <p:ph type="pic" idx="1" hasCustomPrompt="1"/>
-          </p:nvPr>
-        </p:nvSpPr>
-        <p:spPr>
-          <a:xfrm>
-            <a:off x="190405" y="1355077"/>
-            <a:ext cx="3889373" cy="5366405"/>
-          </a:xfrm>
-          <a:prstGeom prst="rect">
-            <a:avLst/>
-          </a:prstGeom>
-          <a:solidFill>
-            <a:schemeClr val="bg2">
-              <a:lumMod val="90000"/>
-            </a:schemeClr>
-          </a:solidFill>
-        </p:spPr>
-        <p:txBody>
-          <a:bodyPr anchor="ctr"/>
-          <a:lstStyle>
-            <a:lvl1pPr marL="0" indent="0" algn="ctr" latinLnBrk="0">
-              <a:buNone/>
-              <a:defRPr sz="2131" baseline="0">
-                <a:solidFill>
-                  <a:schemeClr val="tx1"/>
-                </a:solidFill>
-                <a:latin typeface="+mn-lt"/>
-                <a:cs typeface="Arial" pitchFamily="34" charset="0"/>
-              </a:defRPr>
-            </a:lvl1pPr>
-            <a:lvl2pPr marL="609219" indent="0">
-              <a:buNone/>
-              <a:defRPr sz="3731"/>
-            </a:lvl2pPr>
-            <a:lvl3pPr marL="1218438" indent="0">
-              <a:buNone/>
-              <a:defRPr sz="3198"/>
-            </a:lvl3pPr>
-            <a:lvl4pPr marL="1827657" indent="0">
-              <a:buNone/>
-              <a:defRPr sz="2665"/>
-            </a:lvl4pPr>
-            <a:lvl5pPr marL="2436876" indent="0">
-              <a:buNone/>
-              <a:defRPr sz="2665"/>
-            </a:lvl5pPr>
-            <a:lvl6pPr marL="3046096" indent="0">
-              <a:buNone/>
-              <a:defRPr sz="2665"/>
-            </a:lvl6pPr>
-            <a:lvl7pPr marL="3655315" indent="0">
-              <a:buNone/>
-              <a:defRPr sz="2665"/>
-            </a:lvl7pPr>
-            <a:lvl8pPr marL="4264533" indent="0">
-              <a:buNone/>
-              <a:defRPr sz="2665"/>
-            </a:lvl8pPr>
-            <a:lvl9pPr marL="4873752" indent="0">
-              <a:buNone/>
-              <a:defRPr sz="2665"/>
-            </a:lvl9pPr>
-          </a:lstStyle>
-          <a:p>
-            <a:r>
-              <a:rPr lang="en-US" altLang="ko-KR" noProof="0"/>
-              <a:t>Your Picture Here</a:t>
-            </a:r>
-          </a:p>
-        </p:txBody>
-      </p:sp>
-      <p:sp>
-        <p:nvSpPr>
-          <p:cNvPr id="3" name="Rectangle Left Second"/>
-          <p:cNvSpPr/>
-          <p:nvPr/>
-        </p:nvSpPr>
-        <p:spPr>
-          <a:xfrm>
-            <a:off x="4127777" y="1748999"/>
-            <a:ext cx="240001" cy="3360000"/>
-          </a:xfrm>
-          <a:prstGeom prst="rect">
-            <a:avLst/>
-          </a:prstGeom>
-          <a:solidFill>
-            <a:schemeClr val="tx2"/>
-          </a:solidFill>
-          <a:ln>
-            <a:noFill/>
-          </a:ln>
-        </p:spPr>
-        <p:style>
-          <a:lnRef idx="2">
-            <a:schemeClr val="accent1">
-              <a:shade val="50000"/>
-            </a:schemeClr>
-          </a:lnRef>
-          <a:fillRef idx="1">
-            <a:schemeClr val="accent1"/>
-          </a:fillRef>
-          <a:effectRef idx="0">
-            <a:schemeClr val="accent1"/>
-          </a:effectRef>
-          <a:fontRef idx="minor">
-            <a:schemeClr val="lt1"/>
-          </a:fontRef>
-        </p:style>
-        <p:txBody>
-          <a:bodyPr rtlCol="0" anchor="ctr"/>
-          <a:lstStyle/>
-          <a:p>
-            <a:pPr marL="0" marR="0" lvl="0" indent="0" algn="ctr" defTabSz="913852" rtl="0" eaLnBrk="1" fontAlgn="auto" latinLnBrk="0" hangingPunct="1">
-              <a:lnSpc>
-                <a:spcPct val="100000"/>
-              </a:lnSpc>
-              <a:spcBef>
-                <a:spcPts val="0"/>
-              </a:spcBef>
-              <a:spcAft>
-                <a:spcPts val="0"/>
-              </a:spcAft>
-              <a:buClrTx/>
-              <a:buSzTx/>
-              <a:buFontTx/>
-              <a:buNone/>
-              <a:tabLst/>
-              <a:defRPr/>
-            </a:pPr>
-            <a:endParaRPr kumimoji="0" lang="en-US" altLang="ko-KR" sz="2398" b="0" i="0" u="none" strike="noStrike" kern="1200" cap="none" spc="0" normalizeH="0" baseline="0" noProof="0">
-              <a:ln>
-                <a:noFill/>
-              </a:ln>
-              <a:solidFill>
-                <a:srgbClr val="F7C86D"/>
-              </a:solidFill>
-              <a:effectLst/>
-              <a:uLnTx/>
-              <a:uFillTx/>
-              <a:latin typeface="Calibri" panose="020F0502020204030204"/>
-              <a:ea typeface="맑은 고딕" panose="020B0503020000020004" pitchFamily="34" charset="-127"/>
-              <a:cs typeface="+mn-cs"/>
-            </a:endParaRPr>
-          </a:p>
-        </p:txBody>
-      </p:sp>
-      <p:sp>
-        <p:nvSpPr>
-          <p:cNvPr id="2" name="Rectangle Left First"/>
-          <p:cNvSpPr/>
-          <p:nvPr/>
-        </p:nvSpPr>
-        <p:spPr>
-          <a:xfrm>
-            <a:off x="4079775" y="1355073"/>
-            <a:ext cx="48001" cy="5502926"/>
-          </a:xfrm>
-          <a:prstGeom prst="rect">
-            <a:avLst/>
-          </a:prstGeom>
-          <a:solidFill>
-            <a:schemeClr val="tx2"/>
-          </a:solidFill>
-          <a:ln>
-            <a:noFill/>
-          </a:ln>
-        </p:spPr>
-        <p:style>
-          <a:lnRef idx="2">
-            <a:schemeClr val="accent1">
-              <a:shade val="50000"/>
-            </a:schemeClr>
-          </a:lnRef>
-          <a:fillRef idx="1">
-            <a:schemeClr val="accent1"/>
-          </a:fillRef>
-          <a:effectRef idx="0">
-            <a:schemeClr val="accent1"/>
-          </a:effectRef>
-          <a:fontRef idx="minor">
-            <a:schemeClr val="lt1"/>
-          </a:fontRef>
-        </p:style>
-        <p:txBody>
-          <a:bodyPr rtlCol="0" anchor="ctr"/>
-          <a:lstStyle/>
-          <a:p>
-            <a:pPr marL="0" marR="0" lvl="0" indent="0" algn="ctr" defTabSz="913852" rtl="0" eaLnBrk="1" fontAlgn="auto" latinLnBrk="0" hangingPunct="1">
-              <a:lnSpc>
-                <a:spcPct val="100000"/>
-              </a:lnSpc>
-              <a:spcBef>
-                <a:spcPts val="0"/>
-              </a:spcBef>
-              <a:spcAft>
-                <a:spcPts val="0"/>
-              </a:spcAft>
-              <a:buClrTx/>
-              <a:buSzTx/>
-              <a:buFontTx/>
-              <a:buNone/>
-              <a:tabLst/>
-              <a:defRPr/>
-            </a:pPr>
-            <a:endParaRPr kumimoji="0" lang="en-US" altLang="ko-KR" sz="2398" b="0" i="0" u="none" strike="noStrike" kern="1200" cap="none" spc="0" normalizeH="0" baseline="0" noProof="0">
-              <a:ln>
-                <a:noFill/>
-              </a:ln>
-              <a:solidFill>
-                <a:srgbClr val="F7C86D"/>
-              </a:solidFill>
-              <a:effectLst/>
-              <a:uLnTx/>
-              <a:uFillTx/>
-              <a:latin typeface="Calibri" panose="020F0502020204030204"/>
-              <a:ea typeface="맑은 고딕" panose="020B0503020000020004" pitchFamily="34" charset="-127"/>
-              <a:cs typeface="+mn-cs"/>
-            </a:endParaRPr>
-          </a:p>
-        </p:txBody>
-      </p:sp>
-      <p:sp>
-        <p:nvSpPr>
-          <p:cNvPr id="10" name="Rectangle Down">
-            <a:extLst>
-              <a:ext uri="{FF2B5EF4-FFF2-40B4-BE49-F238E27FC236}">
-                <a16:creationId xmlns:a16="http://schemas.microsoft.com/office/drawing/2014/main" id="{E9B994EC-35A8-4A11-98CB-25DC28852F94}"/>
-              </a:ext>
-            </a:extLst>
-          </p:cNvPr>
-          <p:cNvSpPr/>
-          <p:nvPr/>
-        </p:nvSpPr>
-        <p:spPr>
-          <a:xfrm>
-            <a:off x="2" y="6721482"/>
-            <a:ext cx="12192000" cy="136518"/>
-          </a:xfrm>
-          <a:prstGeom prst="rect">
-            <a:avLst/>
-          </a:prstGeom>
-          <a:solidFill>
-            <a:schemeClr val="tx2"/>
-          </a:solidFill>
-          <a:ln>
-            <a:noFill/>
-          </a:ln>
-        </p:spPr>
-        <p:style>
-          <a:lnRef idx="2">
-            <a:schemeClr val="accent1">
-              <a:shade val="50000"/>
-            </a:schemeClr>
-          </a:lnRef>
-          <a:fillRef idx="1">
-            <a:schemeClr val="accent1"/>
-          </a:fillRef>
-          <a:effectRef idx="0">
-            <a:schemeClr val="accent1"/>
-          </a:effectRef>
-          <a:fontRef idx="minor">
-            <a:schemeClr val="lt1"/>
-          </a:fontRef>
-        </p:style>
-        <p:txBody>
-          <a:bodyPr rtlCol="0" anchor="ctr"/>
-          <a:lstStyle/>
-          <a:p>
-            <a:pPr marL="0" marR="0" lvl="0" indent="0" algn="ctr" defTabSz="913852" rtl="0" eaLnBrk="1" fontAlgn="auto" latinLnBrk="0" hangingPunct="1">
-              <a:lnSpc>
-                <a:spcPct val="100000"/>
-              </a:lnSpc>
-              <a:spcBef>
-                <a:spcPts val="0"/>
-              </a:spcBef>
-              <a:spcAft>
-                <a:spcPts val="0"/>
-              </a:spcAft>
-              <a:buClrTx/>
-              <a:buSzTx/>
-              <a:buFontTx/>
-              <a:buNone/>
-              <a:tabLst/>
-              <a:defRPr/>
-            </a:pPr>
-            <a:endParaRPr kumimoji="0" lang="en-US" altLang="ko-KR" sz="2398" b="0" i="0" u="none" strike="noStrike" kern="1200" cap="none" spc="0" normalizeH="0" baseline="0" noProof="0">
-              <a:ln>
-                <a:noFill/>
-              </a:ln>
-              <a:solidFill>
-                <a:srgbClr val="F7C86D"/>
-              </a:solidFill>
-              <a:effectLst/>
-              <a:uLnTx/>
-              <a:uFillTx/>
-              <a:latin typeface="Calibri" panose="020F0502020204030204"/>
-              <a:ea typeface="맑은 고딕" panose="020B0503020000020004" pitchFamily="34" charset="-127"/>
-              <a:cs typeface="+mn-cs"/>
-            </a:endParaRPr>
-          </a:p>
-        </p:txBody>
-      </p:sp>
-      <p:sp>
-        <p:nvSpPr>
-          <p:cNvPr id="11" name="Rectangle Top">
-            <a:extLst>
-              <a:ext uri="{FF2B5EF4-FFF2-40B4-BE49-F238E27FC236}">
-                <a16:creationId xmlns:a16="http://schemas.microsoft.com/office/drawing/2014/main" id="{274B8F05-DFCE-47BD-BAFD-DF93E1A63BDD}"/>
-              </a:ext>
-            </a:extLst>
-          </p:cNvPr>
-          <p:cNvSpPr/>
-          <p:nvPr userDrawn="1"/>
-        </p:nvSpPr>
-        <p:spPr>
-          <a:xfrm>
-            <a:off x="0" y="0"/>
-            <a:ext cx="12196800" cy="1095376"/>
-          </a:xfrm>
-          <a:prstGeom prst="rect">
-            <a:avLst/>
-          </a:prstGeom>
-          <a:solidFill>
-            <a:schemeClr val="tx2"/>
-          </a:solidFill>
-          <a:ln>
-            <a:noFill/>
-          </a:ln>
-        </p:spPr>
-        <p:style>
-          <a:lnRef idx="2">
-            <a:schemeClr val="accent1">
-              <a:shade val="50000"/>
-            </a:schemeClr>
-          </a:lnRef>
-          <a:fillRef idx="1">
-            <a:schemeClr val="accent1"/>
-          </a:fillRef>
-          <a:effectRef idx="0">
-            <a:schemeClr val="accent1"/>
-          </a:effectRef>
-          <a:fontRef idx="minor">
-            <a:schemeClr val="lt1"/>
-          </a:fontRef>
-        </p:style>
-        <p:txBody>
-          <a:bodyPr rtlCol="0" anchor="ctr"/>
-          <a:lstStyle/>
-          <a:p>
-            <a:pPr marL="0" marR="0" lvl="0" indent="0" algn="ctr" defTabSz="913852" rtl="0" eaLnBrk="1" fontAlgn="auto" latinLnBrk="0" hangingPunct="1">
-              <a:lnSpc>
-                <a:spcPct val="100000"/>
-              </a:lnSpc>
-              <a:spcBef>
-                <a:spcPts val="0"/>
-              </a:spcBef>
-              <a:spcAft>
-                <a:spcPts val="0"/>
-              </a:spcAft>
-              <a:buClrTx/>
-              <a:buSzTx/>
-              <a:buFontTx/>
-              <a:buNone/>
-              <a:tabLst/>
-              <a:defRPr/>
-            </a:pPr>
-            <a:endParaRPr kumimoji="0" lang="en-US" altLang="ko-KR" sz="2398" b="0" i="0" u="none" strike="noStrike" kern="1200" cap="none" spc="0" normalizeH="0" baseline="0" noProof="0">
-              <a:ln>
-                <a:noFill/>
-              </a:ln>
-              <a:solidFill>
-                <a:srgbClr val="F7C86D"/>
-              </a:solidFill>
-              <a:effectLst/>
-              <a:uLnTx/>
-              <a:uFillTx/>
-              <a:latin typeface="Calibri" panose="020F0502020204030204"/>
-              <a:ea typeface="맑은 고딕" panose="020B0503020000020004" pitchFamily="34" charset="-127"/>
-              <a:cs typeface="+mn-cs"/>
-            </a:endParaRPr>
-          </a:p>
-        </p:txBody>
-      </p:sp>
-      <p:pic>
-        <p:nvPicPr>
-          <p:cNvPr id="12" name="Logo Software University" descr="Software University logo">
-            <a:extLst>
-              <a:ext uri="{FF2B5EF4-FFF2-40B4-BE49-F238E27FC236}">
-                <a16:creationId xmlns:a16="http://schemas.microsoft.com/office/drawing/2014/main" id="{233CBB95-791E-4630-B3D9-FADFCE7BCF52}"/>
-              </a:ext>
-            </a:extLst>
-          </p:cNvPr>
-          <p:cNvPicPr>
-            <a:picLocks noChangeAspect="1"/>
-          </p:cNvPicPr>
-          <p:nvPr userDrawn="1"/>
-        </p:nvPicPr>
-        <p:blipFill>
-          <a:blip r:embed="rId2" cstate="hqprint">
-            <a:extLst>
-              <a:ext uri="{28A0092B-C50C-407E-A947-70E740481C1C}">
-                <a14:useLocalDpi xmlns:a14="http://schemas.microsoft.com/office/drawing/2010/main" val="0"/>
-              </a:ext>
-            </a:extLst>
-          </a:blip>
-          <a:stretch>
-            <a:fillRect/>
-          </a:stretch>
-        </p:blipFill>
-        <p:spPr>
-          <a:xfrm>
-            <a:off x="10067957" y="253936"/>
-            <a:ext cx="1915704" cy="559235"/>
-          </a:xfrm>
-          <a:prstGeom prst="rect">
-            <a:avLst/>
-          </a:prstGeom>
-        </p:spPr>
-      </p:pic>
-      <p:sp>
-        <p:nvSpPr>
-          <p:cNvPr id="13" name="Slide Title">
-            <a:extLst>
-              <a:ext uri="{FF2B5EF4-FFF2-40B4-BE49-F238E27FC236}">
-                <a16:creationId xmlns:a16="http://schemas.microsoft.com/office/drawing/2014/main" id="{3F218E34-55D7-4290-BFE4-80F31F941551}"/>
-              </a:ext>
-            </a:extLst>
-          </p:cNvPr>
-          <p:cNvSpPr>
-            <a:spLocks noGrp="1"/>
-          </p:cNvSpPr>
-          <p:nvPr>
-            <p:ph type="title" hasCustomPrompt="1"/>
-          </p:nvPr>
-        </p:nvSpPr>
-        <p:spPr>
-          <a:xfrm>
-            <a:off x="190406" y="100750"/>
-            <a:ext cx="9715594" cy="882654"/>
-          </a:xfrm>
-        </p:spPr>
-        <p:txBody>
-          <a:bodyPr/>
-          <a:lstStyle>
-            <a:lvl1pPr latinLnBrk="0">
-              <a:defRPr>
-                <a:solidFill>
-                  <a:schemeClr val="bg2"/>
-                </a:solidFill>
-              </a:defRPr>
-            </a:lvl1pPr>
-          </a:lstStyle>
-          <a:p>
-            <a:r>
-              <a:rPr lang="en-US" noProof="0" dirty="0"/>
-              <a:t>Slide Title</a:t>
-            </a:r>
-          </a:p>
-        </p:txBody>
-      </p:sp>
-    </p:spTree>
-    <p:extLst>
-      <p:ext uri="{BB962C8B-B14F-4D97-AF65-F5344CB8AC3E}">
-        <p14:creationId xmlns:p14="http://schemas.microsoft.com/office/powerpoint/2010/main" val="3774019400"/>
-      </p:ext>
-    </p:extLst>
-  </p:cSld>
-  <p:clrMapOvr>
-    <a:masterClrMapping/>
-  </p:clrMapOvr>
-  <mc:AlternateContent xmlns:mc="http://schemas.openxmlformats.org/markup-compatibility/2006" xmlns:p14="http://schemas.microsoft.com/office/powerpoint/2010/main">
-    <mc:Choice Requires="p14">
-      <p:transition spd="slow" p14:dur="2000" advClick="0" advTm="5000"/>
-    </mc:Choice>
-    <mc:Fallback xmlns="">
-      <p:transition spd="slow" advClick="0" advTm="5000"/>
-    </mc:Fallback>
-  </mc:AlternateContent>
-</p:sldLayout>
-</file>
-
-<file path=ppt/slideLayouts/slideLayout11.xml><?xml version="1.0" encoding="utf-8"?>
-<p:sldLayout xmlns:a="http://schemas.openxmlformats.org/drawingml/2006/main" xmlns:r="http://schemas.openxmlformats.org/officeDocument/2006/relationships" xmlns:p="http://schemas.openxmlformats.org/presentationml/2006/main" preserve="1" userDrawn="1">
   <p:cSld name="Questions Slide">
     <p:bg>
       <p:bgPr>
@@ -3427,7 +2810,13 @@
               <a:t>© SoftUni – </a:t>
             </a:r>
             <a:r>
-              <a:rPr lang="en-US" sz="1600" u="sng" noProof="0" dirty="0">
+              <a:rPr lang="en-US" sz="1600" dirty="0">
+                <a:hlinkClick r:id="rId2"/>
+              </a:rPr>
+              <a:t>https://about.softuni.bg</a:t>
+            </a:r>
+            <a:r>
+              <a:rPr lang="en-US" sz="1600" noProof="0" dirty="0">
                 <a:solidFill>
                   <a:schemeClr val="bg2"/>
                 </a:solidFill>
@@ -3435,15 +2824,9 @@
                 <a:latin typeface="Calibri" panose="020F0502020204030204" pitchFamily="34" charset="0"/>
                 <a:ea typeface="Calibri" panose="020F0502020204030204" pitchFamily="34" charset="0"/>
                 <a:cs typeface="Arial" panose="020B0604020202020204" pitchFamily="34" charset="0"/>
-                <a:hlinkClick r:id="rId2">
-                  <a:extLst>
-                    <a:ext uri="{A12FA001-AC4F-418D-AE19-62706E023703}">
-                      <ahyp:hlinkClr xmlns="" xmlns:ahyp="http://schemas.microsoft.com/office/drawing/2018/hyperlinkcolor" val="tx"/>
-                    </a:ext>
-                  </a:extLst>
-                </a:hlinkClick>
+                <a:hlinkClick r:id="rId2"/>
               </a:rPr>
-              <a:t>https://softuni.org</a:t>
+              <a:t>. </a:t>
             </a:r>
             <a:r>
               <a:rPr lang="en-US" sz="1600" noProof="0" dirty="0">
@@ -3455,7 +2838,7 @@
                 <a:ea typeface="Calibri" panose="020F0502020204030204" pitchFamily="34" charset="0"/>
                 <a:cs typeface="Arial" panose="020B0604020202020204" pitchFamily="34" charset="0"/>
               </a:rPr>
-              <a:t>. Copyrighted document. Unauthorized copy, reproduction or use is not permitted.</a:t>
+              <a:t>Copyrighted document. Unauthorized copy, reproduction or use is not permitted.</a:t>
             </a:r>
             <a:endParaRPr lang="en-US" sz="2400" noProof="0" dirty="0">
               <a:solidFill>
@@ -4198,7 +3581,7 @@
           <p:nvPr userDrawn="1"/>
         </p:nvPicPr>
         <p:blipFill>
-          <a:blip r:embed="rId11" cstate="hqprint">
+          <a:blip r:embed="rId11">
             <a:clrChange>
               <a:clrFrom>
                 <a:srgbClr val="FFFFFF"/>
@@ -4266,7 +3649,7 @@
 </p:sldLayout>
 </file>
 
-<file path=ppt/slideLayouts/slideLayout12.xml><?xml version="1.0" encoding="utf-8"?>
+<file path=ppt/slideLayouts/slideLayout11.xml><?xml version="1.0" encoding="utf-8"?>
 <p:sldLayout xmlns:a="http://schemas.openxmlformats.org/drawingml/2006/main" xmlns:r="http://schemas.openxmlformats.org/officeDocument/2006/relationships" xmlns:p="http://schemas.openxmlformats.org/presentationml/2006/main" preserve="1" userDrawn="1">
   <p:cSld name="About Slide">
     <p:spTree>
@@ -4424,7 +3807,7 @@
           <p:nvPr userDrawn="1"/>
         </p:nvPicPr>
         <p:blipFill>
-          <a:blip r:embed="rId7" cstate="hqprint">
+          <a:blip r:embed="rId7">
             <a:extLst>
               <a:ext uri="{28A0092B-C50C-407E-A947-70E740481C1C}">
                 <a14:useLocalDpi xmlns:a14="http://schemas.microsoft.com/office/drawing/2010/main" val="0"/>
@@ -4705,7 +4088,7 @@
           <p:nvPr userDrawn="1"/>
         </p:nvPicPr>
         <p:blipFill>
-          <a:blip r:embed="rId11" cstate="hqprint">
+          <a:blip r:embed="rId11">
             <a:extLst>
               <a:ext uri="{28A0092B-C50C-407E-A947-70E740481C1C}">
                 <a14:useLocalDpi xmlns:a14="http://schemas.microsoft.com/office/drawing/2010/main" val="0"/>
@@ -5225,7 +4608,7 @@
           <p:nvPr userDrawn="1"/>
         </p:nvPicPr>
         <p:blipFill>
-          <a:blip r:embed="rId2" cstate="hqprint">
+          <a:blip r:embed="rId2">
             <a:extLst>
               <a:ext uri="{28A0092B-C50C-407E-A947-70E740481C1C}">
                 <a14:useLocalDpi xmlns:a14="http://schemas.microsoft.com/office/drawing/2010/main" val="0"/>
@@ -5442,45 +4825,6 @@
           </a:p>
         </p:txBody>
       </p:sp>
-      <p:pic>
-        <p:nvPicPr>
-          <p:cNvPr id="3074" name="Picture Bulb" descr="Bulb"/>
-          <p:cNvPicPr>
-            <a:picLocks noChangeAspect="1" noChangeArrowheads="1"/>
-          </p:cNvPicPr>
-          <p:nvPr/>
-        </p:nvPicPr>
-        <p:blipFill>
-          <a:blip r:embed="rId2">
-            <a:extLst>
-              <a:ext uri="{28A0092B-C50C-407E-A947-70E740481C1C}">
-                <a14:useLocalDpi xmlns:a14="http://schemas.microsoft.com/office/drawing/2010/main" val="0"/>
-              </a:ext>
-            </a:extLst>
-          </a:blip>
-          <a:srcRect/>
-          <a:stretch/>
-        </p:blipFill>
-        <p:spPr bwMode="auto">
-          <a:xfrm>
-            <a:off x="235205" y="1792355"/>
-            <a:ext cx="1830304" cy="4062222"/>
-          </a:xfrm>
-          <a:prstGeom prst="rect">
-            <a:avLst/>
-          </a:prstGeom>
-          <a:noFill/>
-          <a:extLst>
-            <a:ext uri="{909E8E84-426E-40DD-AFC4-6F175D3DCCD1}">
-              <a14:hiddenFill xmlns:a14="http://schemas.microsoft.com/office/drawing/2010/main">
-                <a:solidFill>
-                  <a:srgbClr val="FFFFFF"/>
-                </a:solidFill>
-              </a14:hiddenFill>
-            </a:ext>
-          </a:extLst>
-        </p:spPr>
-      </p:pic>
       <p:sp>
         <p:nvSpPr>
           <p:cNvPr id="7" name="Slide Body Text">
@@ -5594,7 +4938,7 @@
           <p:nvPr userDrawn="1"/>
         </p:nvPicPr>
         <p:blipFill>
-          <a:blip r:embed="rId3" cstate="hqprint">
+          <a:blip r:embed="rId2">
             <a:clrChange>
               <a:clrFrom>
                 <a:srgbClr val="FFFFFF"/>
@@ -5662,10 +5006,1090 @@
           </a:p>
         </p:txBody>
       </p:sp>
+      <p:grpSp>
+        <p:nvGrpSpPr>
+          <p:cNvPr id="10" name="Group 9">
+            <a:extLst>
+              <a:ext uri="{FF2B5EF4-FFF2-40B4-BE49-F238E27FC236}">
+                <a16:creationId xmlns:a16="http://schemas.microsoft.com/office/drawing/2014/main" id="{43CDBCC2-1C96-44BC-B992-7B0C49C34904}"/>
+              </a:ext>
+            </a:extLst>
+          </p:cNvPr>
+          <p:cNvGrpSpPr/>
+          <p:nvPr userDrawn="1"/>
+        </p:nvGrpSpPr>
+        <p:grpSpPr>
+          <a:xfrm>
+            <a:off x="185076" y="1868177"/>
+            <a:ext cx="1937508" cy="3070349"/>
+            <a:chOff x="3928039" y="1792355"/>
+            <a:chExt cx="1830304" cy="2900460"/>
+          </a:xfrm>
+        </p:grpSpPr>
+        <p:grpSp>
+          <p:nvGrpSpPr>
+            <p:cNvPr id="11" name="Group 10">
+              <a:extLst>
+                <a:ext uri="{FF2B5EF4-FFF2-40B4-BE49-F238E27FC236}">
+                  <a16:creationId xmlns:a16="http://schemas.microsoft.com/office/drawing/2014/main" id="{7D71B3A8-4D39-42CF-9255-81EA3A622DD6}"/>
+                </a:ext>
+              </a:extLst>
+            </p:cNvPr>
+            <p:cNvGrpSpPr/>
+            <p:nvPr/>
+          </p:nvGrpSpPr>
+          <p:grpSpPr>
+            <a:xfrm>
+              <a:off x="3928039" y="1792355"/>
+              <a:ext cx="1830304" cy="2206534"/>
+              <a:chOff x="3216839" y="2404072"/>
+              <a:chExt cx="1830304" cy="2206534"/>
+            </a:xfrm>
+          </p:grpSpPr>
+          <p:sp>
+            <p:nvSpPr>
+              <p:cNvPr id="25" name="Oval 24">
+                <a:extLst>
+                  <a:ext uri="{FF2B5EF4-FFF2-40B4-BE49-F238E27FC236}">
+                    <a16:creationId xmlns:a16="http://schemas.microsoft.com/office/drawing/2014/main" id="{B98059F9-1874-426D-8AF7-A12C21F37DD9}"/>
+                  </a:ext>
+                </a:extLst>
+              </p:cNvPr>
+              <p:cNvSpPr/>
+              <p:nvPr/>
+            </p:nvSpPr>
+            <p:spPr>
+              <a:xfrm>
+                <a:off x="3216839" y="2404072"/>
+                <a:ext cx="1830304" cy="1830304"/>
+              </a:xfrm>
+              <a:prstGeom prst="ellipse">
+                <a:avLst/>
+              </a:prstGeom>
+              <a:solidFill>
+                <a:srgbClr val="F2A40D"/>
+              </a:solidFill>
+              <a:ln>
+                <a:noFill/>
+              </a:ln>
+            </p:spPr>
+            <p:style>
+              <a:lnRef idx="2">
+                <a:schemeClr val="accent1">
+                  <a:shade val="50000"/>
+                </a:schemeClr>
+              </a:lnRef>
+              <a:fillRef idx="1">
+                <a:schemeClr val="accent1"/>
+              </a:fillRef>
+              <a:effectRef idx="0">
+                <a:schemeClr val="accent1"/>
+              </a:effectRef>
+              <a:fontRef idx="minor">
+                <a:schemeClr val="lt1"/>
+              </a:fontRef>
+            </p:style>
+            <p:txBody>
+              <a:bodyPr rtlCol="0" anchor="ctr"/>
+              <a:lstStyle/>
+              <a:p>
+                <a:pPr algn="ctr"/>
+                <a:endParaRPr lang="bg-BG"/>
+              </a:p>
+            </p:txBody>
+          </p:sp>
+          <p:sp>
+            <p:nvSpPr>
+              <p:cNvPr id="26" name="Rectangle 5">
+                <a:extLst>
+                  <a:ext uri="{FF2B5EF4-FFF2-40B4-BE49-F238E27FC236}">
+                    <a16:creationId xmlns:a16="http://schemas.microsoft.com/office/drawing/2014/main" id="{A3A1E077-DBDF-48F0-A924-604984B940A2}"/>
+                  </a:ext>
+                </a:extLst>
+              </p:cNvPr>
+              <p:cNvSpPr/>
+              <p:nvPr/>
+            </p:nvSpPr>
+            <p:spPr>
+              <a:xfrm>
+                <a:off x="3699615" y="3807346"/>
+                <a:ext cx="1143001" cy="803260"/>
+              </a:xfrm>
+              <a:custGeom>
+                <a:avLst/>
+                <a:gdLst>
+                  <a:gd name="connsiteX0" fmla="*/ 0 w 876300"/>
+                  <a:gd name="connsiteY0" fmla="*/ 0 h 787400"/>
+                  <a:gd name="connsiteX1" fmla="*/ 876300 w 876300"/>
+                  <a:gd name="connsiteY1" fmla="*/ 0 h 787400"/>
+                  <a:gd name="connsiteX2" fmla="*/ 876300 w 876300"/>
+                  <a:gd name="connsiteY2" fmla="*/ 787400 h 787400"/>
+                  <a:gd name="connsiteX3" fmla="*/ 0 w 876300"/>
+                  <a:gd name="connsiteY3" fmla="*/ 787400 h 787400"/>
+                  <a:gd name="connsiteX4" fmla="*/ 0 w 876300"/>
+                  <a:gd name="connsiteY4" fmla="*/ 0 h 787400"/>
+                  <a:gd name="connsiteX0" fmla="*/ 0 w 876300"/>
+                  <a:gd name="connsiteY0" fmla="*/ 0 h 787400"/>
+                  <a:gd name="connsiteX1" fmla="*/ 876300 w 876300"/>
+                  <a:gd name="connsiteY1" fmla="*/ 0 h 787400"/>
+                  <a:gd name="connsiteX2" fmla="*/ 876300 w 876300"/>
+                  <a:gd name="connsiteY2" fmla="*/ 787400 h 787400"/>
+                  <a:gd name="connsiteX3" fmla="*/ 0 w 876300"/>
+                  <a:gd name="connsiteY3" fmla="*/ 787400 h 787400"/>
+                  <a:gd name="connsiteX4" fmla="*/ 0 w 876300"/>
+                  <a:gd name="connsiteY4" fmla="*/ 0 h 787400"/>
+                  <a:gd name="connsiteX0" fmla="*/ 0 w 876300"/>
+                  <a:gd name="connsiteY0" fmla="*/ 0 h 787400"/>
+                  <a:gd name="connsiteX1" fmla="*/ 876300 w 876300"/>
+                  <a:gd name="connsiteY1" fmla="*/ 0 h 787400"/>
+                  <a:gd name="connsiteX2" fmla="*/ 876300 w 876300"/>
+                  <a:gd name="connsiteY2" fmla="*/ 787400 h 787400"/>
+                  <a:gd name="connsiteX3" fmla="*/ 0 w 876300"/>
+                  <a:gd name="connsiteY3" fmla="*/ 787400 h 787400"/>
+                  <a:gd name="connsiteX4" fmla="*/ 0 w 876300"/>
+                  <a:gd name="connsiteY4" fmla="*/ 0 h 787400"/>
+                  <a:gd name="connsiteX0" fmla="*/ 0 w 1130300"/>
+                  <a:gd name="connsiteY0" fmla="*/ 0 h 787400"/>
+                  <a:gd name="connsiteX1" fmla="*/ 1130300 w 1130300"/>
+                  <a:gd name="connsiteY1" fmla="*/ 50800 h 787400"/>
+                  <a:gd name="connsiteX2" fmla="*/ 876300 w 1130300"/>
+                  <a:gd name="connsiteY2" fmla="*/ 787400 h 787400"/>
+                  <a:gd name="connsiteX3" fmla="*/ 0 w 1130300"/>
+                  <a:gd name="connsiteY3" fmla="*/ 787400 h 787400"/>
+                  <a:gd name="connsiteX4" fmla="*/ 0 w 1130300"/>
+                  <a:gd name="connsiteY4" fmla="*/ 0 h 787400"/>
+                  <a:gd name="connsiteX0" fmla="*/ 0 w 1136650"/>
+                  <a:gd name="connsiteY0" fmla="*/ 0 h 787400"/>
+                  <a:gd name="connsiteX1" fmla="*/ 1136650 w 1136650"/>
+                  <a:gd name="connsiteY1" fmla="*/ 38100 h 787400"/>
+                  <a:gd name="connsiteX2" fmla="*/ 876300 w 1136650"/>
+                  <a:gd name="connsiteY2" fmla="*/ 787400 h 787400"/>
+                  <a:gd name="connsiteX3" fmla="*/ 0 w 1136650"/>
+                  <a:gd name="connsiteY3" fmla="*/ 787400 h 787400"/>
+                  <a:gd name="connsiteX4" fmla="*/ 0 w 1136650"/>
+                  <a:gd name="connsiteY4" fmla="*/ 0 h 787400"/>
+                </a:gdLst>
+                <a:ahLst/>
+                <a:cxnLst>
+                  <a:cxn ang="0">
+                    <a:pos x="connsiteX0" y="connsiteY0"/>
+                  </a:cxn>
+                  <a:cxn ang="0">
+                    <a:pos x="connsiteX1" y="connsiteY1"/>
+                  </a:cxn>
+                  <a:cxn ang="0">
+                    <a:pos x="connsiteX2" y="connsiteY2"/>
+                  </a:cxn>
+                  <a:cxn ang="0">
+                    <a:pos x="connsiteX3" y="connsiteY3"/>
+                  </a:cxn>
+                  <a:cxn ang="0">
+                    <a:pos x="connsiteX4" y="connsiteY4"/>
+                  </a:cxn>
+                </a:cxnLst>
+                <a:rect l="l" t="t" r="r" b="b"/>
+                <a:pathLst>
+                  <a:path w="1136650" h="787400">
+                    <a:moveTo>
+                      <a:pt x="0" y="0"/>
+                    </a:moveTo>
+                    <a:lnTo>
+                      <a:pt x="1136650" y="38100"/>
+                    </a:lnTo>
+                    <a:cubicBezTo>
+                      <a:pt x="920750" y="376767"/>
+                      <a:pt x="876300" y="524933"/>
+                      <a:pt x="876300" y="787400"/>
+                    </a:cubicBezTo>
+                    <a:lnTo>
+                      <a:pt x="0" y="787400"/>
+                    </a:lnTo>
+                    <a:lnTo>
+                      <a:pt x="0" y="0"/>
+                    </a:lnTo>
+                    <a:close/>
+                  </a:path>
+                </a:pathLst>
+              </a:custGeom>
+              <a:solidFill>
+                <a:srgbClr val="F2A40D"/>
+              </a:solidFill>
+              <a:ln>
+                <a:noFill/>
+              </a:ln>
+            </p:spPr>
+            <p:style>
+              <a:lnRef idx="2">
+                <a:schemeClr val="accent1">
+                  <a:shade val="50000"/>
+                </a:schemeClr>
+              </a:lnRef>
+              <a:fillRef idx="1">
+                <a:schemeClr val="accent1"/>
+              </a:fillRef>
+              <a:effectRef idx="0">
+                <a:schemeClr val="accent1"/>
+              </a:effectRef>
+              <a:fontRef idx="minor">
+                <a:schemeClr val="lt1"/>
+              </a:fontRef>
+            </p:style>
+            <p:txBody>
+              <a:bodyPr rtlCol="0" anchor="ctr"/>
+              <a:lstStyle/>
+              <a:p>
+                <a:pPr algn="ctr"/>
+                <a:endParaRPr lang="bg-BG" dirty="0"/>
+              </a:p>
+            </p:txBody>
+          </p:sp>
+          <p:sp>
+            <p:nvSpPr>
+              <p:cNvPr id="27" name="Rectangle 5">
+                <a:extLst>
+                  <a:ext uri="{FF2B5EF4-FFF2-40B4-BE49-F238E27FC236}">
+                    <a16:creationId xmlns:a16="http://schemas.microsoft.com/office/drawing/2014/main" id="{798B1F51-1FA4-4199-81C7-62356C936CC9}"/>
+                  </a:ext>
+                </a:extLst>
+              </p:cNvPr>
+              <p:cNvSpPr/>
+              <p:nvPr/>
+            </p:nvSpPr>
+            <p:spPr>
+              <a:xfrm flipH="1">
+                <a:off x="3426570" y="3807347"/>
+                <a:ext cx="1143000" cy="803259"/>
+              </a:xfrm>
+              <a:custGeom>
+                <a:avLst/>
+                <a:gdLst>
+                  <a:gd name="connsiteX0" fmla="*/ 0 w 876300"/>
+                  <a:gd name="connsiteY0" fmla="*/ 0 h 787400"/>
+                  <a:gd name="connsiteX1" fmla="*/ 876300 w 876300"/>
+                  <a:gd name="connsiteY1" fmla="*/ 0 h 787400"/>
+                  <a:gd name="connsiteX2" fmla="*/ 876300 w 876300"/>
+                  <a:gd name="connsiteY2" fmla="*/ 787400 h 787400"/>
+                  <a:gd name="connsiteX3" fmla="*/ 0 w 876300"/>
+                  <a:gd name="connsiteY3" fmla="*/ 787400 h 787400"/>
+                  <a:gd name="connsiteX4" fmla="*/ 0 w 876300"/>
+                  <a:gd name="connsiteY4" fmla="*/ 0 h 787400"/>
+                  <a:gd name="connsiteX0" fmla="*/ 0 w 876300"/>
+                  <a:gd name="connsiteY0" fmla="*/ 0 h 787400"/>
+                  <a:gd name="connsiteX1" fmla="*/ 876300 w 876300"/>
+                  <a:gd name="connsiteY1" fmla="*/ 0 h 787400"/>
+                  <a:gd name="connsiteX2" fmla="*/ 876300 w 876300"/>
+                  <a:gd name="connsiteY2" fmla="*/ 787400 h 787400"/>
+                  <a:gd name="connsiteX3" fmla="*/ 0 w 876300"/>
+                  <a:gd name="connsiteY3" fmla="*/ 787400 h 787400"/>
+                  <a:gd name="connsiteX4" fmla="*/ 0 w 876300"/>
+                  <a:gd name="connsiteY4" fmla="*/ 0 h 787400"/>
+                  <a:gd name="connsiteX0" fmla="*/ 0 w 876300"/>
+                  <a:gd name="connsiteY0" fmla="*/ 0 h 787400"/>
+                  <a:gd name="connsiteX1" fmla="*/ 876300 w 876300"/>
+                  <a:gd name="connsiteY1" fmla="*/ 0 h 787400"/>
+                  <a:gd name="connsiteX2" fmla="*/ 876300 w 876300"/>
+                  <a:gd name="connsiteY2" fmla="*/ 787400 h 787400"/>
+                  <a:gd name="connsiteX3" fmla="*/ 0 w 876300"/>
+                  <a:gd name="connsiteY3" fmla="*/ 787400 h 787400"/>
+                  <a:gd name="connsiteX4" fmla="*/ 0 w 876300"/>
+                  <a:gd name="connsiteY4" fmla="*/ 0 h 787400"/>
+                  <a:gd name="connsiteX0" fmla="*/ 0 w 1130300"/>
+                  <a:gd name="connsiteY0" fmla="*/ 0 h 787400"/>
+                  <a:gd name="connsiteX1" fmla="*/ 1130300 w 1130300"/>
+                  <a:gd name="connsiteY1" fmla="*/ 50800 h 787400"/>
+                  <a:gd name="connsiteX2" fmla="*/ 876300 w 1130300"/>
+                  <a:gd name="connsiteY2" fmla="*/ 787400 h 787400"/>
+                  <a:gd name="connsiteX3" fmla="*/ 0 w 1130300"/>
+                  <a:gd name="connsiteY3" fmla="*/ 787400 h 787400"/>
+                  <a:gd name="connsiteX4" fmla="*/ 0 w 1130300"/>
+                  <a:gd name="connsiteY4" fmla="*/ 0 h 787400"/>
+                  <a:gd name="connsiteX0" fmla="*/ 0 w 1136650"/>
+                  <a:gd name="connsiteY0" fmla="*/ 0 h 787400"/>
+                  <a:gd name="connsiteX1" fmla="*/ 1136650 w 1136650"/>
+                  <a:gd name="connsiteY1" fmla="*/ 38100 h 787400"/>
+                  <a:gd name="connsiteX2" fmla="*/ 876300 w 1136650"/>
+                  <a:gd name="connsiteY2" fmla="*/ 787400 h 787400"/>
+                  <a:gd name="connsiteX3" fmla="*/ 0 w 1136650"/>
+                  <a:gd name="connsiteY3" fmla="*/ 787400 h 787400"/>
+                  <a:gd name="connsiteX4" fmla="*/ 0 w 1136650"/>
+                  <a:gd name="connsiteY4" fmla="*/ 0 h 787400"/>
+                </a:gdLst>
+                <a:ahLst/>
+                <a:cxnLst>
+                  <a:cxn ang="0">
+                    <a:pos x="connsiteX0" y="connsiteY0"/>
+                  </a:cxn>
+                  <a:cxn ang="0">
+                    <a:pos x="connsiteX1" y="connsiteY1"/>
+                  </a:cxn>
+                  <a:cxn ang="0">
+                    <a:pos x="connsiteX2" y="connsiteY2"/>
+                  </a:cxn>
+                  <a:cxn ang="0">
+                    <a:pos x="connsiteX3" y="connsiteY3"/>
+                  </a:cxn>
+                  <a:cxn ang="0">
+                    <a:pos x="connsiteX4" y="connsiteY4"/>
+                  </a:cxn>
+                </a:cxnLst>
+                <a:rect l="l" t="t" r="r" b="b"/>
+                <a:pathLst>
+                  <a:path w="1136650" h="787400">
+                    <a:moveTo>
+                      <a:pt x="0" y="0"/>
+                    </a:moveTo>
+                    <a:lnTo>
+                      <a:pt x="1136650" y="38100"/>
+                    </a:lnTo>
+                    <a:cubicBezTo>
+                      <a:pt x="920750" y="376767"/>
+                      <a:pt x="876300" y="524933"/>
+                      <a:pt x="876300" y="787400"/>
+                    </a:cubicBezTo>
+                    <a:lnTo>
+                      <a:pt x="0" y="787400"/>
+                    </a:lnTo>
+                    <a:lnTo>
+                      <a:pt x="0" y="0"/>
+                    </a:lnTo>
+                    <a:close/>
+                  </a:path>
+                </a:pathLst>
+              </a:custGeom>
+              <a:solidFill>
+                <a:srgbClr val="F2A40D"/>
+              </a:solidFill>
+              <a:ln>
+                <a:noFill/>
+              </a:ln>
+            </p:spPr>
+            <p:style>
+              <a:lnRef idx="2">
+                <a:schemeClr val="accent1">
+                  <a:shade val="50000"/>
+                </a:schemeClr>
+              </a:lnRef>
+              <a:fillRef idx="1">
+                <a:schemeClr val="accent1"/>
+              </a:fillRef>
+              <a:effectRef idx="0">
+                <a:schemeClr val="accent1"/>
+              </a:effectRef>
+              <a:fontRef idx="minor">
+                <a:schemeClr val="lt1"/>
+              </a:fontRef>
+            </p:style>
+            <p:txBody>
+              <a:bodyPr rtlCol="0" anchor="ctr"/>
+              <a:lstStyle/>
+              <a:p>
+                <a:pPr algn="ctr"/>
+                <a:endParaRPr lang="bg-BG" dirty="0"/>
+              </a:p>
+            </p:txBody>
+          </p:sp>
+          <p:sp>
+            <p:nvSpPr>
+              <p:cNvPr id="28" name="Arc 27">
+                <a:extLst>
+                  <a:ext uri="{FF2B5EF4-FFF2-40B4-BE49-F238E27FC236}">
+                    <a16:creationId xmlns:a16="http://schemas.microsoft.com/office/drawing/2014/main" id="{40A224C8-1233-40F7-96AB-BFF79AF6CDCB}"/>
+                  </a:ext>
+                </a:extLst>
+              </p:cNvPr>
+              <p:cNvSpPr/>
+              <p:nvPr/>
+            </p:nvSpPr>
+            <p:spPr>
+              <a:xfrm>
+                <a:off x="3454111" y="2482850"/>
+                <a:ext cx="1504950" cy="1504950"/>
+              </a:xfrm>
+              <a:prstGeom prst="arc">
+                <a:avLst>
+                  <a:gd name="adj1" fmla="val 18068338"/>
+                  <a:gd name="adj2" fmla="val 0"/>
+                </a:avLst>
+              </a:prstGeom>
+              <a:ln w="38100" cap="rnd">
+                <a:solidFill>
+                  <a:schemeClr val="bg2"/>
+                </a:solidFill>
+                <a:prstDash val="solid"/>
+              </a:ln>
+            </p:spPr>
+            <p:style>
+              <a:lnRef idx="1">
+                <a:schemeClr val="accent1"/>
+              </a:lnRef>
+              <a:fillRef idx="0">
+                <a:schemeClr val="accent1"/>
+              </a:fillRef>
+              <a:effectRef idx="0">
+                <a:schemeClr val="accent1"/>
+              </a:effectRef>
+              <a:fontRef idx="minor">
+                <a:schemeClr val="tx1"/>
+              </a:fontRef>
+            </p:style>
+            <p:txBody>
+              <a:bodyPr rtlCol="0" anchor="ctr"/>
+              <a:lstStyle/>
+              <a:p>
+                <a:pPr algn="ctr"/>
+                <a:endParaRPr lang="bg-BG">
+                  <a:ln w="57150">
+                    <a:solidFill>
+                      <a:schemeClr val="tx1"/>
+                    </a:solidFill>
+                  </a:ln>
+                </a:endParaRPr>
+              </a:p>
+            </p:txBody>
+          </p:sp>
+          <p:sp>
+            <p:nvSpPr>
+              <p:cNvPr id="29" name="Arc 28">
+                <a:extLst>
+                  <a:ext uri="{FF2B5EF4-FFF2-40B4-BE49-F238E27FC236}">
+                    <a16:creationId xmlns:a16="http://schemas.microsoft.com/office/drawing/2014/main" id="{B57C7CCC-E218-4321-8C7B-3F0C5753C7A1}"/>
+                  </a:ext>
+                </a:extLst>
+              </p:cNvPr>
+              <p:cNvSpPr/>
+              <p:nvPr/>
+            </p:nvSpPr>
+            <p:spPr>
+              <a:xfrm>
+                <a:off x="3454111" y="2482849"/>
+                <a:ext cx="1504950" cy="1504950"/>
+              </a:xfrm>
+              <a:prstGeom prst="arc">
+                <a:avLst>
+                  <a:gd name="adj1" fmla="val 17518504"/>
+                  <a:gd name="adj2" fmla="val 17709817"/>
+                </a:avLst>
+              </a:prstGeom>
+              <a:ln w="38100" cap="rnd">
+                <a:solidFill>
+                  <a:schemeClr val="bg2"/>
+                </a:solidFill>
+                <a:prstDash val="solid"/>
+              </a:ln>
+            </p:spPr>
+            <p:style>
+              <a:lnRef idx="1">
+                <a:schemeClr val="accent1"/>
+              </a:lnRef>
+              <a:fillRef idx="0">
+                <a:schemeClr val="accent1"/>
+              </a:fillRef>
+              <a:effectRef idx="0">
+                <a:schemeClr val="accent1"/>
+              </a:effectRef>
+              <a:fontRef idx="minor">
+                <a:schemeClr val="tx1"/>
+              </a:fontRef>
+            </p:style>
+            <p:txBody>
+              <a:bodyPr rtlCol="0" anchor="ctr"/>
+              <a:lstStyle/>
+              <a:p>
+                <a:pPr algn="ctr"/>
+                <a:endParaRPr lang="bg-BG">
+                  <a:ln w="57150">
+                    <a:solidFill>
+                      <a:schemeClr val="tx1"/>
+                    </a:solidFill>
+                  </a:ln>
+                </a:endParaRPr>
+              </a:p>
+            </p:txBody>
+          </p:sp>
+        </p:grpSp>
+        <p:sp>
+          <p:nvSpPr>
+            <p:cNvPr id="13" name="Rectangle: Rounded Corners 12">
+              <a:extLst>
+                <a:ext uri="{FF2B5EF4-FFF2-40B4-BE49-F238E27FC236}">
+                  <a16:creationId xmlns:a16="http://schemas.microsoft.com/office/drawing/2014/main" id="{6AF309CA-A56C-4ABC-B293-420F4EB1A9B4}"/>
+                </a:ext>
+              </a:extLst>
+            </p:cNvPr>
+            <p:cNvSpPr/>
+            <p:nvPr/>
+          </p:nvSpPr>
+          <p:spPr>
+            <a:xfrm>
+              <a:off x="4400007" y="4324162"/>
+              <a:ext cx="886369" cy="150698"/>
+            </a:xfrm>
+            <a:prstGeom prst="roundRect">
+              <a:avLst/>
+            </a:prstGeom>
+            <a:solidFill>
+              <a:srgbClr val="F2A40D"/>
+            </a:solidFill>
+            <a:ln w="38100">
+              <a:solidFill>
+                <a:srgbClr val="464646"/>
+              </a:solidFill>
+            </a:ln>
+          </p:spPr>
+          <p:style>
+            <a:lnRef idx="2">
+              <a:schemeClr val="accent1">
+                <a:shade val="50000"/>
+              </a:schemeClr>
+            </a:lnRef>
+            <a:fillRef idx="1">
+              <a:schemeClr val="accent1"/>
+            </a:fillRef>
+            <a:effectRef idx="0">
+              <a:schemeClr val="accent1"/>
+            </a:effectRef>
+            <a:fontRef idx="minor">
+              <a:schemeClr val="lt1"/>
+            </a:fontRef>
+          </p:style>
+          <p:txBody>
+            <a:bodyPr rtlCol="0" anchor="ctr"/>
+            <a:lstStyle/>
+            <a:p>
+              <a:pPr algn="ctr"/>
+              <a:endParaRPr lang="bg-BG"/>
+            </a:p>
+          </p:txBody>
+        </p:sp>
+        <p:sp>
+          <p:nvSpPr>
+            <p:cNvPr id="14" name="Rectangle: Rounded Corners 13">
+              <a:extLst>
+                <a:ext uri="{FF2B5EF4-FFF2-40B4-BE49-F238E27FC236}">
+                  <a16:creationId xmlns:a16="http://schemas.microsoft.com/office/drawing/2014/main" id="{07955808-2AC7-44EB-8B6D-82B974E53A3C}"/>
+                </a:ext>
+              </a:extLst>
+            </p:cNvPr>
+            <p:cNvSpPr/>
+            <p:nvPr/>
+          </p:nvSpPr>
+          <p:spPr>
+            <a:xfrm>
+              <a:off x="4533357" y="4542116"/>
+              <a:ext cx="619670" cy="150699"/>
+            </a:xfrm>
+            <a:prstGeom prst="roundRect">
+              <a:avLst/>
+            </a:prstGeom>
+            <a:solidFill>
+              <a:srgbClr val="F2A40D"/>
+            </a:solidFill>
+            <a:ln w="38100">
+              <a:solidFill>
+                <a:srgbClr val="464646"/>
+              </a:solidFill>
+            </a:ln>
+            <a:effectLst>
+              <a:outerShdw blurRad="152400" dist="381000" dir="5400000" sx="70000" sy="70000" rotWithShape="0">
+                <a:prstClr val="black">
+                  <a:alpha val="30000"/>
+                </a:prstClr>
+              </a:outerShdw>
+            </a:effectLst>
+          </p:spPr>
+          <p:style>
+            <a:lnRef idx="2">
+              <a:schemeClr val="accent1">
+                <a:shade val="50000"/>
+              </a:schemeClr>
+            </a:lnRef>
+            <a:fillRef idx="1">
+              <a:schemeClr val="accent1"/>
+            </a:fillRef>
+            <a:effectRef idx="0">
+              <a:schemeClr val="accent1"/>
+            </a:effectRef>
+            <a:fontRef idx="minor">
+              <a:schemeClr val="lt1"/>
+            </a:fontRef>
+          </p:style>
+          <p:txBody>
+            <a:bodyPr rtlCol="0" anchor="ctr"/>
+            <a:lstStyle/>
+            <a:p>
+              <a:pPr algn="ctr"/>
+              <a:endParaRPr lang="bg-BG"/>
+            </a:p>
+          </p:txBody>
+        </p:sp>
+        <p:cxnSp>
+          <p:nvCxnSpPr>
+            <p:cNvPr id="15" name="Straight Connector 14">
+              <a:extLst>
+                <a:ext uri="{FF2B5EF4-FFF2-40B4-BE49-F238E27FC236}">
+                  <a16:creationId xmlns:a16="http://schemas.microsoft.com/office/drawing/2014/main" id="{AC6420D7-AEAB-45EF-8D46-11EB06E4AFEA}"/>
+                </a:ext>
+              </a:extLst>
+            </p:cNvPr>
+            <p:cNvCxnSpPr>
+              <a:cxnSpLocks/>
+            </p:cNvCxnSpPr>
+            <p:nvPr/>
+          </p:nvCxnSpPr>
+          <p:spPr>
+            <a:xfrm flipH="1" flipV="1">
+              <a:off x="4472677" y="2844800"/>
+              <a:ext cx="161562" cy="1164292"/>
+            </a:xfrm>
+            <a:prstGeom prst="line">
+              <a:avLst/>
+            </a:prstGeom>
+            <a:solidFill>
+              <a:srgbClr val="464646"/>
+            </a:solidFill>
+            <a:ln w="38100">
+              <a:solidFill>
+                <a:srgbClr val="464646"/>
+              </a:solidFill>
+            </a:ln>
+          </p:spPr>
+          <p:style>
+            <a:lnRef idx="1">
+              <a:schemeClr val="dk1"/>
+            </a:lnRef>
+            <a:fillRef idx="0">
+              <a:schemeClr val="dk1"/>
+            </a:fillRef>
+            <a:effectRef idx="0">
+              <a:schemeClr val="dk1"/>
+            </a:effectRef>
+            <a:fontRef idx="minor">
+              <a:schemeClr val="tx1"/>
+            </a:fontRef>
+          </p:style>
+        </p:cxnSp>
+        <p:cxnSp>
+          <p:nvCxnSpPr>
+            <p:cNvPr id="16" name="Straight Connector 15">
+              <a:extLst>
+                <a:ext uri="{FF2B5EF4-FFF2-40B4-BE49-F238E27FC236}">
+                  <a16:creationId xmlns:a16="http://schemas.microsoft.com/office/drawing/2014/main" id="{76C7FABC-6773-44F6-990B-3EB082BE9B35}"/>
+                </a:ext>
+              </a:extLst>
+            </p:cNvPr>
+            <p:cNvCxnSpPr>
+              <a:cxnSpLocks/>
+            </p:cNvCxnSpPr>
+            <p:nvPr/>
+          </p:nvCxnSpPr>
+          <p:spPr>
+            <a:xfrm flipH="1">
+              <a:off x="4578548" y="3618567"/>
+              <a:ext cx="528128" cy="0"/>
+            </a:xfrm>
+            <a:prstGeom prst="line">
+              <a:avLst/>
+            </a:prstGeom>
+            <a:solidFill>
+              <a:srgbClr val="464646"/>
+            </a:solidFill>
+            <a:ln w="38100">
+              <a:solidFill>
+                <a:srgbClr val="464646"/>
+              </a:solidFill>
+            </a:ln>
+          </p:spPr>
+          <p:style>
+            <a:lnRef idx="1">
+              <a:schemeClr val="dk1"/>
+            </a:lnRef>
+            <a:fillRef idx="0">
+              <a:schemeClr val="dk1"/>
+            </a:fillRef>
+            <a:effectRef idx="0">
+              <a:schemeClr val="dk1"/>
+            </a:effectRef>
+            <a:fontRef idx="minor">
+              <a:schemeClr val="tx1"/>
+            </a:fontRef>
+          </p:style>
+        </p:cxnSp>
+        <p:grpSp>
+          <p:nvGrpSpPr>
+            <p:cNvPr id="17" name="Group 16">
+              <a:extLst>
+                <a:ext uri="{FF2B5EF4-FFF2-40B4-BE49-F238E27FC236}">
+                  <a16:creationId xmlns:a16="http://schemas.microsoft.com/office/drawing/2014/main" id="{1FAD48E1-DC45-4B3D-9CE5-613250708496}"/>
+                </a:ext>
+              </a:extLst>
+            </p:cNvPr>
+            <p:cNvGrpSpPr/>
+            <p:nvPr/>
+          </p:nvGrpSpPr>
+          <p:grpSpPr>
+            <a:xfrm>
+              <a:off x="4203288" y="2479090"/>
+              <a:ext cx="436874" cy="448528"/>
+              <a:chOff x="2320288" y="2903541"/>
+              <a:chExt cx="332555" cy="302680"/>
+            </a:xfrm>
+            <a:solidFill>
+              <a:srgbClr val="464646"/>
+            </a:solidFill>
+          </p:grpSpPr>
+          <p:cxnSp>
+            <p:nvCxnSpPr>
+              <p:cNvPr id="23" name="Straight Connector 22">
+                <a:extLst>
+                  <a:ext uri="{FF2B5EF4-FFF2-40B4-BE49-F238E27FC236}">
+                    <a16:creationId xmlns:a16="http://schemas.microsoft.com/office/drawing/2014/main" id="{B01FD1D1-046F-457B-AB63-2702CE3E906E}"/>
+                  </a:ext>
+                </a:extLst>
+              </p:cNvPr>
+              <p:cNvCxnSpPr>
+                <a:cxnSpLocks/>
+              </p:cNvCxnSpPr>
+              <p:nvPr/>
+            </p:nvCxnSpPr>
+            <p:spPr>
+              <a:xfrm flipH="1" flipV="1">
+                <a:off x="2321560" y="3054881"/>
+                <a:ext cx="331283" cy="151340"/>
+              </a:xfrm>
+              <a:prstGeom prst="line">
+                <a:avLst/>
+              </a:prstGeom>
+              <a:grpFill/>
+              <a:ln w="38100" cap="rnd">
+                <a:solidFill>
+                  <a:srgbClr val="464646"/>
+                </a:solidFill>
+              </a:ln>
+            </p:spPr>
+            <p:style>
+              <a:lnRef idx="1">
+                <a:schemeClr val="dk1"/>
+              </a:lnRef>
+              <a:fillRef idx="0">
+                <a:schemeClr val="dk1"/>
+              </a:fillRef>
+              <a:effectRef idx="0">
+                <a:schemeClr val="dk1"/>
+              </a:effectRef>
+              <a:fontRef idx="minor">
+                <a:schemeClr val="tx1"/>
+              </a:fontRef>
+            </p:style>
+          </p:cxnSp>
+          <p:cxnSp>
+            <p:nvCxnSpPr>
+              <p:cNvPr id="24" name="Straight Connector 23">
+                <a:extLst>
+                  <a:ext uri="{FF2B5EF4-FFF2-40B4-BE49-F238E27FC236}">
+                    <a16:creationId xmlns:a16="http://schemas.microsoft.com/office/drawing/2014/main" id="{895660C3-C72C-43EE-9C4A-170F85E5BE08}"/>
+                  </a:ext>
+                </a:extLst>
+              </p:cNvPr>
+              <p:cNvCxnSpPr>
+                <a:cxnSpLocks/>
+              </p:cNvCxnSpPr>
+              <p:nvPr/>
+            </p:nvCxnSpPr>
+            <p:spPr>
+              <a:xfrm flipH="1">
+                <a:off x="2320288" y="2903541"/>
+                <a:ext cx="331283" cy="151340"/>
+              </a:xfrm>
+              <a:prstGeom prst="line">
+                <a:avLst/>
+              </a:prstGeom>
+              <a:grpFill/>
+              <a:ln w="38100" cap="rnd">
+                <a:solidFill>
+                  <a:srgbClr val="464646"/>
+                </a:solidFill>
+              </a:ln>
+            </p:spPr>
+            <p:style>
+              <a:lnRef idx="1">
+                <a:schemeClr val="dk1"/>
+              </a:lnRef>
+              <a:fillRef idx="0">
+                <a:schemeClr val="dk1"/>
+              </a:fillRef>
+              <a:effectRef idx="0">
+                <a:schemeClr val="dk1"/>
+              </a:effectRef>
+              <a:fontRef idx="minor">
+                <a:schemeClr val="tx1"/>
+              </a:fontRef>
+            </p:style>
+          </p:cxnSp>
+        </p:grpSp>
+        <p:cxnSp>
+          <p:nvCxnSpPr>
+            <p:cNvPr id="19" name="Straight Connector 18">
+              <a:extLst>
+                <a:ext uri="{FF2B5EF4-FFF2-40B4-BE49-F238E27FC236}">
+                  <a16:creationId xmlns:a16="http://schemas.microsoft.com/office/drawing/2014/main" id="{A74EE503-8FC0-42A6-8860-CA4EE42272E4}"/>
+                </a:ext>
+              </a:extLst>
+            </p:cNvPr>
+            <p:cNvCxnSpPr>
+              <a:cxnSpLocks/>
+            </p:cNvCxnSpPr>
+            <p:nvPr/>
+          </p:nvCxnSpPr>
+          <p:spPr>
+            <a:xfrm flipV="1">
+              <a:off x="5048904" y="2844800"/>
+              <a:ext cx="142425" cy="1164292"/>
+            </a:xfrm>
+            <a:prstGeom prst="line">
+              <a:avLst/>
+            </a:prstGeom>
+            <a:solidFill>
+              <a:srgbClr val="464646"/>
+            </a:solidFill>
+            <a:ln w="38100">
+              <a:solidFill>
+                <a:srgbClr val="464646"/>
+              </a:solidFill>
+            </a:ln>
+          </p:spPr>
+          <p:style>
+            <a:lnRef idx="1">
+              <a:schemeClr val="dk1"/>
+            </a:lnRef>
+            <a:fillRef idx="0">
+              <a:schemeClr val="dk1"/>
+            </a:fillRef>
+            <a:effectRef idx="0">
+              <a:schemeClr val="dk1"/>
+            </a:effectRef>
+            <a:fontRef idx="minor">
+              <a:schemeClr val="tx1"/>
+            </a:fontRef>
+          </p:style>
+        </p:cxnSp>
+        <p:sp>
+          <p:nvSpPr>
+            <p:cNvPr id="12" name="Rectangle: Rounded Corners 11">
+              <a:extLst>
+                <a:ext uri="{FF2B5EF4-FFF2-40B4-BE49-F238E27FC236}">
+                  <a16:creationId xmlns:a16="http://schemas.microsoft.com/office/drawing/2014/main" id="{F4189FDA-9FE8-490B-8A70-2E941811021F}"/>
+                </a:ext>
+              </a:extLst>
+            </p:cNvPr>
+            <p:cNvSpPr/>
+            <p:nvPr/>
+          </p:nvSpPr>
+          <p:spPr>
+            <a:xfrm>
+              <a:off x="4355556" y="4106208"/>
+              <a:ext cx="975271" cy="150698"/>
+            </a:xfrm>
+            <a:prstGeom prst="roundRect">
+              <a:avLst/>
+            </a:prstGeom>
+            <a:solidFill>
+              <a:srgbClr val="F2A40D"/>
+            </a:solidFill>
+            <a:ln w="38100">
+              <a:solidFill>
+                <a:srgbClr val="464646"/>
+              </a:solidFill>
+            </a:ln>
+          </p:spPr>
+          <p:style>
+            <a:lnRef idx="2">
+              <a:schemeClr val="accent1">
+                <a:shade val="50000"/>
+              </a:schemeClr>
+            </a:lnRef>
+            <a:fillRef idx="1">
+              <a:schemeClr val="accent1"/>
+            </a:fillRef>
+            <a:effectRef idx="0">
+              <a:schemeClr val="accent1"/>
+            </a:effectRef>
+            <a:fontRef idx="minor">
+              <a:schemeClr val="lt1"/>
+            </a:fontRef>
+          </p:style>
+          <p:txBody>
+            <a:bodyPr rtlCol="0" anchor="ctr"/>
+            <a:lstStyle/>
+            <a:p>
+              <a:pPr algn="ctr"/>
+              <a:endParaRPr lang="bg-BG"/>
+            </a:p>
+          </p:txBody>
+        </p:sp>
+        <p:grpSp>
+          <p:nvGrpSpPr>
+            <p:cNvPr id="18" name="Group 17">
+              <a:extLst>
+                <a:ext uri="{FF2B5EF4-FFF2-40B4-BE49-F238E27FC236}">
+                  <a16:creationId xmlns:a16="http://schemas.microsoft.com/office/drawing/2014/main" id="{FDA3EFCD-0DF8-419D-8533-D781521E597E}"/>
+                </a:ext>
+              </a:extLst>
+            </p:cNvPr>
+            <p:cNvGrpSpPr/>
+            <p:nvPr/>
+          </p:nvGrpSpPr>
+          <p:grpSpPr>
+            <a:xfrm flipH="1">
+              <a:off x="5035162" y="2479090"/>
+              <a:ext cx="436872" cy="448528"/>
+              <a:chOff x="2320288" y="2903541"/>
+              <a:chExt cx="332555" cy="302680"/>
+            </a:xfrm>
+            <a:solidFill>
+              <a:srgbClr val="464646"/>
+            </a:solidFill>
+          </p:grpSpPr>
+          <p:cxnSp>
+            <p:nvCxnSpPr>
+              <p:cNvPr id="21" name="Straight Connector 20">
+                <a:extLst>
+                  <a:ext uri="{FF2B5EF4-FFF2-40B4-BE49-F238E27FC236}">
+                    <a16:creationId xmlns:a16="http://schemas.microsoft.com/office/drawing/2014/main" id="{C3CC6A5A-182E-4A09-9C04-EB191881D789}"/>
+                  </a:ext>
+                </a:extLst>
+              </p:cNvPr>
+              <p:cNvCxnSpPr>
+                <a:cxnSpLocks/>
+              </p:cNvCxnSpPr>
+              <p:nvPr/>
+            </p:nvCxnSpPr>
+            <p:spPr>
+              <a:xfrm flipH="1" flipV="1">
+                <a:off x="2321560" y="3054881"/>
+                <a:ext cx="331283" cy="151340"/>
+              </a:xfrm>
+              <a:prstGeom prst="line">
+                <a:avLst/>
+              </a:prstGeom>
+              <a:grpFill/>
+              <a:ln w="38100" cap="rnd">
+                <a:solidFill>
+                  <a:srgbClr val="464646"/>
+                </a:solidFill>
+              </a:ln>
+            </p:spPr>
+            <p:style>
+              <a:lnRef idx="1">
+                <a:schemeClr val="dk1"/>
+              </a:lnRef>
+              <a:fillRef idx="0">
+                <a:schemeClr val="dk1"/>
+              </a:fillRef>
+              <a:effectRef idx="0">
+                <a:schemeClr val="dk1"/>
+              </a:effectRef>
+              <a:fontRef idx="minor">
+                <a:schemeClr val="tx1"/>
+              </a:fontRef>
+            </p:style>
+          </p:cxnSp>
+          <p:cxnSp>
+            <p:nvCxnSpPr>
+              <p:cNvPr id="22" name="Straight Connector 21">
+                <a:extLst>
+                  <a:ext uri="{FF2B5EF4-FFF2-40B4-BE49-F238E27FC236}">
+                    <a16:creationId xmlns:a16="http://schemas.microsoft.com/office/drawing/2014/main" id="{440C8953-0555-48CC-8255-78F17E053EE7}"/>
+                  </a:ext>
+                </a:extLst>
+              </p:cNvPr>
+              <p:cNvCxnSpPr>
+                <a:cxnSpLocks/>
+              </p:cNvCxnSpPr>
+              <p:nvPr/>
+            </p:nvCxnSpPr>
+            <p:spPr>
+              <a:xfrm flipH="1">
+                <a:off x="2320288" y="2903541"/>
+                <a:ext cx="331283" cy="151340"/>
+              </a:xfrm>
+              <a:prstGeom prst="line">
+                <a:avLst/>
+              </a:prstGeom>
+              <a:grpFill/>
+              <a:ln w="38100" cap="rnd">
+                <a:solidFill>
+                  <a:srgbClr val="464646"/>
+                </a:solidFill>
+              </a:ln>
+            </p:spPr>
+            <p:style>
+              <a:lnRef idx="1">
+                <a:schemeClr val="dk1"/>
+              </a:lnRef>
+              <a:fillRef idx="0">
+                <a:schemeClr val="dk1"/>
+              </a:fillRef>
+              <a:effectRef idx="0">
+                <a:schemeClr val="dk1"/>
+              </a:effectRef>
+              <a:fontRef idx="minor">
+                <a:schemeClr val="tx1"/>
+              </a:fontRef>
+            </p:style>
+          </p:cxnSp>
+        </p:grpSp>
+      </p:grpSp>
+      <p:cxnSp>
+        <p:nvCxnSpPr>
+          <p:cNvPr id="34" name="Straight Connector 33">
+            <a:extLst>
+              <a:ext uri="{FF2B5EF4-FFF2-40B4-BE49-F238E27FC236}">
+                <a16:creationId xmlns:a16="http://schemas.microsoft.com/office/drawing/2014/main" id="{29B538CA-8CCB-43FB-B5E5-5FC04EBC1F54}"/>
+              </a:ext>
+            </a:extLst>
+          </p:cNvPr>
+          <p:cNvCxnSpPr>
+            <a:cxnSpLocks/>
+            <a:stCxn id="26" idx="2"/>
+          </p:cNvCxnSpPr>
+          <p:nvPr userDrawn="1"/>
+        </p:nvCxnSpPr>
+        <p:spPr>
+          <a:xfrm flipH="1">
+            <a:off x="673735" y="4203953"/>
+            <a:ext cx="955204" cy="0"/>
+          </a:xfrm>
+          <a:prstGeom prst="line">
+            <a:avLst/>
+          </a:prstGeom>
+          <a:solidFill>
+            <a:srgbClr val="464646"/>
+          </a:solidFill>
+          <a:ln w="38100">
+            <a:solidFill>
+              <a:srgbClr val="464646"/>
+            </a:solidFill>
+          </a:ln>
+        </p:spPr>
+        <p:style>
+          <a:lnRef idx="1">
+            <a:schemeClr val="dk1"/>
+          </a:lnRef>
+          <a:fillRef idx="0">
+            <a:schemeClr val="dk1"/>
+          </a:fillRef>
+          <a:effectRef idx="0">
+            <a:schemeClr val="dk1"/>
+          </a:effectRef>
+          <a:fontRef idx="minor">
+            <a:schemeClr val="tx1"/>
+          </a:fontRef>
+        </p:style>
+      </p:cxnSp>
     </p:spTree>
     <p:extLst>
       <p:ext uri="{BB962C8B-B14F-4D97-AF65-F5344CB8AC3E}">
-        <p14:creationId xmlns:p14="http://schemas.microsoft.com/office/powerpoint/2010/main" val="2542530738"/>
+        <p14:creationId xmlns:p14="http://schemas.microsoft.com/office/powerpoint/2010/main" val="743545348"/>
       </p:ext>
     </p:extLst>
   </p:cSld>
@@ -5823,45 +6247,6 @@
           </a:p>
         </p:txBody>
       </p:sp>
-      <p:pic>
-        <p:nvPicPr>
-          <p:cNvPr id="3074" name="Picture Bulb" descr="Bulb"/>
-          <p:cNvPicPr>
-            <a:picLocks noChangeAspect="1" noChangeArrowheads="1"/>
-          </p:cNvPicPr>
-          <p:nvPr/>
-        </p:nvPicPr>
-        <p:blipFill>
-          <a:blip r:embed="rId2">
-            <a:extLst>
-              <a:ext uri="{28A0092B-C50C-407E-A947-70E740481C1C}">
-                <a14:useLocalDpi xmlns:a14="http://schemas.microsoft.com/office/drawing/2010/main" val="0"/>
-              </a:ext>
-            </a:extLst>
-          </a:blip>
-          <a:srcRect/>
-          <a:stretch/>
-        </p:blipFill>
-        <p:spPr bwMode="auto">
-          <a:xfrm>
-            <a:off x="520027" y="3314704"/>
-            <a:ext cx="1260665" cy="2797950"/>
-          </a:xfrm>
-          <a:prstGeom prst="rect">
-            <a:avLst/>
-          </a:prstGeom>
-          <a:noFill/>
-          <a:extLst>
-            <a:ext uri="{909E8E84-426E-40DD-AFC4-6F175D3DCCD1}">
-              <a14:hiddenFill xmlns:a14="http://schemas.microsoft.com/office/drawing/2010/main">
-                <a:solidFill>
-                  <a:srgbClr val="FFFFFF"/>
-                </a:solidFill>
-              </a14:hiddenFill>
-            </a:ext>
-          </a:extLst>
-        </p:spPr>
-      </p:pic>
       <p:sp>
         <p:nvSpPr>
           <p:cNvPr id="15" name="Slide Body Text">
@@ -5975,7 +6360,7 @@
           <p:nvPr userDrawn="1"/>
         </p:nvPicPr>
         <p:blipFill>
-          <a:blip r:embed="rId3" cstate="hqprint">
+          <a:blip r:embed="rId2">
             <a:clrChange>
               <a:clrFrom>
                 <a:srgbClr val="FFFFFF"/>
@@ -6043,6 +6428,1039 @@
           </a:p>
         </p:txBody>
       </p:sp>
+      <p:grpSp>
+        <p:nvGrpSpPr>
+          <p:cNvPr id="33" name="Group 32">
+            <a:extLst>
+              <a:ext uri="{FF2B5EF4-FFF2-40B4-BE49-F238E27FC236}">
+                <a16:creationId xmlns:a16="http://schemas.microsoft.com/office/drawing/2014/main" id="{7CF60135-47AA-48F0-96BA-0E795668ABDB}"/>
+              </a:ext>
+            </a:extLst>
+          </p:cNvPr>
+          <p:cNvGrpSpPr/>
+          <p:nvPr userDrawn="1"/>
+        </p:nvGrpSpPr>
+        <p:grpSpPr>
+          <a:xfrm>
+            <a:off x="392806" y="3429000"/>
+            <a:ext cx="1522048" cy="2411973"/>
+            <a:chOff x="3928039" y="1792355"/>
+            <a:chExt cx="1830304" cy="2900460"/>
+          </a:xfrm>
+        </p:grpSpPr>
+        <p:grpSp>
+          <p:nvGrpSpPr>
+            <p:cNvPr id="34" name="Group 33">
+              <a:extLst>
+                <a:ext uri="{FF2B5EF4-FFF2-40B4-BE49-F238E27FC236}">
+                  <a16:creationId xmlns:a16="http://schemas.microsoft.com/office/drawing/2014/main" id="{2823380E-3936-41AF-BDF7-DA54D75BBF6B}"/>
+                </a:ext>
+              </a:extLst>
+            </p:cNvPr>
+            <p:cNvGrpSpPr/>
+            <p:nvPr/>
+          </p:nvGrpSpPr>
+          <p:grpSpPr>
+            <a:xfrm>
+              <a:off x="3928039" y="1792355"/>
+              <a:ext cx="1830304" cy="2206534"/>
+              <a:chOff x="3216839" y="2404072"/>
+              <a:chExt cx="1830304" cy="2206534"/>
+            </a:xfrm>
+          </p:grpSpPr>
+          <p:sp>
+            <p:nvSpPr>
+              <p:cNvPr id="47" name="Oval 46">
+                <a:extLst>
+                  <a:ext uri="{FF2B5EF4-FFF2-40B4-BE49-F238E27FC236}">
+                    <a16:creationId xmlns:a16="http://schemas.microsoft.com/office/drawing/2014/main" id="{52B047D9-D8DD-45C7-9BC8-6D4F682F5182}"/>
+                  </a:ext>
+                </a:extLst>
+              </p:cNvPr>
+              <p:cNvSpPr/>
+              <p:nvPr/>
+            </p:nvSpPr>
+            <p:spPr>
+              <a:xfrm>
+                <a:off x="3216839" y="2404072"/>
+                <a:ext cx="1830304" cy="1830304"/>
+              </a:xfrm>
+              <a:prstGeom prst="ellipse">
+                <a:avLst/>
+              </a:prstGeom>
+              <a:solidFill>
+                <a:srgbClr val="F2A40D"/>
+              </a:solidFill>
+              <a:ln>
+                <a:noFill/>
+              </a:ln>
+            </p:spPr>
+            <p:style>
+              <a:lnRef idx="2">
+                <a:schemeClr val="accent1">
+                  <a:shade val="50000"/>
+                </a:schemeClr>
+              </a:lnRef>
+              <a:fillRef idx="1">
+                <a:schemeClr val="accent1"/>
+              </a:fillRef>
+              <a:effectRef idx="0">
+                <a:schemeClr val="accent1"/>
+              </a:effectRef>
+              <a:fontRef idx="minor">
+                <a:schemeClr val="lt1"/>
+              </a:fontRef>
+            </p:style>
+            <p:txBody>
+              <a:bodyPr rtlCol="0" anchor="ctr"/>
+              <a:lstStyle/>
+              <a:p>
+                <a:pPr algn="ctr"/>
+                <a:endParaRPr lang="bg-BG"/>
+              </a:p>
+            </p:txBody>
+          </p:sp>
+          <p:sp>
+            <p:nvSpPr>
+              <p:cNvPr id="48" name="Rectangle 5">
+                <a:extLst>
+                  <a:ext uri="{FF2B5EF4-FFF2-40B4-BE49-F238E27FC236}">
+                    <a16:creationId xmlns:a16="http://schemas.microsoft.com/office/drawing/2014/main" id="{4D84FE51-BD8E-47EA-9463-CE02FEA31766}"/>
+                  </a:ext>
+                </a:extLst>
+              </p:cNvPr>
+              <p:cNvSpPr/>
+              <p:nvPr/>
+            </p:nvSpPr>
+            <p:spPr>
+              <a:xfrm>
+                <a:off x="3699615" y="3807346"/>
+                <a:ext cx="1143001" cy="803260"/>
+              </a:xfrm>
+              <a:custGeom>
+                <a:avLst/>
+                <a:gdLst>
+                  <a:gd name="connsiteX0" fmla="*/ 0 w 876300"/>
+                  <a:gd name="connsiteY0" fmla="*/ 0 h 787400"/>
+                  <a:gd name="connsiteX1" fmla="*/ 876300 w 876300"/>
+                  <a:gd name="connsiteY1" fmla="*/ 0 h 787400"/>
+                  <a:gd name="connsiteX2" fmla="*/ 876300 w 876300"/>
+                  <a:gd name="connsiteY2" fmla="*/ 787400 h 787400"/>
+                  <a:gd name="connsiteX3" fmla="*/ 0 w 876300"/>
+                  <a:gd name="connsiteY3" fmla="*/ 787400 h 787400"/>
+                  <a:gd name="connsiteX4" fmla="*/ 0 w 876300"/>
+                  <a:gd name="connsiteY4" fmla="*/ 0 h 787400"/>
+                  <a:gd name="connsiteX0" fmla="*/ 0 w 876300"/>
+                  <a:gd name="connsiteY0" fmla="*/ 0 h 787400"/>
+                  <a:gd name="connsiteX1" fmla="*/ 876300 w 876300"/>
+                  <a:gd name="connsiteY1" fmla="*/ 0 h 787400"/>
+                  <a:gd name="connsiteX2" fmla="*/ 876300 w 876300"/>
+                  <a:gd name="connsiteY2" fmla="*/ 787400 h 787400"/>
+                  <a:gd name="connsiteX3" fmla="*/ 0 w 876300"/>
+                  <a:gd name="connsiteY3" fmla="*/ 787400 h 787400"/>
+                  <a:gd name="connsiteX4" fmla="*/ 0 w 876300"/>
+                  <a:gd name="connsiteY4" fmla="*/ 0 h 787400"/>
+                  <a:gd name="connsiteX0" fmla="*/ 0 w 876300"/>
+                  <a:gd name="connsiteY0" fmla="*/ 0 h 787400"/>
+                  <a:gd name="connsiteX1" fmla="*/ 876300 w 876300"/>
+                  <a:gd name="connsiteY1" fmla="*/ 0 h 787400"/>
+                  <a:gd name="connsiteX2" fmla="*/ 876300 w 876300"/>
+                  <a:gd name="connsiteY2" fmla="*/ 787400 h 787400"/>
+                  <a:gd name="connsiteX3" fmla="*/ 0 w 876300"/>
+                  <a:gd name="connsiteY3" fmla="*/ 787400 h 787400"/>
+                  <a:gd name="connsiteX4" fmla="*/ 0 w 876300"/>
+                  <a:gd name="connsiteY4" fmla="*/ 0 h 787400"/>
+                  <a:gd name="connsiteX0" fmla="*/ 0 w 1130300"/>
+                  <a:gd name="connsiteY0" fmla="*/ 0 h 787400"/>
+                  <a:gd name="connsiteX1" fmla="*/ 1130300 w 1130300"/>
+                  <a:gd name="connsiteY1" fmla="*/ 50800 h 787400"/>
+                  <a:gd name="connsiteX2" fmla="*/ 876300 w 1130300"/>
+                  <a:gd name="connsiteY2" fmla="*/ 787400 h 787400"/>
+                  <a:gd name="connsiteX3" fmla="*/ 0 w 1130300"/>
+                  <a:gd name="connsiteY3" fmla="*/ 787400 h 787400"/>
+                  <a:gd name="connsiteX4" fmla="*/ 0 w 1130300"/>
+                  <a:gd name="connsiteY4" fmla="*/ 0 h 787400"/>
+                  <a:gd name="connsiteX0" fmla="*/ 0 w 1136650"/>
+                  <a:gd name="connsiteY0" fmla="*/ 0 h 787400"/>
+                  <a:gd name="connsiteX1" fmla="*/ 1136650 w 1136650"/>
+                  <a:gd name="connsiteY1" fmla="*/ 38100 h 787400"/>
+                  <a:gd name="connsiteX2" fmla="*/ 876300 w 1136650"/>
+                  <a:gd name="connsiteY2" fmla="*/ 787400 h 787400"/>
+                  <a:gd name="connsiteX3" fmla="*/ 0 w 1136650"/>
+                  <a:gd name="connsiteY3" fmla="*/ 787400 h 787400"/>
+                  <a:gd name="connsiteX4" fmla="*/ 0 w 1136650"/>
+                  <a:gd name="connsiteY4" fmla="*/ 0 h 787400"/>
+                </a:gdLst>
+                <a:ahLst/>
+                <a:cxnLst>
+                  <a:cxn ang="0">
+                    <a:pos x="connsiteX0" y="connsiteY0"/>
+                  </a:cxn>
+                  <a:cxn ang="0">
+                    <a:pos x="connsiteX1" y="connsiteY1"/>
+                  </a:cxn>
+                  <a:cxn ang="0">
+                    <a:pos x="connsiteX2" y="connsiteY2"/>
+                  </a:cxn>
+                  <a:cxn ang="0">
+                    <a:pos x="connsiteX3" y="connsiteY3"/>
+                  </a:cxn>
+                  <a:cxn ang="0">
+                    <a:pos x="connsiteX4" y="connsiteY4"/>
+                  </a:cxn>
+                </a:cxnLst>
+                <a:rect l="l" t="t" r="r" b="b"/>
+                <a:pathLst>
+                  <a:path w="1136650" h="787400">
+                    <a:moveTo>
+                      <a:pt x="0" y="0"/>
+                    </a:moveTo>
+                    <a:lnTo>
+                      <a:pt x="1136650" y="38100"/>
+                    </a:lnTo>
+                    <a:cubicBezTo>
+                      <a:pt x="920750" y="376767"/>
+                      <a:pt x="876300" y="524933"/>
+                      <a:pt x="876300" y="787400"/>
+                    </a:cubicBezTo>
+                    <a:lnTo>
+                      <a:pt x="0" y="787400"/>
+                    </a:lnTo>
+                    <a:lnTo>
+                      <a:pt x="0" y="0"/>
+                    </a:lnTo>
+                    <a:close/>
+                  </a:path>
+                </a:pathLst>
+              </a:custGeom>
+              <a:solidFill>
+                <a:srgbClr val="F2A40D"/>
+              </a:solidFill>
+              <a:ln>
+                <a:noFill/>
+              </a:ln>
+            </p:spPr>
+            <p:style>
+              <a:lnRef idx="2">
+                <a:schemeClr val="accent1">
+                  <a:shade val="50000"/>
+                </a:schemeClr>
+              </a:lnRef>
+              <a:fillRef idx="1">
+                <a:schemeClr val="accent1"/>
+              </a:fillRef>
+              <a:effectRef idx="0">
+                <a:schemeClr val="accent1"/>
+              </a:effectRef>
+              <a:fontRef idx="minor">
+                <a:schemeClr val="lt1"/>
+              </a:fontRef>
+            </p:style>
+            <p:txBody>
+              <a:bodyPr rtlCol="0" anchor="ctr"/>
+              <a:lstStyle/>
+              <a:p>
+                <a:pPr algn="ctr"/>
+                <a:endParaRPr lang="bg-BG" dirty="0"/>
+              </a:p>
+            </p:txBody>
+          </p:sp>
+          <p:sp>
+            <p:nvSpPr>
+              <p:cNvPr id="49" name="Rectangle 5">
+                <a:extLst>
+                  <a:ext uri="{FF2B5EF4-FFF2-40B4-BE49-F238E27FC236}">
+                    <a16:creationId xmlns:a16="http://schemas.microsoft.com/office/drawing/2014/main" id="{F5C8F037-C197-4219-AC87-3A81763512BC}"/>
+                  </a:ext>
+                </a:extLst>
+              </p:cNvPr>
+              <p:cNvSpPr/>
+              <p:nvPr/>
+            </p:nvSpPr>
+            <p:spPr>
+              <a:xfrm flipH="1">
+                <a:off x="3426570" y="3807347"/>
+                <a:ext cx="1143000" cy="803259"/>
+              </a:xfrm>
+              <a:custGeom>
+                <a:avLst/>
+                <a:gdLst>
+                  <a:gd name="connsiteX0" fmla="*/ 0 w 876300"/>
+                  <a:gd name="connsiteY0" fmla="*/ 0 h 787400"/>
+                  <a:gd name="connsiteX1" fmla="*/ 876300 w 876300"/>
+                  <a:gd name="connsiteY1" fmla="*/ 0 h 787400"/>
+                  <a:gd name="connsiteX2" fmla="*/ 876300 w 876300"/>
+                  <a:gd name="connsiteY2" fmla="*/ 787400 h 787400"/>
+                  <a:gd name="connsiteX3" fmla="*/ 0 w 876300"/>
+                  <a:gd name="connsiteY3" fmla="*/ 787400 h 787400"/>
+                  <a:gd name="connsiteX4" fmla="*/ 0 w 876300"/>
+                  <a:gd name="connsiteY4" fmla="*/ 0 h 787400"/>
+                  <a:gd name="connsiteX0" fmla="*/ 0 w 876300"/>
+                  <a:gd name="connsiteY0" fmla="*/ 0 h 787400"/>
+                  <a:gd name="connsiteX1" fmla="*/ 876300 w 876300"/>
+                  <a:gd name="connsiteY1" fmla="*/ 0 h 787400"/>
+                  <a:gd name="connsiteX2" fmla="*/ 876300 w 876300"/>
+                  <a:gd name="connsiteY2" fmla="*/ 787400 h 787400"/>
+                  <a:gd name="connsiteX3" fmla="*/ 0 w 876300"/>
+                  <a:gd name="connsiteY3" fmla="*/ 787400 h 787400"/>
+                  <a:gd name="connsiteX4" fmla="*/ 0 w 876300"/>
+                  <a:gd name="connsiteY4" fmla="*/ 0 h 787400"/>
+                  <a:gd name="connsiteX0" fmla="*/ 0 w 876300"/>
+                  <a:gd name="connsiteY0" fmla="*/ 0 h 787400"/>
+                  <a:gd name="connsiteX1" fmla="*/ 876300 w 876300"/>
+                  <a:gd name="connsiteY1" fmla="*/ 0 h 787400"/>
+                  <a:gd name="connsiteX2" fmla="*/ 876300 w 876300"/>
+                  <a:gd name="connsiteY2" fmla="*/ 787400 h 787400"/>
+                  <a:gd name="connsiteX3" fmla="*/ 0 w 876300"/>
+                  <a:gd name="connsiteY3" fmla="*/ 787400 h 787400"/>
+                  <a:gd name="connsiteX4" fmla="*/ 0 w 876300"/>
+                  <a:gd name="connsiteY4" fmla="*/ 0 h 787400"/>
+                  <a:gd name="connsiteX0" fmla="*/ 0 w 1130300"/>
+                  <a:gd name="connsiteY0" fmla="*/ 0 h 787400"/>
+                  <a:gd name="connsiteX1" fmla="*/ 1130300 w 1130300"/>
+                  <a:gd name="connsiteY1" fmla="*/ 50800 h 787400"/>
+                  <a:gd name="connsiteX2" fmla="*/ 876300 w 1130300"/>
+                  <a:gd name="connsiteY2" fmla="*/ 787400 h 787400"/>
+                  <a:gd name="connsiteX3" fmla="*/ 0 w 1130300"/>
+                  <a:gd name="connsiteY3" fmla="*/ 787400 h 787400"/>
+                  <a:gd name="connsiteX4" fmla="*/ 0 w 1130300"/>
+                  <a:gd name="connsiteY4" fmla="*/ 0 h 787400"/>
+                  <a:gd name="connsiteX0" fmla="*/ 0 w 1136650"/>
+                  <a:gd name="connsiteY0" fmla="*/ 0 h 787400"/>
+                  <a:gd name="connsiteX1" fmla="*/ 1136650 w 1136650"/>
+                  <a:gd name="connsiteY1" fmla="*/ 38100 h 787400"/>
+                  <a:gd name="connsiteX2" fmla="*/ 876300 w 1136650"/>
+                  <a:gd name="connsiteY2" fmla="*/ 787400 h 787400"/>
+                  <a:gd name="connsiteX3" fmla="*/ 0 w 1136650"/>
+                  <a:gd name="connsiteY3" fmla="*/ 787400 h 787400"/>
+                  <a:gd name="connsiteX4" fmla="*/ 0 w 1136650"/>
+                  <a:gd name="connsiteY4" fmla="*/ 0 h 787400"/>
+                </a:gdLst>
+                <a:ahLst/>
+                <a:cxnLst>
+                  <a:cxn ang="0">
+                    <a:pos x="connsiteX0" y="connsiteY0"/>
+                  </a:cxn>
+                  <a:cxn ang="0">
+                    <a:pos x="connsiteX1" y="connsiteY1"/>
+                  </a:cxn>
+                  <a:cxn ang="0">
+                    <a:pos x="connsiteX2" y="connsiteY2"/>
+                  </a:cxn>
+                  <a:cxn ang="0">
+                    <a:pos x="connsiteX3" y="connsiteY3"/>
+                  </a:cxn>
+                  <a:cxn ang="0">
+                    <a:pos x="connsiteX4" y="connsiteY4"/>
+                  </a:cxn>
+                </a:cxnLst>
+                <a:rect l="l" t="t" r="r" b="b"/>
+                <a:pathLst>
+                  <a:path w="1136650" h="787400">
+                    <a:moveTo>
+                      <a:pt x="0" y="0"/>
+                    </a:moveTo>
+                    <a:lnTo>
+                      <a:pt x="1136650" y="38100"/>
+                    </a:lnTo>
+                    <a:cubicBezTo>
+                      <a:pt x="920750" y="376767"/>
+                      <a:pt x="876300" y="524933"/>
+                      <a:pt x="876300" y="787400"/>
+                    </a:cubicBezTo>
+                    <a:lnTo>
+                      <a:pt x="0" y="787400"/>
+                    </a:lnTo>
+                    <a:lnTo>
+                      <a:pt x="0" y="0"/>
+                    </a:lnTo>
+                    <a:close/>
+                  </a:path>
+                </a:pathLst>
+              </a:custGeom>
+              <a:solidFill>
+                <a:srgbClr val="F2A40D"/>
+              </a:solidFill>
+              <a:ln>
+                <a:noFill/>
+              </a:ln>
+            </p:spPr>
+            <p:style>
+              <a:lnRef idx="2">
+                <a:schemeClr val="accent1">
+                  <a:shade val="50000"/>
+                </a:schemeClr>
+              </a:lnRef>
+              <a:fillRef idx="1">
+                <a:schemeClr val="accent1"/>
+              </a:fillRef>
+              <a:effectRef idx="0">
+                <a:schemeClr val="accent1"/>
+              </a:effectRef>
+              <a:fontRef idx="minor">
+                <a:schemeClr val="lt1"/>
+              </a:fontRef>
+            </p:style>
+            <p:txBody>
+              <a:bodyPr rtlCol="0" anchor="ctr"/>
+              <a:lstStyle/>
+              <a:p>
+                <a:pPr algn="ctr"/>
+                <a:endParaRPr lang="bg-BG" dirty="0"/>
+              </a:p>
+            </p:txBody>
+          </p:sp>
+          <p:sp>
+            <p:nvSpPr>
+              <p:cNvPr id="50" name="Arc 49">
+                <a:extLst>
+                  <a:ext uri="{FF2B5EF4-FFF2-40B4-BE49-F238E27FC236}">
+                    <a16:creationId xmlns:a16="http://schemas.microsoft.com/office/drawing/2014/main" id="{786EE401-CF8E-439B-94A0-EE6F3A7D5798}"/>
+                  </a:ext>
+                </a:extLst>
+              </p:cNvPr>
+              <p:cNvSpPr/>
+              <p:nvPr/>
+            </p:nvSpPr>
+            <p:spPr>
+              <a:xfrm>
+                <a:off x="3454111" y="2482850"/>
+                <a:ext cx="1504950" cy="1504950"/>
+              </a:xfrm>
+              <a:prstGeom prst="arc">
+                <a:avLst>
+                  <a:gd name="adj1" fmla="val 18068338"/>
+                  <a:gd name="adj2" fmla="val 0"/>
+                </a:avLst>
+              </a:prstGeom>
+              <a:ln w="38100" cap="rnd">
+                <a:solidFill>
+                  <a:schemeClr val="bg2"/>
+                </a:solidFill>
+                <a:prstDash val="solid"/>
+              </a:ln>
+            </p:spPr>
+            <p:style>
+              <a:lnRef idx="1">
+                <a:schemeClr val="accent1"/>
+              </a:lnRef>
+              <a:fillRef idx="0">
+                <a:schemeClr val="accent1"/>
+              </a:fillRef>
+              <a:effectRef idx="0">
+                <a:schemeClr val="accent1"/>
+              </a:effectRef>
+              <a:fontRef idx="minor">
+                <a:schemeClr val="tx1"/>
+              </a:fontRef>
+            </p:style>
+            <p:txBody>
+              <a:bodyPr rtlCol="0" anchor="ctr"/>
+              <a:lstStyle/>
+              <a:p>
+                <a:pPr algn="ctr"/>
+                <a:endParaRPr lang="bg-BG">
+                  <a:ln w="57150">
+                    <a:solidFill>
+                      <a:schemeClr val="tx1"/>
+                    </a:solidFill>
+                  </a:ln>
+                </a:endParaRPr>
+              </a:p>
+            </p:txBody>
+          </p:sp>
+          <p:sp>
+            <p:nvSpPr>
+              <p:cNvPr id="51" name="Arc 50">
+                <a:extLst>
+                  <a:ext uri="{FF2B5EF4-FFF2-40B4-BE49-F238E27FC236}">
+                    <a16:creationId xmlns:a16="http://schemas.microsoft.com/office/drawing/2014/main" id="{8D9ACD38-B3EB-4A63-9730-CBF0501BF235}"/>
+                  </a:ext>
+                </a:extLst>
+              </p:cNvPr>
+              <p:cNvSpPr/>
+              <p:nvPr/>
+            </p:nvSpPr>
+            <p:spPr>
+              <a:xfrm>
+                <a:off x="3454111" y="2482849"/>
+                <a:ext cx="1504950" cy="1504950"/>
+              </a:xfrm>
+              <a:prstGeom prst="arc">
+                <a:avLst>
+                  <a:gd name="adj1" fmla="val 17518504"/>
+                  <a:gd name="adj2" fmla="val 17709817"/>
+                </a:avLst>
+              </a:prstGeom>
+              <a:ln w="38100" cap="rnd">
+                <a:solidFill>
+                  <a:schemeClr val="bg2"/>
+                </a:solidFill>
+                <a:prstDash val="solid"/>
+              </a:ln>
+            </p:spPr>
+            <p:style>
+              <a:lnRef idx="1">
+                <a:schemeClr val="accent1"/>
+              </a:lnRef>
+              <a:fillRef idx="0">
+                <a:schemeClr val="accent1"/>
+              </a:fillRef>
+              <a:effectRef idx="0">
+                <a:schemeClr val="accent1"/>
+              </a:effectRef>
+              <a:fontRef idx="minor">
+                <a:schemeClr val="tx1"/>
+              </a:fontRef>
+            </p:style>
+            <p:txBody>
+              <a:bodyPr rtlCol="0" anchor="ctr"/>
+              <a:lstStyle/>
+              <a:p>
+                <a:pPr algn="ctr"/>
+                <a:endParaRPr lang="bg-BG">
+                  <a:ln w="57150">
+                    <a:solidFill>
+                      <a:schemeClr val="tx1"/>
+                    </a:solidFill>
+                  </a:ln>
+                </a:endParaRPr>
+              </a:p>
+            </p:txBody>
+          </p:sp>
+        </p:grpSp>
+        <p:sp>
+          <p:nvSpPr>
+            <p:cNvPr id="35" name="Rectangle: Rounded Corners 34">
+              <a:extLst>
+                <a:ext uri="{FF2B5EF4-FFF2-40B4-BE49-F238E27FC236}">
+                  <a16:creationId xmlns:a16="http://schemas.microsoft.com/office/drawing/2014/main" id="{64EE493E-A353-4C75-A3B9-D48ABA2C57CC}"/>
+                </a:ext>
+              </a:extLst>
+            </p:cNvPr>
+            <p:cNvSpPr/>
+            <p:nvPr/>
+          </p:nvSpPr>
+          <p:spPr>
+            <a:xfrm>
+              <a:off x="4400007" y="4324162"/>
+              <a:ext cx="886369" cy="150698"/>
+            </a:xfrm>
+            <a:prstGeom prst="roundRect">
+              <a:avLst/>
+            </a:prstGeom>
+            <a:solidFill>
+              <a:srgbClr val="F2A40D"/>
+            </a:solidFill>
+            <a:ln w="38100">
+              <a:solidFill>
+                <a:srgbClr val="464646"/>
+              </a:solidFill>
+            </a:ln>
+          </p:spPr>
+          <p:style>
+            <a:lnRef idx="2">
+              <a:schemeClr val="accent1">
+                <a:shade val="50000"/>
+              </a:schemeClr>
+            </a:lnRef>
+            <a:fillRef idx="1">
+              <a:schemeClr val="accent1"/>
+            </a:fillRef>
+            <a:effectRef idx="0">
+              <a:schemeClr val="accent1"/>
+            </a:effectRef>
+            <a:fontRef idx="minor">
+              <a:schemeClr val="lt1"/>
+            </a:fontRef>
+          </p:style>
+          <p:txBody>
+            <a:bodyPr rtlCol="0" anchor="ctr"/>
+            <a:lstStyle/>
+            <a:p>
+              <a:pPr algn="ctr"/>
+              <a:endParaRPr lang="bg-BG"/>
+            </a:p>
+          </p:txBody>
+        </p:sp>
+        <p:sp>
+          <p:nvSpPr>
+            <p:cNvPr id="36" name="Rectangle: Rounded Corners 35">
+              <a:extLst>
+                <a:ext uri="{FF2B5EF4-FFF2-40B4-BE49-F238E27FC236}">
+                  <a16:creationId xmlns:a16="http://schemas.microsoft.com/office/drawing/2014/main" id="{718408B9-204E-42E3-9E79-33E047E869BC}"/>
+                </a:ext>
+              </a:extLst>
+            </p:cNvPr>
+            <p:cNvSpPr/>
+            <p:nvPr/>
+          </p:nvSpPr>
+          <p:spPr>
+            <a:xfrm>
+              <a:off x="4533357" y="4542116"/>
+              <a:ext cx="619670" cy="150699"/>
+            </a:xfrm>
+            <a:prstGeom prst="roundRect">
+              <a:avLst/>
+            </a:prstGeom>
+            <a:solidFill>
+              <a:srgbClr val="F2A40D"/>
+            </a:solidFill>
+            <a:ln w="38100">
+              <a:solidFill>
+                <a:srgbClr val="464646"/>
+              </a:solidFill>
+            </a:ln>
+            <a:effectLst>
+              <a:outerShdw blurRad="152400" dist="381000" dir="5400000" sx="70000" sy="70000" rotWithShape="0">
+                <a:prstClr val="black">
+                  <a:alpha val="30000"/>
+                </a:prstClr>
+              </a:outerShdw>
+            </a:effectLst>
+          </p:spPr>
+          <p:style>
+            <a:lnRef idx="2">
+              <a:schemeClr val="accent1">
+                <a:shade val="50000"/>
+              </a:schemeClr>
+            </a:lnRef>
+            <a:fillRef idx="1">
+              <a:schemeClr val="accent1"/>
+            </a:fillRef>
+            <a:effectRef idx="0">
+              <a:schemeClr val="accent1"/>
+            </a:effectRef>
+            <a:fontRef idx="minor">
+              <a:schemeClr val="lt1"/>
+            </a:fontRef>
+          </p:style>
+          <p:txBody>
+            <a:bodyPr rtlCol="0" anchor="ctr"/>
+            <a:lstStyle/>
+            <a:p>
+              <a:pPr algn="ctr"/>
+              <a:endParaRPr lang="bg-BG"/>
+            </a:p>
+          </p:txBody>
+        </p:sp>
+        <p:cxnSp>
+          <p:nvCxnSpPr>
+            <p:cNvPr id="37" name="Straight Connector 36">
+              <a:extLst>
+                <a:ext uri="{FF2B5EF4-FFF2-40B4-BE49-F238E27FC236}">
+                  <a16:creationId xmlns:a16="http://schemas.microsoft.com/office/drawing/2014/main" id="{0AB66D97-DF6F-4CD2-AF13-42B5C852F673}"/>
+                </a:ext>
+              </a:extLst>
+            </p:cNvPr>
+            <p:cNvCxnSpPr>
+              <a:cxnSpLocks/>
+            </p:cNvCxnSpPr>
+            <p:nvPr/>
+          </p:nvCxnSpPr>
+          <p:spPr>
+            <a:xfrm flipH="1" flipV="1">
+              <a:off x="4472677" y="2844800"/>
+              <a:ext cx="161562" cy="1164292"/>
+            </a:xfrm>
+            <a:prstGeom prst="line">
+              <a:avLst/>
+            </a:prstGeom>
+            <a:solidFill>
+              <a:srgbClr val="464646"/>
+            </a:solidFill>
+            <a:ln w="38100">
+              <a:solidFill>
+                <a:srgbClr val="464646"/>
+              </a:solidFill>
+            </a:ln>
+          </p:spPr>
+          <p:style>
+            <a:lnRef idx="1">
+              <a:schemeClr val="dk1"/>
+            </a:lnRef>
+            <a:fillRef idx="0">
+              <a:schemeClr val="dk1"/>
+            </a:fillRef>
+            <a:effectRef idx="0">
+              <a:schemeClr val="dk1"/>
+            </a:effectRef>
+            <a:fontRef idx="minor">
+              <a:schemeClr val="tx1"/>
+            </a:fontRef>
+          </p:style>
+        </p:cxnSp>
+        <p:cxnSp>
+          <p:nvCxnSpPr>
+            <p:cNvPr id="38" name="Straight Connector 37">
+              <a:extLst>
+                <a:ext uri="{FF2B5EF4-FFF2-40B4-BE49-F238E27FC236}">
+                  <a16:creationId xmlns:a16="http://schemas.microsoft.com/office/drawing/2014/main" id="{F2AFBA69-C196-4703-8AAB-5F72A8EDCEB5}"/>
+                </a:ext>
+              </a:extLst>
+            </p:cNvPr>
+            <p:cNvCxnSpPr>
+              <a:cxnSpLocks/>
+            </p:cNvCxnSpPr>
+            <p:nvPr/>
+          </p:nvCxnSpPr>
+          <p:spPr>
+            <a:xfrm flipH="1">
+              <a:off x="4578548" y="3618567"/>
+              <a:ext cx="528128" cy="0"/>
+            </a:xfrm>
+            <a:prstGeom prst="line">
+              <a:avLst/>
+            </a:prstGeom>
+            <a:solidFill>
+              <a:srgbClr val="464646"/>
+            </a:solidFill>
+            <a:ln w="38100">
+              <a:solidFill>
+                <a:srgbClr val="464646"/>
+              </a:solidFill>
+            </a:ln>
+          </p:spPr>
+          <p:style>
+            <a:lnRef idx="1">
+              <a:schemeClr val="dk1"/>
+            </a:lnRef>
+            <a:fillRef idx="0">
+              <a:schemeClr val="dk1"/>
+            </a:fillRef>
+            <a:effectRef idx="0">
+              <a:schemeClr val="dk1"/>
+            </a:effectRef>
+            <a:fontRef idx="minor">
+              <a:schemeClr val="tx1"/>
+            </a:fontRef>
+          </p:style>
+        </p:cxnSp>
+        <p:grpSp>
+          <p:nvGrpSpPr>
+            <p:cNvPr id="39" name="Group 38">
+              <a:extLst>
+                <a:ext uri="{FF2B5EF4-FFF2-40B4-BE49-F238E27FC236}">
+                  <a16:creationId xmlns:a16="http://schemas.microsoft.com/office/drawing/2014/main" id="{9AFC66C1-0C1C-4332-9C4E-782574C896B8}"/>
+                </a:ext>
+              </a:extLst>
+            </p:cNvPr>
+            <p:cNvGrpSpPr/>
+            <p:nvPr/>
+          </p:nvGrpSpPr>
+          <p:grpSpPr>
+            <a:xfrm>
+              <a:off x="4203288" y="2479090"/>
+              <a:ext cx="436874" cy="448528"/>
+              <a:chOff x="2320288" y="2903541"/>
+              <a:chExt cx="332555" cy="302680"/>
+            </a:xfrm>
+            <a:solidFill>
+              <a:srgbClr val="464646"/>
+            </a:solidFill>
+          </p:grpSpPr>
+          <p:cxnSp>
+            <p:nvCxnSpPr>
+              <p:cNvPr id="45" name="Straight Connector 44">
+                <a:extLst>
+                  <a:ext uri="{FF2B5EF4-FFF2-40B4-BE49-F238E27FC236}">
+                    <a16:creationId xmlns:a16="http://schemas.microsoft.com/office/drawing/2014/main" id="{872CA8AD-EAF6-40BE-9DDE-ECDB4A980CA5}"/>
+                  </a:ext>
+                </a:extLst>
+              </p:cNvPr>
+              <p:cNvCxnSpPr>
+                <a:cxnSpLocks/>
+              </p:cNvCxnSpPr>
+              <p:nvPr/>
+            </p:nvCxnSpPr>
+            <p:spPr>
+              <a:xfrm flipH="1" flipV="1">
+                <a:off x="2321560" y="3054881"/>
+                <a:ext cx="331283" cy="151340"/>
+              </a:xfrm>
+              <a:prstGeom prst="line">
+                <a:avLst/>
+              </a:prstGeom>
+              <a:grpFill/>
+              <a:ln w="38100" cap="rnd">
+                <a:solidFill>
+                  <a:srgbClr val="464646"/>
+                </a:solidFill>
+              </a:ln>
+            </p:spPr>
+            <p:style>
+              <a:lnRef idx="1">
+                <a:schemeClr val="dk1"/>
+              </a:lnRef>
+              <a:fillRef idx="0">
+                <a:schemeClr val="dk1"/>
+              </a:fillRef>
+              <a:effectRef idx="0">
+                <a:schemeClr val="dk1"/>
+              </a:effectRef>
+              <a:fontRef idx="minor">
+                <a:schemeClr val="tx1"/>
+              </a:fontRef>
+            </p:style>
+          </p:cxnSp>
+          <p:cxnSp>
+            <p:nvCxnSpPr>
+              <p:cNvPr id="46" name="Straight Connector 45">
+                <a:extLst>
+                  <a:ext uri="{FF2B5EF4-FFF2-40B4-BE49-F238E27FC236}">
+                    <a16:creationId xmlns:a16="http://schemas.microsoft.com/office/drawing/2014/main" id="{57DD3EC7-1A13-4AFE-BD6F-DA12C281FAFB}"/>
+                  </a:ext>
+                </a:extLst>
+              </p:cNvPr>
+              <p:cNvCxnSpPr>
+                <a:cxnSpLocks/>
+              </p:cNvCxnSpPr>
+              <p:nvPr/>
+            </p:nvCxnSpPr>
+            <p:spPr>
+              <a:xfrm flipH="1">
+                <a:off x="2320288" y="2903541"/>
+                <a:ext cx="331283" cy="151340"/>
+              </a:xfrm>
+              <a:prstGeom prst="line">
+                <a:avLst/>
+              </a:prstGeom>
+              <a:grpFill/>
+              <a:ln w="38100" cap="rnd">
+                <a:solidFill>
+                  <a:srgbClr val="464646"/>
+                </a:solidFill>
+              </a:ln>
+            </p:spPr>
+            <p:style>
+              <a:lnRef idx="1">
+                <a:schemeClr val="dk1"/>
+              </a:lnRef>
+              <a:fillRef idx="0">
+                <a:schemeClr val="dk1"/>
+              </a:fillRef>
+              <a:effectRef idx="0">
+                <a:schemeClr val="dk1"/>
+              </a:effectRef>
+              <a:fontRef idx="minor">
+                <a:schemeClr val="tx1"/>
+              </a:fontRef>
+            </p:style>
+          </p:cxnSp>
+        </p:grpSp>
+        <p:cxnSp>
+          <p:nvCxnSpPr>
+            <p:cNvPr id="40" name="Straight Connector 39">
+              <a:extLst>
+                <a:ext uri="{FF2B5EF4-FFF2-40B4-BE49-F238E27FC236}">
+                  <a16:creationId xmlns:a16="http://schemas.microsoft.com/office/drawing/2014/main" id="{E46151FA-19E9-4E84-A082-EDAC6F76EA9D}"/>
+                </a:ext>
+              </a:extLst>
+            </p:cNvPr>
+            <p:cNvCxnSpPr>
+              <a:cxnSpLocks/>
+            </p:cNvCxnSpPr>
+            <p:nvPr/>
+          </p:nvCxnSpPr>
+          <p:spPr>
+            <a:xfrm flipV="1">
+              <a:off x="5048904" y="2844800"/>
+              <a:ext cx="142425" cy="1164292"/>
+            </a:xfrm>
+            <a:prstGeom prst="line">
+              <a:avLst/>
+            </a:prstGeom>
+            <a:solidFill>
+              <a:srgbClr val="464646"/>
+            </a:solidFill>
+            <a:ln w="38100">
+              <a:solidFill>
+                <a:srgbClr val="464646"/>
+              </a:solidFill>
+            </a:ln>
+          </p:spPr>
+          <p:style>
+            <a:lnRef idx="1">
+              <a:schemeClr val="dk1"/>
+            </a:lnRef>
+            <a:fillRef idx="0">
+              <a:schemeClr val="dk1"/>
+            </a:fillRef>
+            <a:effectRef idx="0">
+              <a:schemeClr val="dk1"/>
+            </a:effectRef>
+            <a:fontRef idx="minor">
+              <a:schemeClr val="tx1"/>
+            </a:fontRef>
+          </p:style>
+        </p:cxnSp>
+        <p:sp>
+          <p:nvSpPr>
+            <p:cNvPr id="41" name="Rectangle: Rounded Corners 40">
+              <a:extLst>
+                <a:ext uri="{FF2B5EF4-FFF2-40B4-BE49-F238E27FC236}">
+                  <a16:creationId xmlns:a16="http://schemas.microsoft.com/office/drawing/2014/main" id="{3423EEF0-5B70-4091-B2DA-0740D2609643}"/>
+                </a:ext>
+              </a:extLst>
+            </p:cNvPr>
+            <p:cNvSpPr/>
+            <p:nvPr/>
+          </p:nvSpPr>
+          <p:spPr>
+            <a:xfrm>
+              <a:off x="4355556" y="4106208"/>
+              <a:ext cx="975271" cy="150698"/>
+            </a:xfrm>
+            <a:prstGeom prst="roundRect">
+              <a:avLst/>
+            </a:prstGeom>
+            <a:solidFill>
+              <a:srgbClr val="F2A40D"/>
+            </a:solidFill>
+            <a:ln w="38100">
+              <a:solidFill>
+                <a:srgbClr val="464646"/>
+              </a:solidFill>
+            </a:ln>
+          </p:spPr>
+          <p:style>
+            <a:lnRef idx="2">
+              <a:schemeClr val="accent1">
+                <a:shade val="50000"/>
+              </a:schemeClr>
+            </a:lnRef>
+            <a:fillRef idx="1">
+              <a:schemeClr val="accent1"/>
+            </a:fillRef>
+            <a:effectRef idx="0">
+              <a:schemeClr val="accent1"/>
+            </a:effectRef>
+            <a:fontRef idx="minor">
+              <a:schemeClr val="lt1"/>
+            </a:fontRef>
+          </p:style>
+          <p:txBody>
+            <a:bodyPr rtlCol="0" anchor="ctr"/>
+            <a:lstStyle/>
+            <a:p>
+              <a:pPr algn="ctr"/>
+              <a:endParaRPr lang="bg-BG"/>
+            </a:p>
+          </p:txBody>
+        </p:sp>
+        <p:grpSp>
+          <p:nvGrpSpPr>
+            <p:cNvPr id="42" name="Group 41">
+              <a:extLst>
+                <a:ext uri="{FF2B5EF4-FFF2-40B4-BE49-F238E27FC236}">
+                  <a16:creationId xmlns:a16="http://schemas.microsoft.com/office/drawing/2014/main" id="{49A8AAA7-98E7-4224-B027-830FFCC285A3}"/>
+                </a:ext>
+              </a:extLst>
+            </p:cNvPr>
+            <p:cNvGrpSpPr/>
+            <p:nvPr/>
+          </p:nvGrpSpPr>
+          <p:grpSpPr>
+            <a:xfrm flipH="1">
+              <a:off x="5035162" y="2479090"/>
+              <a:ext cx="436872" cy="448528"/>
+              <a:chOff x="2320288" y="2903541"/>
+              <a:chExt cx="332555" cy="302680"/>
+            </a:xfrm>
+            <a:solidFill>
+              <a:srgbClr val="464646"/>
+            </a:solidFill>
+          </p:grpSpPr>
+          <p:cxnSp>
+            <p:nvCxnSpPr>
+              <p:cNvPr id="43" name="Straight Connector 42">
+                <a:extLst>
+                  <a:ext uri="{FF2B5EF4-FFF2-40B4-BE49-F238E27FC236}">
+                    <a16:creationId xmlns:a16="http://schemas.microsoft.com/office/drawing/2014/main" id="{2129EC38-471E-4685-973E-BA7A7F567C42}"/>
+                  </a:ext>
+                </a:extLst>
+              </p:cNvPr>
+              <p:cNvCxnSpPr>
+                <a:cxnSpLocks/>
+              </p:cNvCxnSpPr>
+              <p:nvPr/>
+            </p:nvCxnSpPr>
+            <p:spPr>
+              <a:xfrm flipH="1" flipV="1">
+                <a:off x="2321560" y="3054881"/>
+                <a:ext cx="331283" cy="151340"/>
+              </a:xfrm>
+              <a:prstGeom prst="line">
+                <a:avLst/>
+              </a:prstGeom>
+              <a:grpFill/>
+              <a:ln w="38100" cap="rnd">
+                <a:solidFill>
+                  <a:srgbClr val="464646"/>
+                </a:solidFill>
+              </a:ln>
+            </p:spPr>
+            <p:style>
+              <a:lnRef idx="1">
+                <a:schemeClr val="dk1"/>
+              </a:lnRef>
+              <a:fillRef idx="0">
+                <a:schemeClr val="dk1"/>
+              </a:fillRef>
+              <a:effectRef idx="0">
+                <a:schemeClr val="dk1"/>
+              </a:effectRef>
+              <a:fontRef idx="minor">
+                <a:schemeClr val="tx1"/>
+              </a:fontRef>
+            </p:style>
+          </p:cxnSp>
+          <p:cxnSp>
+            <p:nvCxnSpPr>
+              <p:cNvPr id="44" name="Straight Connector 43">
+                <a:extLst>
+                  <a:ext uri="{FF2B5EF4-FFF2-40B4-BE49-F238E27FC236}">
+                    <a16:creationId xmlns:a16="http://schemas.microsoft.com/office/drawing/2014/main" id="{678142BE-84C9-4834-B6CC-6623E401661C}"/>
+                  </a:ext>
+                </a:extLst>
+              </p:cNvPr>
+              <p:cNvCxnSpPr>
+                <a:cxnSpLocks/>
+              </p:cNvCxnSpPr>
+              <p:nvPr/>
+            </p:nvCxnSpPr>
+            <p:spPr>
+              <a:xfrm flipH="1">
+                <a:off x="2320288" y="2903541"/>
+                <a:ext cx="331283" cy="151340"/>
+              </a:xfrm>
+              <a:prstGeom prst="line">
+                <a:avLst/>
+              </a:prstGeom>
+              <a:grpFill/>
+              <a:ln w="38100" cap="rnd">
+                <a:solidFill>
+                  <a:srgbClr val="464646"/>
+                </a:solidFill>
+              </a:ln>
+            </p:spPr>
+            <p:style>
+              <a:lnRef idx="1">
+                <a:schemeClr val="dk1"/>
+              </a:lnRef>
+              <a:fillRef idx="0">
+                <a:schemeClr val="dk1"/>
+              </a:fillRef>
+              <a:effectRef idx="0">
+                <a:schemeClr val="dk1"/>
+              </a:effectRef>
+              <a:fontRef idx="minor">
+                <a:schemeClr val="tx1"/>
+              </a:fontRef>
+            </p:style>
+          </p:cxnSp>
+        </p:grpSp>
+      </p:grpSp>
     </p:spTree>
     <p:extLst>
       <p:ext uri="{BB962C8B-B14F-4D97-AF65-F5344CB8AC3E}">
@@ -6204,45 +7622,6 @@
           </a:p>
         </p:txBody>
       </p:sp>
-      <p:pic>
-        <p:nvPicPr>
-          <p:cNvPr id="4" name="Picture Bulb" descr="Bulb"/>
-          <p:cNvPicPr>
-            <a:picLocks noChangeAspect="1" noChangeArrowheads="1"/>
-          </p:cNvPicPr>
-          <p:nvPr userDrawn="1"/>
-        </p:nvPicPr>
-        <p:blipFill>
-          <a:blip r:embed="rId2">
-            <a:extLst>
-              <a:ext uri="{28A0092B-C50C-407E-A947-70E740481C1C}">
-                <a14:useLocalDpi xmlns:a14="http://schemas.microsoft.com/office/drawing/2010/main" val="0"/>
-              </a:ext>
-            </a:extLst>
-          </a:blip>
-          <a:srcRect/>
-          <a:stretch/>
-        </p:blipFill>
-        <p:spPr bwMode="auto">
-          <a:xfrm>
-            <a:off x="156000" y="5098868"/>
-            <a:ext cx="779209" cy="1729395"/>
-          </a:xfrm>
-          <a:prstGeom prst="rect">
-            <a:avLst/>
-          </a:prstGeom>
-          <a:noFill/>
-          <a:extLst>
-            <a:ext uri="{909E8E84-426E-40DD-AFC4-6F175D3DCCD1}">
-              <a14:hiddenFill xmlns:a14="http://schemas.microsoft.com/office/drawing/2010/main">
-                <a:solidFill>
-                  <a:srgbClr val="FFFFFF"/>
-                </a:solidFill>
-              </a14:hiddenFill>
-            </a:ext>
-          </a:extLst>
-        </p:spPr>
-      </p:pic>
       <p:sp>
         <p:nvSpPr>
           <p:cNvPr id="7" name="Slide Body Text">
@@ -6378,6 +7757,1039 @@
           </a:p>
         </p:txBody>
       </p:sp>
+      <p:grpSp>
+        <p:nvGrpSpPr>
+          <p:cNvPr id="28" name="Group 27">
+            <a:extLst>
+              <a:ext uri="{FF2B5EF4-FFF2-40B4-BE49-F238E27FC236}">
+                <a16:creationId xmlns:a16="http://schemas.microsoft.com/office/drawing/2014/main" id="{C4248838-4E67-439E-AE0A-0043D2CB04D6}"/>
+              </a:ext>
+            </a:extLst>
+          </p:cNvPr>
+          <p:cNvGrpSpPr/>
+          <p:nvPr userDrawn="1"/>
+        </p:nvGrpSpPr>
+        <p:grpSpPr>
+          <a:xfrm>
+            <a:off x="108596" y="5591709"/>
+            <a:ext cx="641749" cy="1016973"/>
+            <a:chOff x="3928039" y="1792355"/>
+            <a:chExt cx="1830304" cy="2900460"/>
+          </a:xfrm>
+        </p:grpSpPr>
+        <p:grpSp>
+          <p:nvGrpSpPr>
+            <p:cNvPr id="29" name="Group 28">
+              <a:extLst>
+                <a:ext uri="{FF2B5EF4-FFF2-40B4-BE49-F238E27FC236}">
+                  <a16:creationId xmlns:a16="http://schemas.microsoft.com/office/drawing/2014/main" id="{810CFD6A-2427-49D5-846A-5F93601D4184}"/>
+                </a:ext>
+              </a:extLst>
+            </p:cNvPr>
+            <p:cNvGrpSpPr/>
+            <p:nvPr/>
+          </p:nvGrpSpPr>
+          <p:grpSpPr>
+            <a:xfrm>
+              <a:off x="3928039" y="1792355"/>
+              <a:ext cx="1830304" cy="2206534"/>
+              <a:chOff x="3216839" y="2404072"/>
+              <a:chExt cx="1830304" cy="2206534"/>
+            </a:xfrm>
+          </p:grpSpPr>
+          <p:sp>
+            <p:nvSpPr>
+              <p:cNvPr id="42" name="Oval 41">
+                <a:extLst>
+                  <a:ext uri="{FF2B5EF4-FFF2-40B4-BE49-F238E27FC236}">
+                    <a16:creationId xmlns:a16="http://schemas.microsoft.com/office/drawing/2014/main" id="{017B1AE5-5C36-4839-BA1F-B404EA44E701}"/>
+                  </a:ext>
+                </a:extLst>
+              </p:cNvPr>
+              <p:cNvSpPr/>
+              <p:nvPr/>
+            </p:nvSpPr>
+            <p:spPr>
+              <a:xfrm>
+                <a:off x="3216839" y="2404072"/>
+                <a:ext cx="1830304" cy="1830304"/>
+              </a:xfrm>
+              <a:prstGeom prst="ellipse">
+                <a:avLst/>
+              </a:prstGeom>
+              <a:solidFill>
+                <a:srgbClr val="F2A40D"/>
+              </a:solidFill>
+              <a:ln>
+                <a:noFill/>
+              </a:ln>
+            </p:spPr>
+            <p:style>
+              <a:lnRef idx="2">
+                <a:schemeClr val="accent1">
+                  <a:shade val="50000"/>
+                </a:schemeClr>
+              </a:lnRef>
+              <a:fillRef idx="1">
+                <a:schemeClr val="accent1"/>
+              </a:fillRef>
+              <a:effectRef idx="0">
+                <a:schemeClr val="accent1"/>
+              </a:effectRef>
+              <a:fontRef idx="minor">
+                <a:schemeClr val="lt1"/>
+              </a:fontRef>
+            </p:style>
+            <p:txBody>
+              <a:bodyPr rtlCol="0" anchor="ctr"/>
+              <a:lstStyle/>
+              <a:p>
+                <a:pPr algn="ctr"/>
+                <a:endParaRPr lang="bg-BG"/>
+              </a:p>
+            </p:txBody>
+          </p:sp>
+          <p:sp>
+            <p:nvSpPr>
+              <p:cNvPr id="43" name="Rectangle 5">
+                <a:extLst>
+                  <a:ext uri="{FF2B5EF4-FFF2-40B4-BE49-F238E27FC236}">
+                    <a16:creationId xmlns:a16="http://schemas.microsoft.com/office/drawing/2014/main" id="{FB963D79-BB49-4A1D-BA66-EA0670C79BAE}"/>
+                  </a:ext>
+                </a:extLst>
+              </p:cNvPr>
+              <p:cNvSpPr/>
+              <p:nvPr/>
+            </p:nvSpPr>
+            <p:spPr>
+              <a:xfrm>
+                <a:off x="3699615" y="3807346"/>
+                <a:ext cx="1143001" cy="803260"/>
+              </a:xfrm>
+              <a:custGeom>
+                <a:avLst/>
+                <a:gdLst>
+                  <a:gd name="connsiteX0" fmla="*/ 0 w 876300"/>
+                  <a:gd name="connsiteY0" fmla="*/ 0 h 787400"/>
+                  <a:gd name="connsiteX1" fmla="*/ 876300 w 876300"/>
+                  <a:gd name="connsiteY1" fmla="*/ 0 h 787400"/>
+                  <a:gd name="connsiteX2" fmla="*/ 876300 w 876300"/>
+                  <a:gd name="connsiteY2" fmla="*/ 787400 h 787400"/>
+                  <a:gd name="connsiteX3" fmla="*/ 0 w 876300"/>
+                  <a:gd name="connsiteY3" fmla="*/ 787400 h 787400"/>
+                  <a:gd name="connsiteX4" fmla="*/ 0 w 876300"/>
+                  <a:gd name="connsiteY4" fmla="*/ 0 h 787400"/>
+                  <a:gd name="connsiteX0" fmla="*/ 0 w 876300"/>
+                  <a:gd name="connsiteY0" fmla="*/ 0 h 787400"/>
+                  <a:gd name="connsiteX1" fmla="*/ 876300 w 876300"/>
+                  <a:gd name="connsiteY1" fmla="*/ 0 h 787400"/>
+                  <a:gd name="connsiteX2" fmla="*/ 876300 w 876300"/>
+                  <a:gd name="connsiteY2" fmla="*/ 787400 h 787400"/>
+                  <a:gd name="connsiteX3" fmla="*/ 0 w 876300"/>
+                  <a:gd name="connsiteY3" fmla="*/ 787400 h 787400"/>
+                  <a:gd name="connsiteX4" fmla="*/ 0 w 876300"/>
+                  <a:gd name="connsiteY4" fmla="*/ 0 h 787400"/>
+                  <a:gd name="connsiteX0" fmla="*/ 0 w 876300"/>
+                  <a:gd name="connsiteY0" fmla="*/ 0 h 787400"/>
+                  <a:gd name="connsiteX1" fmla="*/ 876300 w 876300"/>
+                  <a:gd name="connsiteY1" fmla="*/ 0 h 787400"/>
+                  <a:gd name="connsiteX2" fmla="*/ 876300 w 876300"/>
+                  <a:gd name="connsiteY2" fmla="*/ 787400 h 787400"/>
+                  <a:gd name="connsiteX3" fmla="*/ 0 w 876300"/>
+                  <a:gd name="connsiteY3" fmla="*/ 787400 h 787400"/>
+                  <a:gd name="connsiteX4" fmla="*/ 0 w 876300"/>
+                  <a:gd name="connsiteY4" fmla="*/ 0 h 787400"/>
+                  <a:gd name="connsiteX0" fmla="*/ 0 w 1130300"/>
+                  <a:gd name="connsiteY0" fmla="*/ 0 h 787400"/>
+                  <a:gd name="connsiteX1" fmla="*/ 1130300 w 1130300"/>
+                  <a:gd name="connsiteY1" fmla="*/ 50800 h 787400"/>
+                  <a:gd name="connsiteX2" fmla="*/ 876300 w 1130300"/>
+                  <a:gd name="connsiteY2" fmla="*/ 787400 h 787400"/>
+                  <a:gd name="connsiteX3" fmla="*/ 0 w 1130300"/>
+                  <a:gd name="connsiteY3" fmla="*/ 787400 h 787400"/>
+                  <a:gd name="connsiteX4" fmla="*/ 0 w 1130300"/>
+                  <a:gd name="connsiteY4" fmla="*/ 0 h 787400"/>
+                  <a:gd name="connsiteX0" fmla="*/ 0 w 1136650"/>
+                  <a:gd name="connsiteY0" fmla="*/ 0 h 787400"/>
+                  <a:gd name="connsiteX1" fmla="*/ 1136650 w 1136650"/>
+                  <a:gd name="connsiteY1" fmla="*/ 38100 h 787400"/>
+                  <a:gd name="connsiteX2" fmla="*/ 876300 w 1136650"/>
+                  <a:gd name="connsiteY2" fmla="*/ 787400 h 787400"/>
+                  <a:gd name="connsiteX3" fmla="*/ 0 w 1136650"/>
+                  <a:gd name="connsiteY3" fmla="*/ 787400 h 787400"/>
+                  <a:gd name="connsiteX4" fmla="*/ 0 w 1136650"/>
+                  <a:gd name="connsiteY4" fmla="*/ 0 h 787400"/>
+                </a:gdLst>
+                <a:ahLst/>
+                <a:cxnLst>
+                  <a:cxn ang="0">
+                    <a:pos x="connsiteX0" y="connsiteY0"/>
+                  </a:cxn>
+                  <a:cxn ang="0">
+                    <a:pos x="connsiteX1" y="connsiteY1"/>
+                  </a:cxn>
+                  <a:cxn ang="0">
+                    <a:pos x="connsiteX2" y="connsiteY2"/>
+                  </a:cxn>
+                  <a:cxn ang="0">
+                    <a:pos x="connsiteX3" y="connsiteY3"/>
+                  </a:cxn>
+                  <a:cxn ang="0">
+                    <a:pos x="connsiteX4" y="connsiteY4"/>
+                  </a:cxn>
+                </a:cxnLst>
+                <a:rect l="l" t="t" r="r" b="b"/>
+                <a:pathLst>
+                  <a:path w="1136650" h="787400">
+                    <a:moveTo>
+                      <a:pt x="0" y="0"/>
+                    </a:moveTo>
+                    <a:lnTo>
+                      <a:pt x="1136650" y="38100"/>
+                    </a:lnTo>
+                    <a:cubicBezTo>
+                      <a:pt x="920750" y="376767"/>
+                      <a:pt x="876300" y="524933"/>
+                      <a:pt x="876300" y="787400"/>
+                    </a:cubicBezTo>
+                    <a:lnTo>
+                      <a:pt x="0" y="787400"/>
+                    </a:lnTo>
+                    <a:lnTo>
+                      <a:pt x="0" y="0"/>
+                    </a:lnTo>
+                    <a:close/>
+                  </a:path>
+                </a:pathLst>
+              </a:custGeom>
+              <a:solidFill>
+                <a:srgbClr val="F2A40D"/>
+              </a:solidFill>
+              <a:ln>
+                <a:noFill/>
+              </a:ln>
+            </p:spPr>
+            <p:style>
+              <a:lnRef idx="2">
+                <a:schemeClr val="accent1">
+                  <a:shade val="50000"/>
+                </a:schemeClr>
+              </a:lnRef>
+              <a:fillRef idx="1">
+                <a:schemeClr val="accent1"/>
+              </a:fillRef>
+              <a:effectRef idx="0">
+                <a:schemeClr val="accent1"/>
+              </a:effectRef>
+              <a:fontRef idx="minor">
+                <a:schemeClr val="lt1"/>
+              </a:fontRef>
+            </p:style>
+            <p:txBody>
+              <a:bodyPr rtlCol="0" anchor="ctr"/>
+              <a:lstStyle/>
+              <a:p>
+                <a:pPr algn="ctr"/>
+                <a:endParaRPr lang="bg-BG" dirty="0"/>
+              </a:p>
+            </p:txBody>
+          </p:sp>
+          <p:sp>
+            <p:nvSpPr>
+              <p:cNvPr id="44" name="Rectangle 5">
+                <a:extLst>
+                  <a:ext uri="{FF2B5EF4-FFF2-40B4-BE49-F238E27FC236}">
+                    <a16:creationId xmlns:a16="http://schemas.microsoft.com/office/drawing/2014/main" id="{6D7746D8-B913-493B-AAE9-25BC6893D40E}"/>
+                  </a:ext>
+                </a:extLst>
+              </p:cNvPr>
+              <p:cNvSpPr/>
+              <p:nvPr/>
+            </p:nvSpPr>
+            <p:spPr>
+              <a:xfrm flipH="1">
+                <a:off x="3426570" y="3807347"/>
+                <a:ext cx="1143000" cy="803259"/>
+              </a:xfrm>
+              <a:custGeom>
+                <a:avLst/>
+                <a:gdLst>
+                  <a:gd name="connsiteX0" fmla="*/ 0 w 876300"/>
+                  <a:gd name="connsiteY0" fmla="*/ 0 h 787400"/>
+                  <a:gd name="connsiteX1" fmla="*/ 876300 w 876300"/>
+                  <a:gd name="connsiteY1" fmla="*/ 0 h 787400"/>
+                  <a:gd name="connsiteX2" fmla="*/ 876300 w 876300"/>
+                  <a:gd name="connsiteY2" fmla="*/ 787400 h 787400"/>
+                  <a:gd name="connsiteX3" fmla="*/ 0 w 876300"/>
+                  <a:gd name="connsiteY3" fmla="*/ 787400 h 787400"/>
+                  <a:gd name="connsiteX4" fmla="*/ 0 w 876300"/>
+                  <a:gd name="connsiteY4" fmla="*/ 0 h 787400"/>
+                  <a:gd name="connsiteX0" fmla="*/ 0 w 876300"/>
+                  <a:gd name="connsiteY0" fmla="*/ 0 h 787400"/>
+                  <a:gd name="connsiteX1" fmla="*/ 876300 w 876300"/>
+                  <a:gd name="connsiteY1" fmla="*/ 0 h 787400"/>
+                  <a:gd name="connsiteX2" fmla="*/ 876300 w 876300"/>
+                  <a:gd name="connsiteY2" fmla="*/ 787400 h 787400"/>
+                  <a:gd name="connsiteX3" fmla="*/ 0 w 876300"/>
+                  <a:gd name="connsiteY3" fmla="*/ 787400 h 787400"/>
+                  <a:gd name="connsiteX4" fmla="*/ 0 w 876300"/>
+                  <a:gd name="connsiteY4" fmla="*/ 0 h 787400"/>
+                  <a:gd name="connsiteX0" fmla="*/ 0 w 876300"/>
+                  <a:gd name="connsiteY0" fmla="*/ 0 h 787400"/>
+                  <a:gd name="connsiteX1" fmla="*/ 876300 w 876300"/>
+                  <a:gd name="connsiteY1" fmla="*/ 0 h 787400"/>
+                  <a:gd name="connsiteX2" fmla="*/ 876300 w 876300"/>
+                  <a:gd name="connsiteY2" fmla="*/ 787400 h 787400"/>
+                  <a:gd name="connsiteX3" fmla="*/ 0 w 876300"/>
+                  <a:gd name="connsiteY3" fmla="*/ 787400 h 787400"/>
+                  <a:gd name="connsiteX4" fmla="*/ 0 w 876300"/>
+                  <a:gd name="connsiteY4" fmla="*/ 0 h 787400"/>
+                  <a:gd name="connsiteX0" fmla="*/ 0 w 1130300"/>
+                  <a:gd name="connsiteY0" fmla="*/ 0 h 787400"/>
+                  <a:gd name="connsiteX1" fmla="*/ 1130300 w 1130300"/>
+                  <a:gd name="connsiteY1" fmla="*/ 50800 h 787400"/>
+                  <a:gd name="connsiteX2" fmla="*/ 876300 w 1130300"/>
+                  <a:gd name="connsiteY2" fmla="*/ 787400 h 787400"/>
+                  <a:gd name="connsiteX3" fmla="*/ 0 w 1130300"/>
+                  <a:gd name="connsiteY3" fmla="*/ 787400 h 787400"/>
+                  <a:gd name="connsiteX4" fmla="*/ 0 w 1130300"/>
+                  <a:gd name="connsiteY4" fmla="*/ 0 h 787400"/>
+                  <a:gd name="connsiteX0" fmla="*/ 0 w 1136650"/>
+                  <a:gd name="connsiteY0" fmla="*/ 0 h 787400"/>
+                  <a:gd name="connsiteX1" fmla="*/ 1136650 w 1136650"/>
+                  <a:gd name="connsiteY1" fmla="*/ 38100 h 787400"/>
+                  <a:gd name="connsiteX2" fmla="*/ 876300 w 1136650"/>
+                  <a:gd name="connsiteY2" fmla="*/ 787400 h 787400"/>
+                  <a:gd name="connsiteX3" fmla="*/ 0 w 1136650"/>
+                  <a:gd name="connsiteY3" fmla="*/ 787400 h 787400"/>
+                  <a:gd name="connsiteX4" fmla="*/ 0 w 1136650"/>
+                  <a:gd name="connsiteY4" fmla="*/ 0 h 787400"/>
+                </a:gdLst>
+                <a:ahLst/>
+                <a:cxnLst>
+                  <a:cxn ang="0">
+                    <a:pos x="connsiteX0" y="connsiteY0"/>
+                  </a:cxn>
+                  <a:cxn ang="0">
+                    <a:pos x="connsiteX1" y="connsiteY1"/>
+                  </a:cxn>
+                  <a:cxn ang="0">
+                    <a:pos x="connsiteX2" y="connsiteY2"/>
+                  </a:cxn>
+                  <a:cxn ang="0">
+                    <a:pos x="connsiteX3" y="connsiteY3"/>
+                  </a:cxn>
+                  <a:cxn ang="0">
+                    <a:pos x="connsiteX4" y="connsiteY4"/>
+                  </a:cxn>
+                </a:cxnLst>
+                <a:rect l="l" t="t" r="r" b="b"/>
+                <a:pathLst>
+                  <a:path w="1136650" h="787400">
+                    <a:moveTo>
+                      <a:pt x="0" y="0"/>
+                    </a:moveTo>
+                    <a:lnTo>
+                      <a:pt x="1136650" y="38100"/>
+                    </a:lnTo>
+                    <a:cubicBezTo>
+                      <a:pt x="920750" y="376767"/>
+                      <a:pt x="876300" y="524933"/>
+                      <a:pt x="876300" y="787400"/>
+                    </a:cubicBezTo>
+                    <a:lnTo>
+                      <a:pt x="0" y="787400"/>
+                    </a:lnTo>
+                    <a:lnTo>
+                      <a:pt x="0" y="0"/>
+                    </a:lnTo>
+                    <a:close/>
+                  </a:path>
+                </a:pathLst>
+              </a:custGeom>
+              <a:solidFill>
+                <a:srgbClr val="F2A40D"/>
+              </a:solidFill>
+              <a:ln>
+                <a:noFill/>
+              </a:ln>
+            </p:spPr>
+            <p:style>
+              <a:lnRef idx="2">
+                <a:schemeClr val="accent1">
+                  <a:shade val="50000"/>
+                </a:schemeClr>
+              </a:lnRef>
+              <a:fillRef idx="1">
+                <a:schemeClr val="accent1"/>
+              </a:fillRef>
+              <a:effectRef idx="0">
+                <a:schemeClr val="accent1"/>
+              </a:effectRef>
+              <a:fontRef idx="minor">
+                <a:schemeClr val="lt1"/>
+              </a:fontRef>
+            </p:style>
+            <p:txBody>
+              <a:bodyPr rtlCol="0" anchor="ctr"/>
+              <a:lstStyle/>
+              <a:p>
+                <a:pPr algn="ctr"/>
+                <a:endParaRPr lang="bg-BG" dirty="0"/>
+              </a:p>
+            </p:txBody>
+          </p:sp>
+          <p:sp>
+            <p:nvSpPr>
+              <p:cNvPr id="45" name="Arc 44">
+                <a:extLst>
+                  <a:ext uri="{FF2B5EF4-FFF2-40B4-BE49-F238E27FC236}">
+                    <a16:creationId xmlns:a16="http://schemas.microsoft.com/office/drawing/2014/main" id="{29031C02-E965-417B-8799-96061B14F30D}"/>
+                  </a:ext>
+                </a:extLst>
+              </p:cNvPr>
+              <p:cNvSpPr/>
+              <p:nvPr/>
+            </p:nvSpPr>
+            <p:spPr>
+              <a:xfrm>
+                <a:off x="3454111" y="2482850"/>
+                <a:ext cx="1504950" cy="1504950"/>
+              </a:xfrm>
+              <a:prstGeom prst="arc">
+                <a:avLst>
+                  <a:gd name="adj1" fmla="val 18068338"/>
+                  <a:gd name="adj2" fmla="val 0"/>
+                </a:avLst>
+              </a:prstGeom>
+              <a:ln w="38100" cap="rnd">
+                <a:solidFill>
+                  <a:schemeClr val="bg2"/>
+                </a:solidFill>
+                <a:prstDash val="solid"/>
+              </a:ln>
+            </p:spPr>
+            <p:style>
+              <a:lnRef idx="1">
+                <a:schemeClr val="accent1"/>
+              </a:lnRef>
+              <a:fillRef idx="0">
+                <a:schemeClr val="accent1"/>
+              </a:fillRef>
+              <a:effectRef idx="0">
+                <a:schemeClr val="accent1"/>
+              </a:effectRef>
+              <a:fontRef idx="minor">
+                <a:schemeClr val="tx1"/>
+              </a:fontRef>
+            </p:style>
+            <p:txBody>
+              <a:bodyPr rtlCol="0" anchor="ctr"/>
+              <a:lstStyle/>
+              <a:p>
+                <a:pPr algn="ctr"/>
+                <a:endParaRPr lang="bg-BG">
+                  <a:ln w="57150">
+                    <a:solidFill>
+                      <a:schemeClr val="tx1"/>
+                    </a:solidFill>
+                  </a:ln>
+                </a:endParaRPr>
+              </a:p>
+            </p:txBody>
+          </p:sp>
+          <p:sp>
+            <p:nvSpPr>
+              <p:cNvPr id="46" name="Arc 45">
+                <a:extLst>
+                  <a:ext uri="{FF2B5EF4-FFF2-40B4-BE49-F238E27FC236}">
+                    <a16:creationId xmlns:a16="http://schemas.microsoft.com/office/drawing/2014/main" id="{26BFD8A6-BC99-4B16-BA10-08A9E5C681C0}"/>
+                  </a:ext>
+                </a:extLst>
+              </p:cNvPr>
+              <p:cNvSpPr/>
+              <p:nvPr/>
+            </p:nvSpPr>
+            <p:spPr>
+              <a:xfrm>
+                <a:off x="3454111" y="2482849"/>
+                <a:ext cx="1504950" cy="1504950"/>
+              </a:xfrm>
+              <a:prstGeom prst="arc">
+                <a:avLst>
+                  <a:gd name="adj1" fmla="val 17518504"/>
+                  <a:gd name="adj2" fmla="val 17709817"/>
+                </a:avLst>
+              </a:prstGeom>
+              <a:ln w="38100" cap="rnd">
+                <a:solidFill>
+                  <a:schemeClr val="bg2"/>
+                </a:solidFill>
+                <a:prstDash val="solid"/>
+              </a:ln>
+            </p:spPr>
+            <p:style>
+              <a:lnRef idx="1">
+                <a:schemeClr val="accent1"/>
+              </a:lnRef>
+              <a:fillRef idx="0">
+                <a:schemeClr val="accent1"/>
+              </a:fillRef>
+              <a:effectRef idx="0">
+                <a:schemeClr val="accent1"/>
+              </a:effectRef>
+              <a:fontRef idx="minor">
+                <a:schemeClr val="tx1"/>
+              </a:fontRef>
+            </p:style>
+            <p:txBody>
+              <a:bodyPr rtlCol="0" anchor="ctr"/>
+              <a:lstStyle/>
+              <a:p>
+                <a:pPr algn="ctr"/>
+                <a:endParaRPr lang="bg-BG">
+                  <a:ln w="57150">
+                    <a:solidFill>
+                      <a:schemeClr val="tx1"/>
+                    </a:solidFill>
+                  </a:ln>
+                </a:endParaRPr>
+              </a:p>
+            </p:txBody>
+          </p:sp>
+        </p:grpSp>
+        <p:sp>
+          <p:nvSpPr>
+            <p:cNvPr id="30" name="Rectangle: Rounded Corners 29">
+              <a:extLst>
+                <a:ext uri="{FF2B5EF4-FFF2-40B4-BE49-F238E27FC236}">
+                  <a16:creationId xmlns:a16="http://schemas.microsoft.com/office/drawing/2014/main" id="{B310277F-A78E-4FB9-9EA9-88BE4F1D585B}"/>
+                </a:ext>
+              </a:extLst>
+            </p:cNvPr>
+            <p:cNvSpPr/>
+            <p:nvPr/>
+          </p:nvSpPr>
+          <p:spPr>
+            <a:xfrm>
+              <a:off x="4400007" y="4324162"/>
+              <a:ext cx="886369" cy="150698"/>
+            </a:xfrm>
+            <a:prstGeom prst="roundRect">
+              <a:avLst/>
+            </a:prstGeom>
+            <a:solidFill>
+              <a:srgbClr val="F2A40D"/>
+            </a:solidFill>
+            <a:ln w="38100">
+              <a:solidFill>
+                <a:srgbClr val="464646"/>
+              </a:solidFill>
+            </a:ln>
+          </p:spPr>
+          <p:style>
+            <a:lnRef idx="2">
+              <a:schemeClr val="accent1">
+                <a:shade val="50000"/>
+              </a:schemeClr>
+            </a:lnRef>
+            <a:fillRef idx="1">
+              <a:schemeClr val="accent1"/>
+            </a:fillRef>
+            <a:effectRef idx="0">
+              <a:schemeClr val="accent1"/>
+            </a:effectRef>
+            <a:fontRef idx="minor">
+              <a:schemeClr val="lt1"/>
+            </a:fontRef>
+          </p:style>
+          <p:txBody>
+            <a:bodyPr rtlCol="0" anchor="ctr"/>
+            <a:lstStyle/>
+            <a:p>
+              <a:pPr algn="ctr"/>
+              <a:endParaRPr lang="bg-BG"/>
+            </a:p>
+          </p:txBody>
+        </p:sp>
+        <p:sp>
+          <p:nvSpPr>
+            <p:cNvPr id="31" name="Rectangle: Rounded Corners 30">
+              <a:extLst>
+                <a:ext uri="{FF2B5EF4-FFF2-40B4-BE49-F238E27FC236}">
+                  <a16:creationId xmlns:a16="http://schemas.microsoft.com/office/drawing/2014/main" id="{A92CF92B-C212-4542-83AE-A0058B5BB5EA}"/>
+                </a:ext>
+              </a:extLst>
+            </p:cNvPr>
+            <p:cNvSpPr/>
+            <p:nvPr/>
+          </p:nvSpPr>
+          <p:spPr>
+            <a:xfrm>
+              <a:off x="4533357" y="4542116"/>
+              <a:ext cx="619670" cy="150699"/>
+            </a:xfrm>
+            <a:prstGeom prst="roundRect">
+              <a:avLst/>
+            </a:prstGeom>
+            <a:solidFill>
+              <a:srgbClr val="F2A40D"/>
+            </a:solidFill>
+            <a:ln w="38100">
+              <a:solidFill>
+                <a:srgbClr val="464646"/>
+              </a:solidFill>
+            </a:ln>
+            <a:effectLst>
+              <a:outerShdw blurRad="152400" dist="381000" dir="5400000" sx="70000" sy="70000" rotWithShape="0">
+                <a:prstClr val="black">
+                  <a:alpha val="30000"/>
+                </a:prstClr>
+              </a:outerShdw>
+            </a:effectLst>
+          </p:spPr>
+          <p:style>
+            <a:lnRef idx="2">
+              <a:schemeClr val="accent1">
+                <a:shade val="50000"/>
+              </a:schemeClr>
+            </a:lnRef>
+            <a:fillRef idx="1">
+              <a:schemeClr val="accent1"/>
+            </a:fillRef>
+            <a:effectRef idx="0">
+              <a:schemeClr val="accent1"/>
+            </a:effectRef>
+            <a:fontRef idx="minor">
+              <a:schemeClr val="lt1"/>
+            </a:fontRef>
+          </p:style>
+          <p:txBody>
+            <a:bodyPr rtlCol="0" anchor="ctr"/>
+            <a:lstStyle/>
+            <a:p>
+              <a:pPr algn="ctr"/>
+              <a:endParaRPr lang="bg-BG"/>
+            </a:p>
+          </p:txBody>
+        </p:sp>
+        <p:cxnSp>
+          <p:nvCxnSpPr>
+            <p:cNvPr id="32" name="Straight Connector 31">
+              <a:extLst>
+                <a:ext uri="{FF2B5EF4-FFF2-40B4-BE49-F238E27FC236}">
+                  <a16:creationId xmlns:a16="http://schemas.microsoft.com/office/drawing/2014/main" id="{563B4374-5C0D-461F-B3BD-78D99614D365}"/>
+                </a:ext>
+              </a:extLst>
+            </p:cNvPr>
+            <p:cNvCxnSpPr>
+              <a:cxnSpLocks/>
+            </p:cNvCxnSpPr>
+            <p:nvPr/>
+          </p:nvCxnSpPr>
+          <p:spPr>
+            <a:xfrm flipH="1" flipV="1">
+              <a:off x="4472677" y="2844800"/>
+              <a:ext cx="161562" cy="1164292"/>
+            </a:xfrm>
+            <a:prstGeom prst="line">
+              <a:avLst/>
+            </a:prstGeom>
+            <a:solidFill>
+              <a:srgbClr val="464646"/>
+            </a:solidFill>
+            <a:ln w="38100">
+              <a:solidFill>
+                <a:srgbClr val="464646"/>
+              </a:solidFill>
+            </a:ln>
+          </p:spPr>
+          <p:style>
+            <a:lnRef idx="1">
+              <a:schemeClr val="dk1"/>
+            </a:lnRef>
+            <a:fillRef idx="0">
+              <a:schemeClr val="dk1"/>
+            </a:fillRef>
+            <a:effectRef idx="0">
+              <a:schemeClr val="dk1"/>
+            </a:effectRef>
+            <a:fontRef idx="minor">
+              <a:schemeClr val="tx1"/>
+            </a:fontRef>
+          </p:style>
+        </p:cxnSp>
+        <p:cxnSp>
+          <p:nvCxnSpPr>
+            <p:cNvPr id="33" name="Straight Connector 32">
+              <a:extLst>
+                <a:ext uri="{FF2B5EF4-FFF2-40B4-BE49-F238E27FC236}">
+                  <a16:creationId xmlns:a16="http://schemas.microsoft.com/office/drawing/2014/main" id="{FBC6FDE7-AEA1-4230-8433-4C088A0FF5F9}"/>
+                </a:ext>
+              </a:extLst>
+            </p:cNvPr>
+            <p:cNvCxnSpPr>
+              <a:cxnSpLocks/>
+            </p:cNvCxnSpPr>
+            <p:nvPr/>
+          </p:nvCxnSpPr>
+          <p:spPr>
+            <a:xfrm flipH="1">
+              <a:off x="4578548" y="3618567"/>
+              <a:ext cx="528128" cy="0"/>
+            </a:xfrm>
+            <a:prstGeom prst="line">
+              <a:avLst/>
+            </a:prstGeom>
+            <a:solidFill>
+              <a:srgbClr val="464646"/>
+            </a:solidFill>
+            <a:ln w="38100">
+              <a:solidFill>
+                <a:srgbClr val="464646"/>
+              </a:solidFill>
+            </a:ln>
+          </p:spPr>
+          <p:style>
+            <a:lnRef idx="1">
+              <a:schemeClr val="dk1"/>
+            </a:lnRef>
+            <a:fillRef idx="0">
+              <a:schemeClr val="dk1"/>
+            </a:fillRef>
+            <a:effectRef idx="0">
+              <a:schemeClr val="dk1"/>
+            </a:effectRef>
+            <a:fontRef idx="minor">
+              <a:schemeClr val="tx1"/>
+            </a:fontRef>
+          </p:style>
+        </p:cxnSp>
+        <p:grpSp>
+          <p:nvGrpSpPr>
+            <p:cNvPr id="34" name="Group 33">
+              <a:extLst>
+                <a:ext uri="{FF2B5EF4-FFF2-40B4-BE49-F238E27FC236}">
+                  <a16:creationId xmlns:a16="http://schemas.microsoft.com/office/drawing/2014/main" id="{C4D1021D-07C7-4331-8FF6-36980A30978B}"/>
+                </a:ext>
+              </a:extLst>
+            </p:cNvPr>
+            <p:cNvGrpSpPr/>
+            <p:nvPr/>
+          </p:nvGrpSpPr>
+          <p:grpSpPr>
+            <a:xfrm>
+              <a:off x="4203288" y="2479090"/>
+              <a:ext cx="436874" cy="448528"/>
+              <a:chOff x="2320288" y="2903541"/>
+              <a:chExt cx="332555" cy="302680"/>
+            </a:xfrm>
+            <a:solidFill>
+              <a:srgbClr val="464646"/>
+            </a:solidFill>
+          </p:grpSpPr>
+          <p:cxnSp>
+            <p:nvCxnSpPr>
+              <p:cNvPr id="40" name="Straight Connector 39">
+                <a:extLst>
+                  <a:ext uri="{FF2B5EF4-FFF2-40B4-BE49-F238E27FC236}">
+                    <a16:creationId xmlns:a16="http://schemas.microsoft.com/office/drawing/2014/main" id="{13B7FE99-95CF-45D5-966B-87A979B93431}"/>
+                  </a:ext>
+                </a:extLst>
+              </p:cNvPr>
+              <p:cNvCxnSpPr>
+                <a:cxnSpLocks/>
+              </p:cNvCxnSpPr>
+              <p:nvPr/>
+            </p:nvCxnSpPr>
+            <p:spPr>
+              <a:xfrm flipH="1" flipV="1">
+                <a:off x="2321560" y="3054881"/>
+                <a:ext cx="331283" cy="151340"/>
+              </a:xfrm>
+              <a:prstGeom prst="line">
+                <a:avLst/>
+              </a:prstGeom>
+              <a:grpFill/>
+              <a:ln w="38100" cap="rnd">
+                <a:solidFill>
+                  <a:srgbClr val="464646"/>
+                </a:solidFill>
+              </a:ln>
+            </p:spPr>
+            <p:style>
+              <a:lnRef idx="1">
+                <a:schemeClr val="dk1"/>
+              </a:lnRef>
+              <a:fillRef idx="0">
+                <a:schemeClr val="dk1"/>
+              </a:fillRef>
+              <a:effectRef idx="0">
+                <a:schemeClr val="dk1"/>
+              </a:effectRef>
+              <a:fontRef idx="minor">
+                <a:schemeClr val="tx1"/>
+              </a:fontRef>
+            </p:style>
+          </p:cxnSp>
+          <p:cxnSp>
+            <p:nvCxnSpPr>
+              <p:cNvPr id="41" name="Straight Connector 40">
+                <a:extLst>
+                  <a:ext uri="{FF2B5EF4-FFF2-40B4-BE49-F238E27FC236}">
+                    <a16:creationId xmlns:a16="http://schemas.microsoft.com/office/drawing/2014/main" id="{71BBA69B-19FF-4ADB-A739-AD8136A5F0A6}"/>
+                  </a:ext>
+                </a:extLst>
+              </p:cNvPr>
+              <p:cNvCxnSpPr>
+                <a:cxnSpLocks/>
+              </p:cNvCxnSpPr>
+              <p:nvPr/>
+            </p:nvCxnSpPr>
+            <p:spPr>
+              <a:xfrm flipH="1">
+                <a:off x="2320288" y="2903541"/>
+                <a:ext cx="331283" cy="151340"/>
+              </a:xfrm>
+              <a:prstGeom prst="line">
+                <a:avLst/>
+              </a:prstGeom>
+              <a:grpFill/>
+              <a:ln w="38100" cap="rnd">
+                <a:solidFill>
+                  <a:srgbClr val="464646"/>
+                </a:solidFill>
+              </a:ln>
+            </p:spPr>
+            <p:style>
+              <a:lnRef idx="1">
+                <a:schemeClr val="dk1"/>
+              </a:lnRef>
+              <a:fillRef idx="0">
+                <a:schemeClr val="dk1"/>
+              </a:fillRef>
+              <a:effectRef idx="0">
+                <a:schemeClr val="dk1"/>
+              </a:effectRef>
+              <a:fontRef idx="minor">
+                <a:schemeClr val="tx1"/>
+              </a:fontRef>
+            </p:style>
+          </p:cxnSp>
+        </p:grpSp>
+        <p:cxnSp>
+          <p:nvCxnSpPr>
+            <p:cNvPr id="35" name="Straight Connector 34">
+              <a:extLst>
+                <a:ext uri="{FF2B5EF4-FFF2-40B4-BE49-F238E27FC236}">
+                  <a16:creationId xmlns:a16="http://schemas.microsoft.com/office/drawing/2014/main" id="{BFD1D86B-562B-40B2-8E46-34233EFEE7FC}"/>
+                </a:ext>
+              </a:extLst>
+            </p:cNvPr>
+            <p:cNvCxnSpPr>
+              <a:cxnSpLocks/>
+            </p:cNvCxnSpPr>
+            <p:nvPr/>
+          </p:nvCxnSpPr>
+          <p:spPr>
+            <a:xfrm flipV="1">
+              <a:off x="5048904" y="2844800"/>
+              <a:ext cx="142425" cy="1164292"/>
+            </a:xfrm>
+            <a:prstGeom prst="line">
+              <a:avLst/>
+            </a:prstGeom>
+            <a:solidFill>
+              <a:srgbClr val="464646"/>
+            </a:solidFill>
+            <a:ln w="38100">
+              <a:solidFill>
+                <a:srgbClr val="464646"/>
+              </a:solidFill>
+            </a:ln>
+          </p:spPr>
+          <p:style>
+            <a:lnRef idx="1">
+              <a:schemeClr val="dk1"/>
+            </a:lnRef>
+            <a:fillRef idx="0">
+              <a:schemeClr val="dk1"/>
+            </a:fillRef>
+            <a:effectRef idx="0">
+              <a:schemeClr val="dk1"/>
+            </a:effectRef>
+            <a:fontRef idx="minor">
+              <a:schemeClr val="tx1"/>
+            </a:fontRef>
+          </p:style>
+        </p:cxnSp>
+        <p:sp>
+          <p:nvSpPr>
+            <p:cNvPr id="36" name="Rectangle: Rounded Corners 35">
+              <a:extLst>
+                <a:ext uri="{FF2B5EF4-FFF2-40B4-BE49-F238E27FC236}">
+                  <a16:creationId xmlns:a16="http://schemas.microsoft.com/office/drawing/2014/main" id="{388C17BD-16A1-43C5-BFFA-2FF9174719E1}"/>
+                </a:ext>
+              </a:extLst>
+            </p:cNvPr>
+            <p:cNvSpPr/>
+            <p:nvPr/>
+          </p:nvSpPr>
+          <p:spPr>
+            <a:xfrm>
+              <a:off x="4355556" y="4106208"/>
+              <a:ext cx="975271" cy="150698"/>
+            </a:xfrm>
+            <a:prstGeom prst="roundRect">
+              <a:avLst/>
+            </a:prstGeom>
+            <a:solidFill>
+              <a:srgbClr val="F2A40D"/>
+            </a:solidFill>
+            <a:ln w="38100">
+              <a:solidFill>
+                <a:srgbClr val="464646"/>
+              </a:solidFill>
+            </a:ln>
+          </p:spPr>
+          <p:style>
+            <a:lnRef idx="2">
+              <a:schemeClr val="accent1">
+                <a:shade val="50000"/>
+              </a:schemeClr>
+            </a:lnRef>
+            <a:fillRef idx="1">
+              <a:schemeClr val="accent1"/>
+            </a:fillRef>
+            <a:effectRef idx="0">
+              <a:schemeClr val="accent1"/>
+            </a:effectRef>
+            <a:fontRef idx="minor">
+              <a:schemeClr val="lt1"/>
+            </a:fontRef>
+          </p:style>
+          <p:txBody>
+            <a:bodyPr rtlCol="0" anchor="ctr"/>
+            <a:lstStyle/>
+            <a:p>
+              <a:pPr algn="ctr"/>
+              <a:endParaRPr lang="bg-BG"/>
+            </a:p>
+          </p:txBody>
+        </p:sp>
+        <p:grpSp>
+          <p:nvGrpSpPr>
+            <p:cNvPr id="37" name="Group 36">
+              <a:extLst>
+                <a:ext uri="{FF2B5EF4-FFF2-40B4-BE49-F238E27FC236}">
+                  <a16:creationId xmlns:a16="http://schemas.microsoft.com/office/drawing/2014/main" id="{1B3B910E-ACFC-4F28-8E28-F02E1588B87E}"/>
+                </a:ext>
+              </a:extLst>
+            </p:cNvPr>
+            <p:cNvGrpSpPr/>
+            <p:nvPr/>
+          </p:nvGrpSpPr>
+          <p:grpSpPr>
+            <a:xfrm flipH="1">
+              <a:off x="5035162" y="2479090"/>
+              <a:ext cx="436872" cy="448528"/>
+              <a:chOff x="2320288" y="2903541"/>
+              <a:chExt cx="332555" cy="302680"/>
+            </a:xfrm>
+            <a:solidFill>
+              <a:srgbClr val="464646"/>
+            </a:solidFill>
+          </p:grpSpPr>
+          <p:cxnSp>
+            <p:nvCxnSpPr>
+              <p:cNvPr id="38" name="Straight Connector 37">
+                <a:extLst>
+                  <a:ext uri="{FF2B5EF4-FFF2-40B4-BE49-F238E27FC236}">
+                    <a16:creationId xmlns:a16="http://schemas.microsoft.com/office/drawing/2014/main" id="{F57772B6-06C0-4F54-AA94-D3F92DA4716A}"/>
+                  </a:ext>
+                </a:extLst>
+              </p:cNvPr>
+              <p:cNvCxnSpPr>
+                <a:cxnSpLocks/>
+              </p:cNvCxnSpPr>
+              <p:nvPr/>
+            </p:nvCxnSpPr>
+            <p:spPr>
+              <a:xfrm flipH="1" flipV="1">
+                <a:off x="2321560" y="3054881"/>
+                <a:ext cx="331283" cy="151340"/>
+              </a:xfrm>
+              <a:prstGeom prst="line">
+                <a:avLst/>
+              </a:prstGeom>
+              <a:grpFill/>
+              <a:ln w="38100" cap="rnd">
+                <a:solidFill>
+                  <a:srgbClr val="464646"/>
+                </a:solidFill>
+              </a:ln>
+            </p:spPr>
+            <p:style>
+              <a:lnRef idx="1">
+                <a:schemeClr val="dk1"/>
+              </a:lnRef>
+              <a:fillRef idx="0">
+                <a:schemeClr val="dk1"/>
+              </a:fillRef>
+              <a:effectRef idx="0">
+                <a:schemeClr val="dk1"/>
+              </a:effectRef>
+              <a:fontRef idx="minor">
+                <a:schemeClr val="tx1"/>
+              </a:fontRef>
+            </p:style>
+          </p:cxnSp>
+          <p:cxnSp>
+            <p:nvCxnSpPr>
+              <p:cNvPr id="39" name="Straight Connector 38">
+                <a:extLst>
+                  <a:ext uri="{FF2B5EF4-FFF2-40B4-BE49-F238E27FC236}">
+                    <a16:creationId xmlns:a16="http://schemas.microsoft.com/office/drawing/2014/main" id="{23370C1F-7876-4278-AB20-78F6CAA385E2}"/>
+                  </a:ext>
+                </a:extLst>
+              </p:cNvPr>
+              <p:cNvCxnSpPr>
+                <a:cxnSpLocks/>
+              </p:cNvCxnSpPr>
+              <p:nvPr/>
+            </p:nvCxnSpPr>
+            <p:spPr>
+              <a:xfrm flipH="1">
+                <a:off x="2320288" y="2903541"/>
+                <a:ext cx="331283" cy="151340"/>
+              </a:xfrm>
+              <a:prstGeom prst="line">
+                <a:avLst/>
+              </a:prstGeom>
+              <a:grpFill/>
+              <a:ln w="38100" cap="rnd">
+                <a:solidFill>
+                  <a:srgbClr val="464646"/>
+                </a:solidFill>
+              </a:ln>
+            </p:spPr>
+            <p:style>
+              <a:lnRef idx="1">
+                <a:schemeClr val="dk1"/>
+              </a:lnRef>
+              <a:fillRef idx="0">
+                <a:schemeClr val="dk1"/>
+              </a:fillRef>
+              <a:effectRef idx="0">
+                <a:schemeClr val="dk1"/>
+              </a:effectRef>
+              <a:fontRef idx="minor">
+                <a:schemeClr val="tx1"/>
+              </a:fontRef>
+            </p:style>
+          </p:cxnSp>
+        </p:grpSp>
+      </p:grpSp>
     </p:spTree>
     <p:extLst>
       <p:ext uri="{BB962C8B-B14F-4D97-AF65-F5344CB8AC3E}">
@@ -6688,7 +9100,7 @@
           <p:nvPr userDrawn="1"/>
         </p:nvPicPr>
         <p:blipFill>
-          <a:blip r:embed="rId2" cstate="hqprint">
+          <a:blip r:embed="rId2">
             <a:extLst>
               <a:ext uri="{28A0092B-C50C-407E-A947-70E740481C1C}">
                 <a14:useLocalDpi xmlns:a14="http://schemas.microsoft.com/office/drawing/2010/main" val="0"/>
@@ -6772,371 +9184,6 @@
 </file>
 
 <file path=ppt/slideLayouts/slideLayout8.xml><?xml version="1.0" encoding="utf-8"?>
-<p:sldLayout xmlns:a="http://schemas.openxmlformats.org/drawingml/2006/main" xmlns:r="http://schemas.openxmlformats.org/officeDocument/2006/relationships" xmlns:p="http://schemas.openxmlformats.org/presentationml/2006/main" preserve="1" userDrawn="1">
-  <p:cSld name="Table of Contents">
-    <p:spTree>
-      <p:nvGrpSpPr>
-        <p:cNvPr id="1" name=""/>
-        <p:cNvGrpSpPr/>
-        <p:nvPr/>
-      </p:nvGrpSpPr>
-      <p:grpSpPr>
-        <a:xfrm>
-          <a:off x="0" y="0"/>
-          <a:ext cx="0" cy="0"/>
-          <a:chOff x="0" y="0"/>
-          <a:chExt cx="0" cy="0"/>
-        </a:xfrm>
-      </p:grpSpPr>
-      <p:sp>
-        <p:nvSpPr>
-          <p:cNvPr id="10" name="Slide Number">
-            <a:extLst>
-              <a:ext uri="{FF2B5EF4-FFF2-40B4-BE49-F238E27FC236}">
-                <a16:creationId xmlns:a16="http://schemas.microsoft.com/office/drawing/2014/main" id="{39DDE17E-5472-41F3-AF5F-54DFF10DC63C}"/>
-              </a:ext>
-            </a:extLst>
-          </p:cNvPr>
-          <p:cNvSpPr>
-            <a:spLocks noGrp="1"/>
-          </p:cNvSpPr>
-          <p:nvPr>
-            <p:ph type="sldNum" sz="quarter" idx="4"/>
-          </p:nvPr>
-        </p:nvSpPr>
-        <p:spPr>
-          <a:xfrm>
-            <a:off x="11753030" y="6507000"/>
-            <a:ext cx="367414" cy="297000"/>
-          </a:xfrm>
-          <a:prstGeom prst="rect">
-            <a:avLst/>
-          </a:prstGeom>
-        </p:spPr>
-        <p:txBody>
-          <a:bodyPr vert="horz" lIns="91440" tIns="45720" rIns="91440" bIns="45720" rtlCol="0" anchor="b"/>
-          <a:lstStyle>
-            <a:lvl1pPr algn="r">
-              <a:defRPr sz="1000"/>
-            </a:lvl1pPr>
-          </a:lstStyle>
-          <a:p>
-            <a:fld id="{2BF067CD-8E6B-4360-9AA8-C5DF2A48A6D1}" type="slidenum">
-              <a:rPr lang="en-US" noProof="0" smtClean="0"/>
-              <a:pPr/>
-              <a:t>‹#›</a:t>
-            </a:fld>
-            <a:endParaRPr lang="en-US" noProof="0"/>
-          </a:p>
-        </p:txBody>
-      </p:sp>
-      <p:pic>
-        <p:nvPicPr>
-          <p:cNvPr id="9" name="Picture SoftUni Mascot" descr="SoftUni mascot with laptop">
-            <a:extLst>
-              <a:ext uri="{FF2B5EF4-FFF2-40B4-BE49-F238E27FC236}">
-                <a16:creationId xmlns:a16="http://schemas.microsoft.com/office/drawing/2014/main" id="{DC4365F6-D2C1-47B4-8477-38FD2C7711AA}"/>
-              </a:ext>
-            </a:extLst>
-          </p:cNvPr>
-          <p:cNvPicPr>
-            <a:picLocks noChangeAspect="1"/>
-          </p:cNvPicPr>
-          <p:nvPr/>
-        </p:nvPicPr>
-        <p:blipFill>
-          <a:blip r:embed="rId2" cstate="print">
-            <a:extLst>
-              <a:ext uri="{28A0092B-C50C-407E-A947-70E740481C1C}">
-                <a14:useLocalDpi xmlns:a14="http://schemas.microsoft.com/office/drawing/2010/main" val="0"/>
-              </a:ext>
-            </a:extLst>
-          </a:blip>
-          <a:stretch>
-            <a:fillRect/>
-          </a:stretch>
-        </p:blipFill>
-        <p:spPr>
-          <a:xfrm flipH="1">
-            <a:off x="9516000" y="3408496"/>
-            <a:ext cx="2251057" cy="3044431"/>
-          </a:xfrm>
-          <a:prstGeom prst="rect">
-            <a:avLst/>
-          </a:prstGeom>
-        </p:spPr>
-      </p:pic>
-      <p:sp>
-        <p:nvSpPr>
-          <p:cNvPr id="23" name="Slide Body Text">
-            <a:extLst>
-              <a:ext uri="{FF2B5EF4-FFF2-40B4-BE49-F238E27FC236}">
-                <a16:creationId xmlns:a16="http://schemas.microsoft.com/office/drawing/2014/main" id="{889D93F4-ABFA-46BF-8E5D-FE6562ACB20F}"/>
-              </a:ext>
-            </a:extLst>
-          </p:cNvPr>
-          <p:cNvSpPr>
-            <a:spLocks noGrp="1"/>
-          </p:cNvSpPr>
-          <p:nvPr>
-            <p:ph type="body" sz="quarter" idx="13" hasCustomPrompt="1"/>
-          </p:nvPr>
-        </p:nvSpPr>
-        <p:spPr>
-          <a:xfrm>
-            <a:off x="196766" y="1371604"/>
-            <a:ext cx="9049234" cy="5207396"/>
-          </a:xfrm>
-        </p:spPr>
-        <p:txBody>
-          <a:bodyPr>
-            <a:normAutofit/>
-          </a:bodyPr>
-          <a:lstStyle>
-            <a:lvl1pPr marL="514042" indent="-514042" latinLnBrk="0">
-              <a:buFont typeface="+mj-lt"/>
-              <a:buAutoNum type="arabicPeriod"/>
-              <a:defRPr sz="3600">
-                <a:solidFill>
-                  <a:schemeClr val="tx1"/>
-                </a:solidFill>
-              </a:defRPr>
-            </a:lvl1pPr>
-            <a:lvl2pPr>
-              <a:defRPr sz="3400"/>
-            </a:lvl2pPr>
-          </a:lstStyle>
-          <a:p>
-            <a:pPr lvl="0"/>
-            <a:r>
-              <a:rPr lang="en-US" noProof="0"/>
-              <a:t>…</a:t>
-            </a:r>
-          </a:p>
-          <a:p>
-            <a:pPr lvl="1"/>
-            <a:r>
-              <a:rPr lang="en-US" noProof="0"/>
-              <a:t>…</a:t>
-            </a:r>
-          </a:p>
-          <a:p>
-            <a:pPr lvl="1"/>
-            <a:r>
-              <a:rPr lang="en-US" noProof="0"/>
-              <a:t>…</a:t>
-            </a:r>
-          </a:p>
-          <a:p>
-            <a:pPr lvl="0"/>
-            <a:r>
-              <a:rPr lang="en-US" noProof="0"/>
-              <a:t>…</a:t>
-            </a:r>
-          </a:p>
-          <a:p>
-            <a:pPr lvl="1"/>
-            <a:r>
-              <a:rPr lang="en-US" noProof="0"/>
-              <a:t>…</a:t>
-            </a:r>
-          </a:p>
-          <a:p>
-            <a:pPr lvl="1"/>
-            <a:r>
-              <a:rPr lang="en-US" noProof="0"/>
-              <a:t>…</a:t>
-            </a:r>
-          </a:p>
-          <a:p>
-            <a:pPr lvl="0"/>
-            <a:r>
-              <a:rPr lang="en-US" noProof="0"/>
-              <a:t>…</a:t>
-            </a:r>
-          </a:p>
-        </p:txBody>
-      </p:sp>
-      <p:sp>
-        <p:nvSpPr>
-          <p:cNvPr id="8" name="Rectangle Top">
-            <a:extLst>
-              <a:ext uri="{FF2B5EF4-FFF2-40B4-BE49-F238E27FC236}">
-                <a16:creationId xmlns:a16="http://schemas.microsoft.com/office/drawing/2014/main" id="{930E0800-9260-4369-8330-8264DD33C5CE}"/>
-              </a:ext>
-            </a:extLst>
-          </p:cNvPr>
-          <p:cNvSpPr/>
-          <p:nvPr userDrawn="1"/>
-        </p:nvSpPr>
-        <p:spPr>
-          <a:xfrm>
-            <a:off x="0" y="0"/>
-            <a:ext cx="12196800" cy="1095376"/>
-          </a:xfrm>
-          <a:prstGeom prst="rect">
-            <a:avLst/>
-          </a:prstGeom>
-          <a:solidFill>
-            <a:schemeClr val="tx2"/>
-          </a:solidFill>
-          <a:ln>
-            <a:noFill/>
-          </a:ln>
-        </p:spPr>
-        <p:style>
-          <a:lnRef idx="2">
-            <a:schemeClr val="accent1">
-              <a:shade val="50000"/>
-            </a:schemeClr>
-          </a:lnRef>
-          <a:fillRef idx="1">
-            <a:schemeClr val="accent1"/>
-          </a:fillRef>
-          <a:effectRef idx="0">
-            <a:schemeClr val="accent1"/>
-          </a:effectRef>
-          <a:fontRef idx="minor">
-            <a:schemeClr val="lt1"/>
-          </a:fontRef>
-        </p:style>
-        <p:txBody>
-          <a:bodyPr rtlCol="0" anchor="ctr"/>
-          <a:lstStyle/>
-          <a:p>
-            <a:pPr marL="0" marR="0" lvl="0" indent="0" algn="ctr" defTabSz="913852" rtl="0" eaLnBrk="1" fontAlgn="auto" latinLnBrk="0" hangingPunct="1">
-              <a:lnSpc>
-                <a:spcPct val="100000"/>
-              </a:lnSpc>
-              <a:spcBef>
-                <a:spcPts val="0"/>
-              </a:spcBef>
-              <a:spcAft>
-                <a:spcPts val="0"/>
-              </a:spcAft>
-              <a:buClrTx/>
-              <a:buSzTx/>
-              <a:buFontTx/>
-              <a:buNone/>
-              <a:tabLst/>
-              <a:defRPr/>
-            </a:pPr>
-            <a:endParaRPr kumimoji="0" lang="en-US" altLang="ko-KR" sz="2398" b="0" i="0" u="none" strike="noStrike" kern="1200" cap="none" spc="0" normalizeH="0" baseline="0" noProof="0">
-              <a:ln>
-                <a:noFill/>
-              </a:ln>
-              <a:solidFill>
-                <a:srgbClr val="F7C86D"/>
-              </a:solidFill>
-              <a:effectLst/>
-              <a:uLnTx/>
-              <a:uFillTx/>
-              <a:latin typeface="Calibri" panose="020F0502020204030204"/>
-              <a:ea typeface="맑은 고딕" panose="020B0503020000020004" pitchFamily="34" charset="-127"/>
-              <a:cs typeface="+mn-cs"/>
-            </a:endParaRPr>
-          </a:p>
-        </p:txBody>
-      </p:sp>
-      <p:pic>
-        <p:nvPicPr>
-          <p:cNvPr id="11" name="Logo Software University" descr="Software University logo">
-            <a:extLst>
-              <a:ext uri="{FF2B5EF4-FFF2-40B4-BE49-F238E27FC236}">
-                <a16:creationId xmlns:a16="http://schemas.microsoft.com/office/drawing/2014/main" id="{14F779A7-4A91-448B-BEFA-956C70A1C22F}"/>
-              </a:ext>
-            </a:extLst>
-          </p:cNvPr>
-          <p:cNvPicPr>
-            <a:picLocks noChangeAspect="1"/>
-          </p:cNvPicPr>
-          <p:nvPr userDrawn="1"/>
-        </p:nvPicPr>
-        <p:blipFill>
-          <a:blip r:embed="rId3" cstate="hqprint">
-            <a:extLst>
-              <a:ext uri="{28A0092B-C50C-407E-A947-70E740481C1C}">
-                <a14:useLocalDpi xmlns:a14="http://schemas.microsoft.com/office/drawing/2010/main" val="0"/>
-              </a:ext>
-            </a:extLst>
-          </a:blip>
-          <a:stretch>
-            <a:fillRect/>
-          </a:stretch>
-        </p:blipFill>
-        <p:spPr>
-          <a:xfrm>
-            <a:off x="10067957" y="253936"/>
-            <a:ext cx="1915704" cy="559235"/>
-          </a:xfrm>
-          <a:prstGeom prst="rect">
-            <a:avLst/>
-          </a:prstGeom>
-        </p:spPr>
-      </p:pic>
-      <p:sp>
-        <p:nvSpPr>
-          <p:cNvPr id="13" name="Slide Title">
-            <a:extLst>
-              <a:ext uri="{FF2B5EF4-FFF2-40B4-BE49-F238E27FC236}">
-                <a16:creationId xmlns:a16="http://schemas.microsoft.com/office/drawing/2014/main" id="{357D7BE1-6358-42CC-94F3-7BCDD91DCB6D}"/>
-              </a:ext>
-            </a:extLst>
-          </p:cNvPr>
-          <p:cNvSpPr>
-            <a:spLocks noGrp="1"/>
-          </p:cNvSpPr>
-          <p:nvPr>
-            <p:ph type="title" hasCustomPrompt="1"/>
-          </p:nvPr>
-        </p:nvSpPr>
-        <p:spPr>
-          <a:xfrm>
-            <a:off x="190406" y="100750"/>
-            <a:ext cx="9715594" cy="882654"/>
-          </a:xfrm>
-        </p:spPr>
-        <p:txBody>
-          <a:bodyPr/>
-          <a:lstStyle>
-            <a:lvl1pPr latinLnBrk="0">
-              <a:defRPr>
-                <a:solidFill>
-                  <a:schemeClr val="bg2"/>
-                </a:solidFill>
-              </a:defRPr>
-            </a:lvl1pPr>
-          </a:lstStyle>
-          <a:p>
-            <a:r>
-              <a:rPr lang="en-US" noProof="0" dirty="0"/>
-              <a:t>Table of Contents</a:t>
-            </a:r>
-          </a:p>
-        </p:txBody>
-      </p:sp>
-    </p:spTree>
-    <p:extLst>
-      <p:ext uri="{BB962C8B-B14F-4D97-AF65-F5344CB8AC3E}">
-        <p14:creationId xmlns:p14="http://schemas.microsoft.com/office/powerpoint/2010/main" val="1028724482"/>
-      </p:ext>
-    </p:extLst>
-  </p:cSld>
-  <p:clrMapOvr>
-    <a:masterClrMapping/>
-  </p:clrMapOvr>
-  <mc:AlternateContent xmlns:mc="http://schemas.openxmlformats.org/markup-compatibility/2006" xmlns:p14="http://schemas.microsoft.com/office/powerpoint/2010/main">
-    <mc:Choice Requires="p14">
-      <p:transition spd="slow" p14:dur="2000" advClick="0" advTm="5000"/>
-    </mc:Choice>
-    <mc:Fallback xmlns="">
-      <p:transition spd="slow" advClick="0" advTm="5000"/>
-    </mc:Fallback>
-  </mc:AlternateContent>
-</p:sldLayout>
-</file>
-
-<file path=ppt/slideLayouts/slideLayout9.xml><?xml version="1.0" encoding="utf-8"?>
 <p:sldLayout xmlns:a="http://schemas.openxmlformats.org/drawingml/2006/main" xmlns:r="http://schemas.openxmlformats.org/officeDocument/2006/relationships" xmlns:p="http://schemas.openxmlformats.org/presentationml/2006/main" preserve="1" userDrawn="1">
   <p:cSld name="Comparison Slide">
     <p:spTree>
@@ -7644,7 +9691,7 @@
           <p:nvPr userDrawn="1"/>
         </p:nvPicPr>
         <p:blipFill>
-          <a:blip r:embed="rId3" cstate="hqprint">
+          <a:blip r:embed="rId3">
             <a:extLst>
               <a:ext uri="{28A0092B-C50C-407E-A947-70E740481C1C}">
                 <a14:useLocalDpi xmlns:a14="http://schemas.microsoft.com/office/drawing/2010/main" val="0"/>
@@ -7743,6 +9790,631 @@
 </p:sldLayout>
 </file>
 
+<file path=ppt/slideLayouts/slideLayout9.xml><?xml version="1.0" encoding="utf-8"?>
+<p:sldLayout xmlns:a="http://schemas.openxmlformats.org/drawingml/2006/main" xmlns:r="http://schemas.openxmlformats.org/officeDocument/2006/relationships" xmlns:p="http://schemas.openxmlformats.org/presentationml/2006/main" preserve="1" userDrawn="1">
+  <p:cSld name="Image and Content">
+    <p:spTree>
+      <p:nvGrpSpPr>
+        <p:cNvPr id="1" name=""/>
+        <p:cNvGrpSpPr/>
+        <p:nvPr/>
+      </p:nvGrpSpPr>
+      <p:grpSpPr>
+        <a:xfrm>
+          <a:off x="0" y="0"/>
+          <a:ext cx="0" cy="0"/>
+          <a:chOff x="0" y="0"/>
+          <a:chExt cx="0" cy="0"/>
+        </a:xfrm>
+      </p:grpSpPr>
+      <p:sp>
+        <p:nvSpPr>
+          <p:cNvPr id="15" name="Slide Number">
+            <a:extLst>
+              <a:ext uri="{FF2B5EF4-FFF2-40B4-BE49-F238E27FC236}">
+                <a16:creationId xmlns:a16="http://schemas.microsoft.com/office/drawing/2014/main" id="{F888EE71-82B3-40F1-A63F-7417422FB4A4}"/>
+              </a:ext>
+            </a:extLst>
+          </p:cNvPr>
+          <p:cNvSpPr>
+            <a:spLocks noGrp="1"/>
+          </p:cNvSpPr>
+          <p:nvPr>
+            <p:ph type="sldNum" sz="quarter" idx="4"/>
+          </p:nvPr>
+        </p:nvSpPr>
+        <p:spPr>
+          <a:xfrm>
+            <a:off x="11753030" y="6444000"/>
+            <a:ext cx="367414" cy="297000"/>
+          </a:xfrm>
+          <a:prstGeom prst="rect">
+            <a:avLst/>
+          </a:prstGeom>
+        </p:spPr>
+        <p:txBody>
+          <a:bodyPr vert="horz" lIns="91440" tIns="45720" rIns="91440" bIns="45720" rtlCol="0" anchor="b"/>
+          <a:lstStyle>
+            <a:lvl1pPr algn="r">
+              <a:defRPr sz="1000"/>
+            </a:lvl1pPr>
+          </a:lstStyle>
+          <a:p>
+            <a:fld id="{2BF067CD-8E6B-4360-9AA8-C5DF2A48A6D1}" type="slidenum">
+              <a:rPr lang="en-US" noProof="0" smtClean="0"/>
+              <a:pPr/>
+              <a:t>‹#›</a:t>
+            </a:fld>
+            <a:endParaRPr lang="en-US" noProof="0"/>
+          </a:p>
+        </p:txBody>
+      </p:sp>
+      <p:sp>
+        <p:nvSpPr>
+          <p:cNvPr id="14" name="Text Placeholder Body">
+            <a:extLst>
+              <a:ext uri="{FF2B5EF4-FFF2-40B4-BE49-F238E27FC236}">
+                <a16:creationId xmlns:a16="http://schemas.microsoft.com/office/drawing/2014/main" id="{A2ABE920-240F-4CF6-AD45-23ED489FAD6E}"/>
+              </a:ext>
+            </a:extLst>
+          </p:cNvPr>
+          <p:cNvSpPr>
+            <a:spLocks noGrp="1"/>
+          </p:cNvSpPr>
+          <p:nvPr>
+            <p:ph type="body" sz="quarter" idx="13" hasCustomPrompt="1"/>
+          </p:nvPr>
+        </p:nvSpPr>
+        <p:spPr>
+          <a:xfrm>
+            <a:off x="4569002" y="1353866"/>
+            <a:ext cx="7426234" cy="5219931"/>
+          </a:xfrm>
+        </p:spPr>
+        <p:txBody>
+          <a:bodyPr/>
+          <a:lstStyle>
+            <a:lvl1pPr latinLnBrk="0">
+              <a:defRPr/>
+            </a:lvl1pPr>
+            <a:lvl2pPr latinLnBrk="0">
+              <a:defRPr/>
+            </a:lvl2pPr>
+            <a:lvl3pPr latinLnBrk="0">
+              <a:defRPr/>
+            </a:lvl3pPr>
+            <a:lvl4pPr latinLnBrk="0">
+              <a:defRPr/>
+            </a:lvl4pPr>
+            <a:lvl5pPr latinLnBrk="0">
+              <a:defRPr/>
+            </a:lvl5pPr>
+          </a:lstStyle>
+          <a:p>
+            <a:pPr lvl="0"/>
+            <a:r>
+              <a:rPr lang="en-US" noProof="0"/>
+              <a:t>Edit Master text styles</a:t>
+            </a:r>
+          </a:p>
+          <a:p>
+            <a:pPr lvl="1"/>
+            <a:r>
+              <a:rPr lang="en-US" noProof="0"/>
+              <a:t>Second level</a:t>
+            </a:r>
+          </a:p>
+          <a:p>
+            <a:pPr lvl="2"/>
+            <a:r>
+              <a:rPr lang="en-US" noProof="0"/>
+              <a:t>Third level</a:t>
+            </a:r>
+          </a:p>
+          <a:p>
+            <a:pPr lvl="3"/>
+            <a:r>
+              <a:rPr lang="en-US" noProof="0"/>
+              <a:t>Fourth level</a:t>
+            </a:r>
+          </a:p>
+          <a:p>
+            <a:pPr lvl="4"/>
+            <a:r>
+              <a:rPr lang="en-US" noProof="0"/>
+              <a:t>Fifth level</a:t>
+            </a:r>
+          </a:p>
+        </p:txBody>
+      </p:sp>
+      <p:sp>
+        <p:nvSpPr>
+          <p:cNvPr id="5" name="Picture Placeholder Left"/>
+          <p:cNvSpPr>
+            <a:spLocks noGrp="1"/>
+          </p:cNvSpPr>
+          <p:nvPr>
+            <p:ph type="pic" idx="1" hasCustomPrompt="1"/>
+          </p:nvPr>
+        </p:nvSpPr>
+        <p:spPr>
+          <a:xfrm>
+            <a:off x="190405" y="1355077"/>
+            <a:ext cx="3889373" cy="5366405"/>
+          </a:xfrm>
+          <a:prstGeom prst="rect">
+            <a:avLst/>
+          </a:prstGeom>
+          <a:solidFill>
+            <a:schemeClr val="bg2">
+              <a:lumMod val="90000"/>
+            </a:schemeClr>
+          </a:solidFill>
+        </p:spPr>
+        <p:txBody>
+          <a:bodyPr anchor="ctr"/>
+          <a:lstStyle>
+            <a:lvl1pPr marL="0" indent="0" algn="ctr" latinLnBrk="0">
+              <a:buNone/>
+              <a:defRPr sz="2131" baseline="0">
+                <a:solidFill>
+                  <a:schemeClr val="tx1"/>
+                </a:solidFill>
+                <a:latin typeface="+mn-lt"/>
+                <a:cs typeface="Arial" pitchFamily="34" charset="0"/>
+              </a:defRPr>
+            </a:lvl1pPr>
+            <a:lvl2pPr marL="609219" indent="0">
+              <a:buNone/>
+              <a:defRPr sz="3731"/>
+            </a:lvl2pPr>
+            <a:lvl3pPr marL="1218438" indent="0">
+              <a:buNone/>
+              <a:defRPr sz="3198"/>
+            </a:lvl3pPr>
+            <a:lvl4pPr marL="1827657" indent="0">
+              <a:buNone/>
+              <a:defRPr sz="2665"/>
+            </a:lvl4pPr>
+            <a:lvl5pPr marL="2436876" indent="0">
+              <a:buNone/>
+              <a:defRPr sz="2665"/>
+            </a:lvl5pPr>
+            <a:lvl6pPr marL="3046096" indent="0">
+              <a:buNone/>
+              <a:defRPr sz="2665"/>
+            </a:lvl6pPr>
+            <a:lvl7pPr marL="3655315" indent="0">
+              <a:buNone/>
+              <a:defRPr sz="2665"/>
+            </a:lvl7pPr>
+            <a:lvl8pPr marL="4264533" indent="0">
+              <a:buNone/>
+              <a:defRPr sz="2665"/>
+            </a:lvl8pPr>
+            <a:lvl9pPr marL="4873752" indent="0">
+              <a:buNone/>
+              <a:defRPr sz="2665"/>
+            </a:lvl9pPr>
+          </a:lstStyle>
+          <a:p>
+            <a:r>
+              <a:rPr lang="en-US" altLang="ko-KR" noProof="0"/>
+              <a:t>Your Picture Here</a:t>
+            </a:r>
+          </a:p>
+        </p:txBody>
+      </p:sp>
+      <p:sp>
+        <p:nvSpPr>
+          <p:cNvPr id="3" name="Rectangle Left Second"/>
+          <p:cNvSpPr/>
+          <p:nvPr/>
+        </p:nvSpPr>
+        <p:spPr>
+          <a:xfrm>
+            <a:off x="4127777" y="1748999"/>
+            <a:ext cx="240001" cy="3360000"/>
+          </a:xfrm>
+          <a:prstGeom prst="rect">
+            <a:avLst/>
+          </a:prstGeom>
+          <a:solidFill>
+            <a:schemeClr val="tx2"/>
+          </a:solidFill>
+          <a:ln>
+            <a:noFill/>
+          </a:ln>
+        </p:spPr>
+        <p:style>
+          <a:lnRef idx="2">
+            <a:schemeClr val="accent1">
+              <a:shade val="50000"/>
+            </a:schemeClr>
+          </a:lnRef>
+          <a:fillRef idx="1">
+            <a:schemeClr val="accent1"/>
+          </a:fillRef>
+          <a:effectRef idx="0">
+            <a:schemeClr val="accent1"/>
+          </a:effectRef>
+          <a:fontRef idx="minor">
+            <a:schemeClr val="lt1"/>
+          </a:fontRef>
+        </p:style>
+        <p:txBody>
+          <a:bodyPr rtlCol="0" anchor="ctr"/>
+          <a:lstStyle/>
+          <a:p>
+            <a:pPr marL="0" marR="0" lvl="0" indent="0" algn="ctr" defTabSz="913852" rtl="0" eaLnBrk="1" fontAlgn="auto" latinLnBrk="0" hangingPunct="1">
+              <a:lnSpc>
+                <a:spcPct val="100000"/>
+              </a:lnSpc>
+              <a:spcBef>
+                <a:spcPts val="0"/>
+              </a:spcBef>
+              <a:spcAft>
+                <a:spcPts val="0"/>
+              </a:spcAft>
+              <a:buClrTx/>
+              <a:buSzTx/>
+              <a:buFontTx/>
+              <a:buNone/>
+              <a:tabLst/>
+              <a:defRPr/>
+            </a:pPr>
+            <a:endParaRPr kumimoji="0" lang="en-US" altLang="ko-KR" sz="2398" b="0" i="0" u="none" strike="noStrike" kern="1200" cap="none" spc="0" normalizeH="0" baseline="0" noProof="0">
+              <a:ln>
+                <a:noFill/>
+              </a:ln>
+              <a:solidFill>
+                <a:srgbClr val="F7C86D"/>
+              </a:solidFill>
+              <a:effectLst/>
+              <a:uLnTx/>
+              <a:uFillTx/>
+              <a:latin typeface="Calibri" panose="020F0502020204030204"/>
+              <a:ea typeface="맑은 고딕" panose="020B0503020000020004" pitchFamily="34" charset="-127"/>
+              <a:cs typeface="+mn-cs"/>
+            </a:endParaRPr>
+          </a:p>
+        </p:txBody>
+      </p:sp>
+      <p:sp>
+        <p:nvSpPr>
+          <p:cNvPr id="2" name="Rectangle Left First"/>
+          <p:cNvSpPr/>
+          <p:nvPr/>
+        </p:nvSpPr>
+        <p:spPr>
+          <a:xfrm>
+            <a:off x="4079775" y="1355073"/>
+            <a:ext cx="48001" cy="5502926"/>
+          </a:xfrm>
+          <a:prstGeom prst="rect">
+            <a:avLst/>
+          </a:prstGeom>
+          <a:solidFill>
+            <a:schemeClr val="tx2"/>
+          </a:solidFill>
+          <a:ln>
+            <a:noFill/>
+          </a:ln>
+        </p:spPr>
+        <p:style>
+          <a:lnRef idx="2">
+            <a:schemeClr val="accent1">
+              <a:shade val="50000"/>
+            </a:schemeClr>
+          </a:lnRef>
+          <a:fillRef idx="1">
+            <a:schemeClr val="accent1"/>
+          </a:fillRef>
+          <a:effectRef idx="0">
+            <a:schemeClr val="accent1"/>
+          </a:effectRef>
+          <a:fontRef idx="minor">
+            <a:schemeClr val="lt1"/>
+          </a:fontRef>
+        </p:style>
+        <p:txBody>
+          <a:bodyPr rtlCol="0" anchor="ctr"/>
+          <a:lstStyle/>
+          <a:p>
+            <a:pPr marL="0" marR="0" lvl="0" indent="0" algn="ctr" defTabSz="913852" rtl="0" eaLnBrk="1" fontAlgn="auto" latinLnBrk="0" hangingPunct="1">
+              <a:lnSpc>
+                <a:spcPct val="100000"/>
+              </a:lnSpc>
+              <a:spcBef>
+                <a:spcPts val="0"/>
+              </a:spcBef>
+              <a:spcAft>
+                <a:spcPts val="0"/>
+              </a:spcAft>
+              <a:buClrTx/>
+              <a:buSzTx/>
+              <a:buFontTx/>
+              <a:buNone/>
+              <a:tabLst/>
+              <a:defRPr/>
+            </a:pPr>
+            <a:endParaRPr kumimoji="0" lang="en-US" altLang="ko-KR" sz="2398" b="0" i="0" u="none" strike="noStrike" kern="1200" cap="none" spc="0" normalizeH="0" baseline="0" noProof="0">
+              <a:ln>
+                <a:noFill/>
+              </a:ln>
+              <a:solidFill>
+                <a:srgbClr val="F7C86D"/>
+              </a:solidFill>
+              <a:effectLst/>
+              <a:uLnTx/>
+              <a:uFillTx/>
+              <a:latin typeface="Calibri" panose="020F0502020204030204"/>
+              <a:ea typeface="맑은 고딕" panose="020B0503020000020004" pitchFamily="34" charset="-127"/>
+              <a:cs typeface="+mn-cs"/>
+            </a:endParaRPr>
+          </a:p>
+        </p:txBody>
+      </p:sp>
+      <p:sp>
+        <p:nvSpPr>
+          <p:cNvPr id="10" name="Rectangle Down">
+            <a:extLst>
+              <a:ext uri="{FF2B5EF4-FFF2-40B4-BE49-F238E27FC236}">
+                <a16:creationId xmlns:a16="http://schemas.microsoft.com/office/drawing/2014/main" id="{E9B994EC-35A8-4A11-98CB-25DC28852F94}"/>
+              </a:ext>
+            </a:extLst>
+          </p:cNvPr>
+          <p:cNvSpPr/>
+          <p:nvPr/>
+        </p:nvSpPr>
+        <p:spPr>
+          <a:xfrm>
+            <a:off x="2" y="6721482"/>
+            <a:ext cx="12192000" cy="136518"/>
+          </a:xfrm>
+          <a:prstGeom prst="rect">
+            <a:avLst/>
+          </a:prstGeom>
+          <a:solidFill>
+            <a:schemeClr val="tx2"/>
+          </a:solidFill>
+          <a:ln>
+            <a:noFill/>
+          </a:ln>
+        </p:spPr>
+        <p:style>
+          <a:lnRef idx="2">
+            <a:schemeClr val="accent1">
+              <a:shade val="50000"/>
+            </a:schemeClr>
+          </a:lnRef>
+          <a:fillRef idx="1">
+            <a:schemeClr val="accent1"/>
+          </a:fillRef>
+          <a:effectRef idx="0">
+            <a:schemeClr val="accent1"/>
+          </a:effectRef>
+          <a:fontRef idx="minor">
+            <a:schemeClr val="lt1"/>
+          </a:fontRef>
+        </p:style>
+        <p:txBody>
+          <a:bodyPr rtlCol="0" anchor="ctr"/>
+          <a:lstStyle/>
+          <a:p>
+            <a:pPr marL="0" marR="0" lvl="0" indent="0" algn="ctr" defTabSz="913852" rtl="0" eaLnBrk="1" fontAlgn="auto" latinLnBrk="0" hangingPunct="1">
+              <a:lnSpc>
+                <a:spcPct val="100000"/>
+              </a:lnSpc>
+              <a:spcBef>
+                <a:spcPts val="0"/>
+              </a:spcBef>
+              <a:spcAft>
+                <a:spcPts val="0"/>
+              </a:spcAft>
+              <a:buClrTx/>
+              <a:buSzTx/>
+              <a:buFontTx/>
+              <a:buNone/>
+              <a:tabLst/>
+              <a:defRPr/>
+            </a:pPr>
+            <a:endParaRPr kumimoji="0" lang="en-US" altLang="ko-KR" sz="2398" b="0" i="0" u="none" strike="noStrike" kern="1200" cap="none" spc="0" normalizeH="0" baseline="0" noProof="0">
+              <a:ln>
+                <a:noFill/>
+              </a:ln>
+              <a:solidFill>
+                <a:srgbClr val="F7C86D"/>
+              </a:solidFill>
+              <a:effectLst/>
+              <a:uLnTx/>
+              <a:uFillTx/>
+              <a:latin typeface="Calibri" panose="020F0502020204030204"/>
+              <a:ea typeface="맑은 고딕" panose="020B0503020000020004" pitchFamily="34" charset="-127"/>
+              <a:cs typeface="+mn-cs"/>
+            </a:endParaRPr>
+          </a:p>
+        </p:txBody>
+      </p:sp>
+      <p:sp>
+        <p:nvSpPr>
+          <p:cNvPr id="11" name="Rectangle Top">
+            <a:extLst>
+              <a:ext uri="{FF2B5EF4-FFF2-40B4-BE49-F238E27FC236}">
+                <a16:creationId xmlns:a16="http://schemas.microsoft.com/office/drawing/2014/main" id="{274B8F05-DFCE-47BD-BAFD-DF93E1A63BDD}"/>
+              </a:ext>
+            </a:extLst>
+          </p:cNvPr>
+          <p:cNvSpPr/>
+          <p:nvPr userDrawn="1"/>
+        </p:nvSpPr>
+        <p:spPr>
+          <a:xfrm>
+            <a:off x="0" y="0"/>
+            <a:ext cx="12196800" cy="1095376"/>
+          </a:xfrm>
+          <a:prstGeom prst="rect">
+            <a:avLst/>
+          </a:prstGeom>
+          <a:solidFill>
+            <a:schemeClr val="tx2"/>
+          </a:solidFill>
+          <a:ln>
+            <a:noFill/>
+          </a:ln>
+        </p:spPr>
+        <p:style>
+          <a:lnRef idx="2">
+            <a:schemeClr val="accent1">
+              <a:shade val="50000"/>
+            </a:schemeClr>
+          </a:lnRef>
+          <a:fillRef idx="1">
+            <a:schemeClr val="accent1"/>
+          </a:fillRef>
+          <a:effectRef idx="0">
+            <a:schemeClr val="accent1"/>
+          </a:effectRef>
+          <a:fontRef idx="minor">
+            <a:schemeClr val="lt1"/>
+          </a:fontRef>
+        </p:style>
+        <p:txBody>
+          <a:bodyPr rtlCol="0" anchor="ctr"/>
+          <a:lstStyle/>
+          <a:p>
+            <a:pPr marL="0" marR="0" lvl="0" indent="0" algn="ctr" defTabSz="913852" rtl="0" eaLnBrk="1" fontAlgn="auto" latinLnBrk="0" hangingPunct="1">
+              <a:lnSpc>
+                <a:spcPct val="100000"/>
+              </a:lnSpc>
+              <a:spcBef>
+                <a:spcPts val="0"/>
+              </a:spcBef>
+              <a:spcAft>
+                <a:spcPts val="0"/>
+              </a:spcAft>
+              <a:buClrTx/>
+              <a:buSzTx/>
+              <a:buFontTx/>
+              <a:buNone/>
+              <a:tabLst/>
+              <a:defRPr/>
+            </a:pPr>
+            <a:endParaRPr kumimoji="0" lang="en-US" altLang="ko-KR" sz="2398" b="0" i="0" u="none" strike="noStrike" kern="1200" cap="none" spc="0" normalizeH="0" baseline="0" noProof="0">
+              <a:ln>
+                <a:noFill/>
+              </a:ln>
+              <a:solidFill>
+                <a:srgbClr val="F7C86D"/>
+              </a:solidFill>
+              <a:effectLst/>
+              <a:uLnTx/>
+              <a:uFillTx/>
+              <a:latin typeface="Calibri" panose="020F0502020204030204"/>
+              <a:ea typeface="맑은 고딕" panose="020B0503020000020004" pitchFamily="34" charset="-127"/>
+              <a:cs typeface="+mn-cs"/>
+            </a:endParaRPr>
+          </a:p>
+        </p:txBody>
+      </p:sp>
+      <p:pic>
+        <p:nvPicPr>
+          <p:cNvPr id="12" name="Logo Software University" descr="Software University logo">
+            <a:extLst>
+              <a:ext uri="{FF2B5EF4-FFF2-40B4-BE49-F238E27FC236}">
+                <a16:creationId xmlns:a16="http://schemas.microsoft.com/office/drawing/2014/main" id="{233CBB95-791E-4630-B3D9-FADFCE7BCF52}"/>
+              </a:ext>
+            </a:extLst>
+          </p:cNvPr>
+          <p:cNvPicPr>
+            <a:picLocks noChangeAspect="1"/>
+          </p:cNvPicPr>
+          <p:nvPr userDrawn="1"/>
+        </p:nvPicPr>
+        <p:blipFill>
+          <a:blip r:embed="rId2">
+            <a:extLst>
+              <a:ext uri="{28A0092B-C50C-407E-A947-70E740481C1C}">
+                <a14:useLocalDpi xmlns:a14="http://schemas.microsoft.com/office/drawing/2010/main" val="0"/>
+              </a:ext>
+            </a:extLst>
+          </a:blip>
+          <a:stretch>
+            <a:fillRect/>
+          </a:stretch>
+        </p:blipFill>
+        <p:spPr>
+          <a:xfrm>
+            <a:off x="10067957" y="253936"/>
+            <a:ext cx="1915704" cy="559235"/>
+          </a:xfrm>
+          <a:prstGeom prst="rect">
+            <a:avLst/>
+          </a:prstGeom>
+        </p:spPr>
+      </p:pic>
+      <p:sp>
+        <p:nvSpPr>
+          <p:cNvPr id="13" name="Slide Title">
+            <a:extLst>
+              <a:ext uri="{FF2B5EF4-FFF2-40B4-BE49-F238E27FC236}">
+                <a16:creationId xmlns:a16="http://schemas.microsoft.com/office/drawing/2014/main" id="{3F218E34-55D7-4290-BFE4-80F31F941551}"/>
+              </a:ext>
+            </a:extLst>
+          </p:cNvPr>
+          <p:cNvSpPr>
+            <a:spLocks noGrp="1"/>
+          </p:cNvSpPr>
+          <p:nvPr>
+            <p:ph type="title" hasCustomPrompt="1"/>
+          </p:nvPr>
+        </p:nvSpPr>
+        <p:spPr>
+          <a:xfrm>
+            <a:off x="190406" y="100750"/>
+            <a:ext cx="9715594" cy="882654"/>
+          </a:xfrm>
+        </p:spPr>
+        <p:txBody>
+          <a:bodyPr/>
+          <a:lstStyle>
+            <a:lvl1pPr latinLnBrk="0">
+              <a:defRPr>
+                <a:solidFill>
+                  <a:schemeClr val="bg2"/>
+                </a:solidFill>
+              </a:defRPr>
+            </a:lvl1pPr>
+          </a:lstStyle>
+          <a:p>
+            <a:r>
+              <a:rPr lang="en-US" noProof="0" dirty="0"/>
+              <a:t>Slide Title</a:t>
+            </a:r>
+          </a:p>
+        </p:txBody>
+      </p:sp>
+    </p:spTree>
+    <p:extLst>
+      <p:ext uri="{BB962C8B-B14F-4D97-AF65-F5344CB8AC3E}">
+        <p14:creationId xmlns:p14="http://schemas.microsoft.com/office/powerpoint/2010/main" val="3774019400"/>
+      </p:ext>
+    </p:extLst>
+  </p:cSld>
+  <p:clrMapOvr>
+    <a:masterClrMapping/>
+  </p:clrMapOvr>
+  <mc:AlternateContent xmlns:mc="http://schemas.openxmlformats.org/markup-compatibility/2006" xmlns:p14="http://schemas.microsoft.com/office/powerpoint/2010/main">
+    <mc:Choice Requires="p14">
+      <p:transition spd="slow" p14:dur="2000" advClick="0" advTm="5000"/>
+    </mc:Choice>
+    <mc:Fallback xmlns="">
+      <p:transition spd="slow" advClick="0" advTm="5000"/>
+    </mc:Fallback>
+  </mc:AlternateContent>
+</p:sldLayout>
+</file>
+
 <file path=ppt/slideMasters/slideMaster1.xml><?xml version="1.0" encoding="utf-8"?>
 <p:sldMaster xmlns:a="http://schemas.openxmlformats.org/drawingml/2006/main" xmlns:r="http://schemas.openxmlformats.org/officeDocument/2006/relationships" xmlns:p="http://schemas.openxmlformats.org/presentationml/2006/main" preserve="1">
   <p:cSld>
@@ -7783,7 +10455,7 @@
           <p:nvPr userDrawn="1"/>
         </p:nvPicPr>
         <p:blipFill rotWithShape="1">
-          <a:blip r:embed="rId14"/>
+          <a:blip r:embed="rId13"/>
           <a:srcRect b="1672"/>
           <a:stretch/>
         </p:blipFill>
@@ -7916,15 +10588,14 @@
     <p:sldLayoutId id="2147483676" r:id="rId1"/>
     <p:sldLayoutId id="2147483689" r:id="rId2"/>
     <p:sldLayoutId id="2147483681" r:id="rId3"/>
-    <p:sldLayoutId id="2147483679" r:id="rId4"/>
+    <p:sldLayoutId id="2147483691" r:id="rId4"/>
     <p:sldLayoutId id="2147483680" r:id="rId5"/>
     <p:sldLayoutId id="2147483688" r:id="rId6"/>
     <p:sldLayoutId id="2147483684" r:id="rId7"/>
-    <p:sldLayoutId id="2147483677" r:id="rId8"/>
-    <p:sldLayoutId id="2147483683" r:id="rId9"/>
-    <p:sldLayoutId id="2147483685" r:id="rId10"/>
-    <p:sldLayoutId id="2147483686" r:id="rId11"/>
-    <p:sldLayoutId id="2147483687" r:id="rId12"/>
+    <p:sldLayoutId id="2147483683" r:id="rId8"/>
+    <p:sldLayoutId id="2147483685" r:id="rId9"/>
+    <p:sldLayoutId id="2147483686" r:id="rId10"/>
+    <p:sldLayoutId id="2147483687" r:id="rId11"/>
   </p:sldLayoutIdLst>
   <mc:AlternateContent xmlns:mc="http://schemas.openxmlformats.org/markup-compatibility/2006" xmlns:p14="http://schemas.microsoft.com/office/powerpoint/2010/main">
     <mc:Choice Requires="p14">
@@ -8352,7 +11023,7 @@
           <a:lstStyle/>
           <a:p>
             <a:r>
-              <a:rPr lang="en-US" smtClean="0">
+              <a:rPr lang="en-US">
                 <a:hlinkClick r:id="rId3"/>
               </a:rPr>
               <a:t>https://softuni.bg</a:t>
@@ -8455,7 +11126,7 @@
     </p:spTree>
     <p:extLst>
       <p:ext uri="{BB962C8B-B14F-4D97-AF65-F5344CB8AC3E}">
-        <p14:creationId xmlns:p14="http://schemas.microsoft.com/office/powerpoint/2010/main" val="3215379390"/>
+        <p14:creationId xmlns:p14="http://schemas.microsoft.com/office/powerpoint/2010/main" val="2138540344"/>
       </p:ext>
     </p:extLst>
   </p:cSld>
@@ -8470,13 +11141,6 @@
       <p:transition spd="slow" advTm="5000"/>
     </mc:Fallback>
   </mc:AlternateContent>
-  <p:timing>
-    <p:tnLst>
-      <p:par>
-        <p:cTn id="1" dur="indefinite" restart="never" nodeType="tmRoot"/>
-      </p:par>
-    </p:tnLst>
-  </p:timing>
 </p:sld>
 </file>
 
@@ -9606,10 +12270,10 @@
       </p:sp>
       <p:sp>
         <p:nvSpPr>
-          <p:cNvPr id="22" name="Slide Number">
+          <p:cNvPr id="24" name="Slide Number">
             <a:extLst>
               <a:ext uri="{FF2B5EF4-FFF2-40B4-BE49-F238E27FC236}">
-                <a16:creationId xmlns:a16="http://schemas.microsoft.com/office/drawing/2014/main" id="{C1780DB1-0AF0-4108-AFE1-9DA99F0DBCB8}"/>
+                <a16:creationId xmlns:a16="http://schemas.microsoft.com/office/drawing/2014/main" id="{0BBC901E-0BBA-46BB-A0AF-CA8B5AEB8DDE}"/>
               </a:ext>
             </a:extLst>
           </p:cNvPr>
@@ -9649,7 +12313,7 @@
     </p:spTree>
     <p:extLst>
       <p:ext uri="{BB962C8B-B14F-4D97-AF65-F5344CB8AC3E}">
-        <p14:creationId xmlns:p14="http://schemas.microsoft.com/office/powerpoint/2010/main" val="3636222252"/>
+        <p14:creationId xmlns:p14="http://schemas.microsoft.com/office/powerpoint/2010/main" val="1375109430"/>
       </p:ext>
     </p:extLst>
   </p:cSld>
@@ -10510,52 +13174,6 @@
       </p:grpSpPr>
       <p:sp>
         <p:nvSpPr>
-          <p:cNvPr id="13" name="Rectangle 12"/>
-          <p:cNvSpPr/>
-          <p:nvPr/>
-        </p:nvSpPr>
-        <p:spPr>
-          <a:xfrm>
-            <a:off x="231721" y="1371601"/>
-            <a:ext cx="9217079" cy="5045079"/>
-          </a:xfrm>
-          <a:prstGeom prst="rect">
-            <a:avLst/>
-          </a:prstGeom>
-          <a:noFill/>
-          <a:ln>
-            <a:solidFill>
-              <a:srgbClr val="FF0000"/>
-            </a:solidFill>
-          </a:ln>
-        </p:spPr>
-        <p:style>
-          <a:lnRef idx="2">
-            <a:schemeClr val="accent1">
-              <a:shade val="50000"/>
-            </a:schemeClr>
-          </a:lnRef>
-          <a:fillRef idx="1">
-            <a:schemeClr val="accent1"/>
-          </a:fillRef>
-          <a:effectRef idx="0">
-            <a:schemeClr val="accent1"/>
-          </a:effectRef>
-          <a:fontRef idx="minor">
-            <a:schemeClr val="lt1"/>
-          </a:fontRef>
-        </p:style>
-        <p:txBody>
-          <a:bodyPr rtlCol="0" anchor="ctr"/>
-          <a:lstStyle/>
-          <a:p>
-            <a:pPr algn="ctr"/>
-            <a:endParaRPr lang="bg-BG" sz="2800" dirty="0"/>
-          </a:p>
-        </p:txBody>
-      </p:sp>
-      <p:sp>
-        <p:nvSpPr>
           <p:cNvPr id="4" name="Title 3"/>
           <p:cNvSpPr>
             <a:spLocks noGrp="1"/>
@@ -10570,8 +13188,8 @@
           <a:lstStyle/>
           <a:p>
             <a:r>
-              <a:rPr lang="en-US" dirty="0"/>
-              <a:t>Overall Architecture</a:t>
+              <a:rPr lang="en-US"/>
+              <a:t>Overall Data Architecture</a:t>
             </a:r>
             <a:endParaRPr lang="bg-BG" dirty="0"/>
           </a:p>
@@ -10645,7 +13263,318 @@
         </p:nvSpPr>
         <p:spPr>
           <a:xfrm>
-            <a:off x="2927408" y="1762215"/>
+            <a:off x="2676000" y="1762215"/>
+            <a:ext cx="1980000" cy="1676400"/>
+          </a:xfrm>
+          <a:prstGeom prst="rect">
+            <a:avLst/>
+          </a:prstGeom>
+          <a:solidFill>
+            <a:srgbClr val="00B0F0"/>
+          </a:solidFill>
+          <a:ln>
+            <a:solidFill>
+              <a:schemeClr val="tx1"/>
+            </a:solidFill>
+          </a:ln>
+        </p:spPr>
+        <p:style>
+          <a:lnRef idx="2">
+            <a:schemeClr val="accent1">
+              <a:shade val="50000"/>
+            </a:schemeClr>
+          </a:lnRef>
+          <a:fillRef idx="1">
+            <a:schemeClr val="accent1"/>
+          </a:fillRef>
+          <a:effectRef idx="0">
+            <a:schemeClr val="accent1"/>
+          </a:effectRef>
+          <a:fontRef idx="minor">
+            <a:schemeClr val="lt1"/>
+          </a:fontRef>
+        </p:style>
+        <p:txBody>
+          <a:bodyPr rtlCol="0" anchor="ctr"/>
+          <a:lstStyle/>
+          <a:p>
+            <a:pPr algn="ctr"/>
+            <a:r>
+              <a:rPr lang="en-US" sz="2800" dirty="0">
+                <a:solidFill>
+                  <a:schemeClr val="bg2"/>
+                </a:solidFill>
+              </a:rPr>
+              <a:t>Db Context</a:t>
+            </a:r>
+          </a:p>
+          <a:p>
+            <a:pPr algn="ctr"/>
+            <a:r>
+              <a:rPr lang="en-US" sz="2800" dirty="0">
+                <a:solidFill>
+                  <a:schemeClr val="bg2"/>
+                </a:solidFill>
+              </a:rPr>
+              <a:t>(Repository)</a:t>
+            </a:r>
+            <a:endParaRPr lang="bg-BG" sz="2800" dirty="0">
+              <a:solidFill>
+                <a:schemeClr val="bg2"/>
+              </a:solidFill>
+            </a:endParaRPr>
+          </a:p>
+        </p:txBody>
+      </p:sp>
+      <p:sp>
+        <p:nvSpPr>
+          <p:cNvPr id="7" name="Rectangle 6"/>
+          <p:cNvSpPr/>
+          <p:nvPr/>
+        </p:nvSpPr>
+        <p:spPr>
+          <a:xfrm>
+            <a:off x="5286000" y="1762215"/>
+            <a:ext cx="1665000" cy="1676400"/>
+          </a:xfrm>
+          <a:prstGeom prst="rect">
+            <a:avLst/>
+          </a:prstGeom>
+          <a:solidFill>
+            <a:srgbClr val="00B0F0"/>
+          </a:solidFill>
+          <a:ln>
+            <a:solidFill>
+              <a:schemeClr val="tx1"/>
+            </a:solidFill>
+          </a:ln>
+        </p:spPr>
+        <p:style>
+          <a:lnRef idx="2">
+            <a:schemeClr val="accent1">
+              <a:shade val="50000"/>
+            </a:schemeClr>
+          </a:lnRef>
+          <a:fillRef idx="1">
+            <a:schemeClr val="accent1"/>
+          </a:fillRef>
+          <a:effectRef idx="0">
+            <a:schemeClr val="accent1"/>
+          </a:effectRef>
+          <a:fontRef idx="minor">
+            <a:schemeClr val="lt1"/>
+          </a:fontRef>
+        </p:style>
+        <p:txBody>
+          <a:bodyPr rtlCol="0" anchor="ctr"/>
+          <a:lstStyle/>
+          <a:p>
+            <a:pPr algn="ctr"/>
+            <a:r>
+              <a:rPr lang="en-US" sz="2800" dirty="0">
+                <a:solidFill>
+                  <a:schemeClr val="bg2"/>
+                </a:solidFill>
+              </a:rPr>
+              <a:t>Services</a:t>
+            </a:r>
+            <a:endParaRPr lang="bg-BG" sz="2800" dirty="0">
+              <a:solidFill>
+                <a:schemeClr val="bg2"/>
+              </a:solidFill>
+            </a:endParaRPr>
+          </a:p>
+        </p:txBody>
+      </p:sp>
+      <p:sp>
+        <p:nvSpPr>
+          <p:cNvPr id="8" name="Rectangle 7"/>
+          <p:cNvSpPr/>
+          <p:nvPr/>
+        </p:nvSpPr>
+        <p:spPr>
+          <a:xfrm>
+            <a:off x="5218500" y="4374000"/>
+            <a:ext cx="1800000" cy="1645801"/>
+          </a:xfrm>
+          <a:prstGeom prst="rect">
+            <a:avLst/>
+          </a:prstGeom>
+          <a:solidFill>
+            <a:srgbClr val="00B050"/>
+          </a:solidFill>
+          <a:ln>
+            <a:solidFill>
+              <a:schemeClr val="tx1"/>
+            </a:solidFill>
+          </a:ln>
+        </p:spPr>
+        <p:style>
+          <a:lnRef idx="2">
+            <a:schemeClr val="accent1">
+              <a:shade val="50000"/>
+            </a:schemeClr>
+          </a:lnRef>
+          <a:fillRef idx="1">
+            <a:schemeClr val="accent1"/>
+          </a:fillRef>
+          <a:effectRef idx="0">
+            <a:schemeClr val="accent1"/>
+          </a:effectRef>
+          <a:fontRef idx="minor">
+            <a:schemeClr val="lt1"/>
+          </a:fontRef>
+        </p:style>
+        <p:txBody>
+          <a:bodyPr rtlCol="0" anchor="ctr"/>
+          <a:lstStyle/>
+          <a:p>
+            <a:pPr algn="ctr"/>
+            <a:r>
+              <a:rPr lang="en-US" sz="2800" dirty="0">
+                <a:solidFill>
+                  <a:schemeClr val="bg2"/>
+                </a:solidFill>
+              </a:rPr>
+              <a:t>Models / DTO</a:t>
+            </a:r>
+            <a:endParaRPr lang="bg-BG" sz="2800" dirty="0">
+              <a:solidFill>
+                <a:schemeClr val="bg2"/>
+              </a:solidFill>
+            </a:endParaRPr>
+          </a:p>
+        </p:txBody>
+      </p:sp>
+      <p:sp>
+        <p:nvSpPr>
+          <p:cNvPr id="9" name="Rectangle 8"/>
+          <p:cNvSpPr/>
+          <p:nvPr/>
+        </p:nvSpPr>
+        <p:spPr>
+          <a:xfrm>
+            <a:off x="7580999" y="1768036"/>
+            <a:ext cx="1822499" cy="1676400"/>
+          </a:xfrm>
+          <a:prstGeom prst="rect">
+            <a:avLst/>
+          </a:prstGeom>
+          <a:solidFill>
+            <a:srgbClr val="00B0F0"/>
+          </a:solidFill>
+          <a:ln>
+            <a:solidFill>
+              <a:schemeClr val="tx1"/>
+            </a:solidFill>
+          </a:ln>
+        </p:spPr>
+        <p:style>
+          <a:lnRef idx="2">
+            <a:schemeClr val="accent1">
+              <a:shade val="50000"/>
+            </a:schemeClr>
+          </a:lnRef>
+          <a:fillRef idx="1">
+            <a:schemeClr val="accent1"/>
+          </a:fillRef>
+          <a:effectRef idx="0">
+            <a:schemeClr val="accent1"/>
+          </a:effectRef>
+          <a:fontRef idx="minor">
+            <a:schemeClr val="lt1"/>
+          </a:fontRef>
+        </p:style>
+        <p:txBody>
+          <a:bodyPr rtlCol="0" anchor="ctr"/>
+          <a:lstStyle/>
+          <a:p>
+            <a:pPr algn="ctr"/>
+            <a:r>
+              <a:rPr lang="en-US" sz="2800" dirty="0">
+                <a:solidFill>
+                  <a:schemeClr val="bg2"/>
+                </a:solidFill>
+              </a:rPr>
+              <a:t>Controllers</a:t>
+            </a:r>
+            <a:endParaRPr lang="bg-BG" sz="2800" dirty="0">
+              <a:solidFill>
+                <a:schemeClr val="bg2"/>
+              </a:solidFill>
+            </a:endParaRPr>
+          </a:p>
+        </p:txBody>
+      </p:sp>
+      <p:sp>
+        <p:nvSpPr>
+          <p:cNvPr id="11" name="Rectangle 10"/>
+          <p:cNvSpPr/>
+          <p:nvPr/>
+        </p:nvSpPr>
+        <p:spPr>
+          <a:xfrm>
+            <a:off x="2789700" y="4374000"/>
+            <a:ext cx="1752600" cy="1645801"/>
+          </a:xfrm>
+          <a:prstGeom prst="rect">
+            <a:avLst/>
+          </a:prstGeom>
+          <a:solidFill>
+            <a:srgbClr val="00B050"/>
+          </a:solidFill>
+          <a:ln>
+            <a:solidFill>
+              <a:schemeClr val="tx1"/>
+            </a:solidFill>
+          </a:ln>
+        </p:spPr>
+        <p:style>
+          <a:lnRef idx="2">
+            <a:schemeClr val="accent1">
+              <a:shade val="50000"/>
+            </a:schemeClr>
+          </a:lnRef>
+          <a:fillRef idx="1">
+            <a:schemeClr val="accent1"/>
+          </a:fillRef>
+          <a:effectRef idx="0">
+            <a:schemeClr val="accent1"/>
+          </a:effectRef>
+          <a:fontRef idx="minor">
+            <a:schemeClr val="lt1"/>
+          </a:fontRef>
+        </p:style>
+        <p:txBody>
+          <a:bodyPr rtlCol="0" anchor="ctr"/>
+          <a:lstStyle/>
+          <a:p>
+            <a:pPr algn="ctr"/>
+            <a:r>
+              <a:rPr lang="en-US" sz="2800">
+                <a:solidFill>
+                  <a:schemeClr val="bg2"/>
+                </a:solidFill>
+              </a:rPr>
+              <a:t>Entities</a:t>
+            </a:r>
+            <a:endParaRPr lang="bg-BG" sz="2800" dirty="0">
+              <a:solidFill>
+                <a:schemeClr val="bg2"/>
+              </a:solidFill>
+            </a:endParaRPr>
+          </a:p>
+        </p:txBody>
+      </p:sp>
+      <p:sp>
+        <p:nvSpPr>
+          <p:cNvPr id="12" name="Rectangle 11"/>
+          <p:cNvSpPr/>
+          <p:nvPr/>
+        </p:nvSpPr>
+        <p:spPr>
+          <a:xfrm>
+            <a:off x="10171826" y="3024000"/>
             <a:ext cx="1752600" cy="1676400"/>
           </a:xfrm>
           <a:prstGeom prst="rect">
@@ -10687,7 +13616,7 @@
                   <a:schemeClr val="bg2"/>
                 </a:solidFill>
               </a:rPr>
-              <a:t>Repository</a:t>
+              <a:t>Views</a:t>
             </a:r>
             <a:endParaRPr lang="bg-BG" sz="2800" dirty="0">
               <a:solidFill>
@@ -10697,76 +13626,310 @@
           </a:p>
         </p:txBody>
       </p:sp>
-      <p:sp>
-        <p:nvSpPr>
-          <p:cNvPr id="7" name="Rectangle 6"/>
-          <p:cNvSpPr/>
+      <p:cxnSp>
+        <p:nvCxnSpPr>
+          <p:cNvPr id="15" name="Straight Arrow Connector 14"/>
+          <p:cNvCxnSpPr>
+            <a:cxnSpLocks/>
+            <a:stCxn id="5" idx="4"/>
+            <a:endCxn id="6" idx="1"/>
+          </p:cNvCxnSpPr>
           <p:nvPr/>
-        </p:nvSpPr>
+        </p:nvCxnSpPr>
         <p:spPr>
-          <a:xfrm>
-            <a:off x="5159404" y="1762215"/>
-            <a:ext cx="1752600" cy="1676400"/>
+          <a:xfrm flipV="1">
+            <a:off x="1888057" y="2600415"/>
+            <a:ext cx="787943" cy="1209586"/>
           </a:xfrm>
-          <a:prstGeom prst="rect">
+          <a:prstGeom prst="straightConnector1">
             <a:avLst/>
           </a:prstGeom>
-          <a:solidFill>
-            <a:srgbClr val="00B0F0"/>
-          </a:solidFill>
-          <a:ln>
+          <a:ln w="63500">
             <a:solidFill>
               <a:schemeClr val="tx1"/>
             </a:solidFill>
+            <a:headEnd type="triangle"/>
+            <a:tailEnd type="triangle"/>
           </a:ln>
         </p:spPr>
         <p:style>
-          <a:lnRef idx="2">
-            <a:schemeClr val="accent1">
-              <a:shade val="50000"/>
-            </a:schemeClr>
+          <a:lnRef idx="1">
+            <a:schemeClr val="accent1"/>
           </a:lnRef>
-          <a:fillRef idx="1">
+          <a:fillRef idx="0">
             <a:schemeClr val="accent1"/>
           </a:fillRef>
           <a:effectRef idx="0">
             <a:schemeClr val="accent1"/>
           </a:effectRef>
           <a:fontRef idx="minor">
-            <a:schemeClr val="lt1"/>
+            <a:schemeClr val="tx1"/>
           </a:fontRef>
         </p:style>
+      </p:cxnSp>
+      <p:cxnSp>
+        <p:nvCxnSpPr>
+          <p:cNvPr id="17" name="Straight Arrow Connector 16"/>
+          <p:cNvCxnSpPr>
+            <a:cxnSpLocks/>
+            <a:stCxn id="11" idx="0"/>
+            <a:endCxn id="6" idx="2"/>
+          </p:cNvCxnSpPr>
+          <p:nvPr/>
+        </p:nvCxnSpPr>
+        <p:spPr>
+          <a:xfrm flipV="1">
+            <a:off x="3666000" y="3438615"/>
+            <a:ext cx="0" cy="935385"/>
+          </a:xfrm>
+          <a:prstGeom prst="straightConnector1">
+            <a:avLst/>
+          </a:prstGeom>
+          <a:ln w="63500">
+            <a:solidFill>
+              <a:schemeClr val="tx1"/>
+            </a:solidFill>
+            <a:headEnd type="triangle"/>
+            <a:tailEnd type="triangle"/>
+          </a:ln>
+        </p:spPr>
+        <p:style>
+          <a:lnRef idx="1">
+            <a:schemeClr val="accent1"/>
+          </a:lnRef>
+          <a:fillRef idx="0">
+            <a:schemeClr val="accent1"/>
+          </a:fillRef>
+          <a:effectRef idx="0">
+            <a:schemeClr val="accent1"/>
+          </a:effectRef>
+          <a:fontRef idx="minor">
+            <a:schemeClr val="tx1"/>
+          </a:fontRef>
+        </p:style>
+      </p:cxnSp>
+      <p:cxnSp>
+        <p:nvCxnSpPr>
+          <p:cNvPr id="20" name="Straight Arrow Connector 19"/>
+          <p:cNvCxnSpPr>
+            <a:cxnSpLocks/>
+            <a:stCxn id="8" idx="0"/>
+            <a:endCxn id="7" idx="2"/>
+          </p:cNvCxnSpPr>
+          <p:nvPr/>
+        </p:nvCxnSpPr>
+        <p:spPr>
+          <a:xfrm flipV="1">
+            <a:off x="6118500" y="3438615"/>
+            <a:ext cx="0" cy="935385"/>
+          </a:xfrm>
+          <a:prstGeom prst="straightConnector1">
+            <a:avLst/>
+          </a:prstGeom>
+          <a:ln w="63500">
+            <a:solidFill>
+              <a:schemeClr val="tx1"/>
+            </a:solidFill>
+            <a:headEnd type="triangle"/>
+            <a:tailEnd type="triangle"/>
+          </a:ln>
+        </p:spPr>
+        <p:style>
+          <a:lnRef idx="1">
+            <a:schemeClr val="accent1"/>
+          </a:lnRef>
+          <a:fillRef idx="0">
+            <a:schemeClr val="accent1"/>
+          </a:fillRef>
+          <a:effectRef idx="0">
+            <a:schemeClr val="accent1"/>
+          </a:effectRef>
+          <a:fontRef idx="minor">
+            <a:schemeClr val="tx1"/>
+          </a:fontRef>
+        </p:style>
+      </p:cxnSp>
+      <p:cxnSp>
+        <p:nvCxnSpPr>
+          <p:cNvPr id="21" name="Straight Arrow Connector 20"/>
+          <p:cNvCxnSpPr>
+            <a:cxnSpLocks/>
+            <a:stCxn id="6" idx="3"/>
+            <a:endCxn id="7" idx="1"/>
+          </p:cNvCxnSpPr>
+          <p:nvPr/>
+        </p:nvCxnSpPr>
+        <p:spPr>
+          <a:xfrm>
+            <a:off x="4656000" y="2600415"/>
+            <a:ext cx="630000" cy="0"/>
+          </a:xfrm>
+          <a:prstGeom prst="straightConnector1">
+            <a:avLst/>
+          </a:prstGeom>
+          <a:ln w="63500">
+            <a:solidFill>
+              <a:schemeClr val="tx1"/>
+            </a:solidFill>
+            <a:headEnd type="triangle"/>
+            <a:tailEnd type="triangle"/>
+          </a:ln>
+        </p:spPr>
+        <p:style>
+          <a:lnRef idx="1">
+            <a:schemeClr val="accent1"/>
+          </a:lnRef>
+          <a:fillRef idx="0">
+            <a:schemeClr val="accent1"/>
+          </a:fillRef>
+          <a:effectRef idx="0">
+            <a:schemeClr val="accent1"/>
+          </a:effectRef>
+          <a:fontRef idx="minor">
+            <a:schemeClr val="tx1"/>
+          </a:fontRef>
+        </p:style>
+      </p:cxnSp>
+      <p:cxnSp>
+        <p:nvCxnSpPr>
+          <p:cNvPr id="26" name="Straight Arrow Connector 25"/>
+          <p:cNvCxnSpPr>
+            <a:cxnSpLocks/>
+            <a:stCxn id="7" idx="3"/>
+            <a:endCxn id="9" idx="1"/>
+          </p:cNvCxnSpPr>
+          <p:nvPr/>
+        </p:nvCxnSpPr>
+        <p:spPr>
+          <a:xfrm>
+            <a:off x="6951000" y="2600415"/>
+            <a:ext cx="629999" cy="5821"/>
+          </a:xfrm>
+          <a:prstGeom prst="straightConnector1">
+            <a:avLst/>
+          </a:prstGeom>
+          <a:ln w="63500">
+            <a:solidFill>
+              <a:schemeClr val="tx1"/>
+            </a:solidFill>
+            <a:headEnd type="triangle"/>
+            <a:tailEnd type="triangle"/>
+          </a:ln>
+        </p:spPr>
+        <p:style>
+          <a:lnRef idx="1">
+            <a:schemeClr val="accent1"/>
+          </a:lnRef>
+          <a:fillRef idx="0">
+            <a:schemeClr val="accent1"/>
+          </a:fillRef>
+          <a:effectRef idx="0">
+            <a:schemeClr val="accent1"/>
+          </a:effectRef>
+          <a:fontRef idx="minor">
+            <a:schemeClr val="tx1"/>
+          </a:fontRef>
+        </p:style>
+      </p:cxnSp>
+      <p:cxnSp>
+        <p:nvCxnSpPr>
+          <p:cNvPr id="27" name="Straight Arrow Connector 26"/>
+          <p:cNvCxnSpPr>
+            <a:cxnSpLocks/>
+            <a:stCxn id="19" idx="3"/>
+            <a:endCxn id="12" idx="1"/>
+          </p:cNvCxnSpPr>
+          <p:nvPr/>
+        </p:nvCxnSpPr>
+        <p:spPr>
+          <a:xfrm flipV="1">
+            <a:off x="9402300" y="3862200"/>
+            <a:ext cx="769526" cy="1334701"/>
+          </a:xfrm>
+          <a:prstGeom prst="straightConnector1">
+            <a:avLst/>
+          </a:prstGeom>
+          <a:ln w="63500">
+            <a:solidFill>
+              <a:schemeClr val="tx1"/>
+            </a:solidFill>
+            <a:headEnd type="triangle"/>
+            <a:tailEnd type="triangle"/>
+          </a:ln>
+        </p:spPr>
+        <p:style>
+          <a:lnRef idx="1">
+            <a:schemeClr val="accent1"/>
+          </a:lnRef>
+          <a:fillRef idx="0">
+            <a:schemeClr val="accent1"/>
+          </a:fillRef>
+          <a:effectRef idx="0">
+            <a:schemeClr val="accent1"/>
+          </a:effectRef>
+          <a:fontRef idx="minor">
+            <a:schemeClr val="tx1"/>
+          </a:fontRef>
+        </p:style>
+      </p:cxnSp>
+      <p:sp>
+        <p:nvSpPr>
+          <p:cNvPr id="22" name="Slide Number">
+            <a:extLst>
+              <a:ext uri="{FF2B5EF4-FFF2-40B4-BE49-F238E27FC236}">
+                <a16:creationId xmlns:a16="http://schemas.microsoft.com/office/drawing/2014/main" id="{DD06AFE6-A483-405B-9E41-75272BEB3DD0}"/>
+              </a:ext>
+            </a:extLst>
+          </p:cNvPr>
+          <p:cNvSpPr>
+            <a:spLocks noGrp="1"/>
+          </p:cNvSpPr>
+          <p:nvPr>
+            <p:ph type="sldNum" sz="quarter" idx="5"/>
+          </p:nvPr>
+        </p:nvSpPr>
+        <p:spPr>
+          <a:xfrm>
+            <a:off x="11753030" y="6507000"/>
+            <a:ext cx="367414" cy="297000"/>
+          </a:xfrm>
+          <a:prstGeom prst="rect">
+            <a:avLst/>
+          </a:prstGeom>
+        </p:spPr>
         <p:txBody>
-          <a:bodyPr rtlCol="0" anchor="ctr"/>
-          <a:lstStyle/>
-          <a:p>
-            <a:pPr algn="ctr"/>
-            <a:r>
-              <a:rPr lang="en-US" sz="2800" dirty="0">
-                <a:solidFill>
-                  <a:schemeClr val="bg2"/>
-                </a:solidFill>
-              </a:rPr>
-              <a:t>Service</a:t>
-            </a:r>
-            <a:endParaRPr lang="bg-BG" sz="2800" dirty="0">
-              <a:solidFill>
-                <a:schemeClr val="bg2"/>
-              </a:solidFill>
-            </a:endParaRPr>
+          <a:bodyPr vert="horz" lIns="91440" tIns="45720" rIns="91440" bIns="45720" rtlCol="0" anchor="b"/>
+          <a:lstStyle>
+            <a:lvl1pPr algn="r">
+              <a:defRPr sz="1000"/>
+            </a:lvl1pPr>
+          </a:lstStyle>
+          <a:p>
+            <a:fld id="{2BF067CD-8E6B-4360-9AA8-C5DF2A48A6D1}" type="slidenum">
+              <a:rPr lang="en-US" noProof="0" smtClean="0"/>
+              <a:pPr/>
+              <a:t>11</a:t>
+            </a:fld>
+            <a:endParaRPr lang="en-US" noProof="0" dirty="0"/>
           </a:p>
         </p:txBody>
       </p:sp>
       <p:sp>
         <p:nvSpPr>
-          <p:cNvPr id="8" name="Rectangle 7"/>
+          <p:cNvPr id="19" name="Rectangle 18">
+            <a:extLst>
+              <a:ext uri="{FF2B5EF4-FFF2-40B4-BE49-F238E27FC236}">
+                <a16:creationId xmlns:a16="http://schemas.microsoft.com/office/drawing/2014/main" id="{185A6C40-588B-45C7-9755-61CF3E12CB7E}"/>
+              </a:ext>
+            </a:extLst>
+          </p:cNvPr>
           <p:cNvSpPr/>
           <p:nvPr/>
         </p:nvSpPr>
         <p:spPr>
           <a:xfrm>
-            <a:off x="4950665" y="4354831"/>
-            <a:ext cx="2216292" cy="1664970"/>
+            <a:off x="7534200" y="4374000"/>
+            <a:ext cx="1868100" cy="1645801"/>
           </a:xfrm>
           <a:prstGeom prst="rect">
             <a:avLst/>
@@ -10807,7 +13970,7 @@
                   <a:schemeClr val="bg2"/>
                 </a:solidFill>
               </a:rPr>
-              <a:t>Models / DTO</a:t>
+              <a:t>View Models</a:t>
             </a:r>
             <a:endParaRPr lang="bg-BG" sz="2800" dirty="0">
               <a:solidFill>
@@ -10817,196 +13980,26 @@
           </a:p>
         </p:txBody>
       </p:sp>
-      <p:sp>
-        <p:nvSpPr>
-          <p:cNvPr id="9" name="Rectangle 8"/>
-          <p:cNvSpPr/>
-          <p:nvPr/>
-        </p:nvSpPr>
-        <p:spPr>
-          <a:xfrm>
-            <a:off x="7391400" y="1762215"/>
-            <a:ext cx="1752600" cy="1676400"/>
-          </a:xfrm>
-          <a:prstGeom prst="rect">
-            <a:avLst/>
-          </a:prstGeom>
-          <a:solidFill>
-            <a:srgbClr val="00B0F0"/>
-          </a:solidFill>
-          <a:ln>
-            <a:solidFill>
-              <a:schemeClr val="tx1"/>
-            </a:solidFill>
-          </a:ln>
-        </p:spPr>
-        <p:style>
-          <a:lnRef idx="2">
-            <a:schemeClr val="accent1">
-              <a:shade val="50000"/>
-            </a:schemeClr>
-          </a:lnRef>
-          <a:fillRef idx="1">
-            <a:schemeClr val="accent1"/>
-          </a:fillRef>
-          <a:effectRef idx="0">
-            <a:schemeClr val="accent1"/>
-          </a:effectRef>
-          <a:fontRef idx="minor">
-            <a:schemeClr val="lt1"/>
-          </a:fontRef>
-        </p:style>
-        <p:txBody>
-          <a:bodyPr rtlCol="0" anchor="ctr"/>
-          <a:lstStyle/>
-          <a:p>
-            <a:pPr algn="ctr"/>
-            <a:r>
-              <a:rPr lang="en-US" sz="2800" dirty="0">
-                <a:solidFill>
-                  <a:schemeClr val="bg2"/>
-                </a:solidFill>
-              </a:rPr>
-              <a:t>Controller</a:t>
-            </a:r>
-            <a:endParaRPr lang="bg-BG" sz="2800" dirty="0">
-              <a:solidFill>
-                <a:schemeClr val="bg2"/>
-              </a:solidFill>
-            </a:endParaRPr>
-          </a:p>
-        </p:txBody>
-      </p:sp>
-      <p:sp>
-        <p:nvSpPr>
-          <p:cNvPr id="11" name="Rectangle 10"/>
-          <p:cNvSpPr/>
-          <p:nvPr/>
-        </p:nvSpPr>
-        <p:spPr>
-          <a:xfrm>
-            <a:off x="2927408" y="4354831"/>
-            <a:ext cx="1752600" cy="1664970"/>
-          </a:xfrm>
-          <a:prstGeom prst="rect">
-            <a:avLst/>
-          </a:prstGeom>
-          <a:solidFill>
-            <a:srgbClr val="FF0000"/>
-          </a:solidFill>
-          <a:ln>
-            <a:solidFill>
-              <a:schemeClr val="tx1"/>
-            </a:solidFill>
-          </a:ln>
-        </p:spPr>
-        <p:style>
-          <a:lnRef idx="2">
-            <a:schemeClr val="accent1">
-              <a:shade val="50000"/>
-            </a:schemeClr>
-          </a:lnRef>
-          <a:fillRef idx="1">
-            <a:schemeClr val="accent1"/>
-          </a:fillRef>
-          <a:effectRef idx="0">
-            <a:schemeClr val="accent1"/>
-          </a:effectRef>
-          <a:fontRef idx="minor">
-            <a:schemeClr val="lt1"/>
-          </a:fontRef>
-        </p:style>
-        <p:txBody>
-          <a:bodyPr rtlCol="0" anchor="ctr"/>
-          <a:lstStyle/>
-          <a:p>
-            <a:pPr algn="ctr"/>
-            <a:r>
-              <a:rPr lang="en-US" sz="2800" dirty="0">
-                <a:solidFill>
-                  <a:schemeClr val="bg2"/>
-                </a:solidFill>
-              </a:rPr>
-              <a:t>Entities</a:t>
-            </a:r>
-            <a:endParaRPr lang="bg-BG" sz="2800" dirty="0">
-              <a:solidFill>
-                <a:schemeClr val="bg2"/>
-              </a:solidFill>
-            </a:endParaRPr>
-          </a:p>
-        </p:txBody>
-      </p:sp>
-      <p:sp>
-        <p:nvSpPr>
-          <p:cNvPr id="12" name="Rectangle 11"/>
-          <p:cNvSpPr/>
-          <p:nvPr/>
-        </p:nvSpPr>
-        <p:spPr>
-          <a:xfrm>
-            <a:off x="10210800" y="2971800"/>
-            <a:ext cx="1752600" cy="1676400"/>
-          </a:xfrm>
-          <a:prstGeom prst="rect">
-            <a:avLst/>
-          </a:prstGeom>
-          <a:solidFill>
-            <a:srgbClr val="FFC000"/>
-          </a:solidFill>
-          <a:ln>
-            <a:solidFill>
-              <a:schemeClr val="tx1"/>
-            </a:solidFill>
-          </a:ln>
-        </p:spPr>
-        <p:style>
-          <a:lnRef idx="2">
-            <a:schemeClr val="accent1">
-              <a:shade val="50000"/>
-            </a:schemeClr>
-          </a:lnRef>
-          <a:fillRef idx="1">
-            <a:schemeClr val="accent1"/>
-          </a:fillRef>
-          <a:effectRef idx="0">
-            <a:schemeClr val="accent1"/>
-          </a:effectRef>
-          <a:fontRef idx="minor">
-            <a:schemeClr val="lt1"/>
-          </a:fontRef>
-        </p:style>
-        <p:txBody>
-          <a:bodyPr rtlCol="0" anchor="ctr"/>
-          <a:lstStyle/>
-          <a:p>
-            <a:pPr algn="ctr"/>
-            <a:r>
-              <a:rPr lang="en-US" sz="2800" dirty="0">
-                <a:solidFill>
-                  <a:schemeClr val="bg2"/>
-                </a:solidFill>
-              </a:rPr>
-              <a:t>View</a:t>
-            </a:r>
-            <a:endParaRPr lang="bg-BG" sz="2800" dirty="0">
-              <a:solidFill>
-                <a:schemeClr val="bg2"/>
-              </a:solidFill>
-            </a:endParaRPr>
-          </a:p>
-        </p:txBody>
-      </p:sp>
       <p:cxnSp>
         <p:nvCxnSpPr>
-          <p:cNvPr id="15" name="Straight Arrow Connector 14"/>
-          <p:cNvCxnSpPr/>
+          <p:cNvPr id="31" name="Straight Arrow Connector 30">
+            <a:extLst>
+              <a:ext uri="{FF2B5EF4-FFF2-40B4-BE49-F238E27FC236}">
+                <a16:creationId xmlns:a16="http://schemas.microsoft.com/office/drawing/2014/main" id="{9C33A0D0-4D85-4BDE-9EA6-2F6F0AEBEB71}"/>
+              </a:ext>
+            </a:extLst>
+          </p:cNvPr>
+          <p:cNvCxnSpPr>
+            <a:cxnSpLocks/>
+            <a:stCxn id="19" idx="0"/>
+            <a:endCxn id="9" idx="2"/>
+          </p:cNvCxnSpPr>
           <p:nvPr/>
         </p:nvCxnSpPr>
         <p:spPr>
           <a:xfrm flipV="1">
-            <a:off x="1990169" y="2829015"/>
-            <a:ext cx="754568" cy="609600"/>
+            <a:off x="8468250" y="3444436"/>
+            <a:ext cx="23999" cy="929564"/>
           </a:xfrm>
           <a:prstGeom prst="straightConnector1">
             <a:avLst/>
@@ -11036,14 +14029,24 @@
       </p:cxnSp>
       <p:cxnSp>
         <p:nvCxnSpPr>
-          <p:cNvPr id="17" name="Straight Arrow Connector 16"/>
-          <p:cNvCxnSpPr/>
+          <p:cNvPr id="64" name="Straight Arrow Connector 63">
+            <a:extLst>
+              <a:ext uri="{FF2B5EF4-FFF2-40B4-BE49-F238E27FC236}">
+                <a16:creationId xmlns:a16="http://schemas.microsoft.com/office/drawing/2014/main" id="{9DE6A512-7919-4D7E-93BB-1C1634E3D973}"/>
+              </a:ext>
+            </a:extLst>
+          </p:cNvPr>
+          <p:cNvCxnSpPr>
+            <a:cxnSpLocks/>
+            <a:stCxn id="9" idx="3"/>
+            <a:endCxn id="12" idx="1"/>
+          </p:cNvCxnSpPr>
           <p:nvPr/>
         </p:nvCxnSpPr>
         <p:spPr>
-          <a:xfrm flipV="1">
-            <a:off x="3803708" y="3517947"/>
-            <a:ext cx="0" cy="752385"/>
+          <a:xfrm>
+            <a:off x="9403498" y="2606236"/>
+            <a:ext cx="768328" cy="1255964"/>
           </a:xfrm>
           <a:prstGeom prst="straightConnector1">
             <a:avLst/>
@@ -11071,229 +14074,10 @@
           </a:fontRef>
         </p:style>
       </p:cxnSp>
-      <p:cxnSp>
-        <p:nvCxnSpPr>
-          <p:cNvPr id="20" name="Straight Arrow Connector 19"/>
-          <p:cNvCxnSpPr/>
-          <p:nvPr/>
-        </p:nvCxnSpPr>
-        <p:spPr>
-          <a:xfrm flipV="1">
-            <a:off x="6035704" y="3517947"/>
-            <a:ext cx="0" cy="752385"/>
-          </a:xfrm>
-          <a:prstGeom prst="straightConnector1">
-            <a:avLst/>
-          </a:prstGeom>
-          <a:ln w="63500">
-            <a:solidFill>
-              <a:schemeClr val="tx1"/>
-            </a:solidFill>
-            <a:headEnd type="triangle"/>
-            <a:tailEnd type="triangle"/>
-          </a:ln>
-        </p:spPr>
-        <p:style>
-          <a:lnRef idx="1">
-            <a:schemeClr val="accent1"/>
-          </a:lnRef>
-          <a:fillRef idx="0">
-            <a:schemeClr val="accent1"/>
-          </a:fillRef>
-          <a:effectRef idx="0">
-            <a:schemeClr val="accent1"/>
-          </a:effectRef>
-          <a:fontRef idx="minor">
-            <a:schemeClr val="tx1"/>
-          </a:fontRef>
-        </p:style>
-      </p:cxnSp>
-      <p:cxnSp>
-        <p:nvCxnSpPr>
-          <p:cNvPr id="21" name="Straight Arrow Connector 20"/>
-          <p:cNvCxnSpPr/>
-          <p:nvPr/>
-        </p:nvCxnSpPr>
-        <p:spPr>
-          <a:xfrm>
-            <a:off x="4702869" y="2600416"/>
-            <a:ext cx="448887" cy="21045"/>
-          </a:xfrm>
-          <a:prstGeom prst="straightConnector1">
-            <a:avLst/>
-          </a:prstGeom>
-          <a:ln w="63500">
-            <a:solidFill>
-              <a:schemeClr val="tx1"/>
-            </a:solidFill>
-            <a:headEnd type="triangle"/>
-            <a:tailEnd type="triangle"/>
-          </a:ln>
-        </p:spPr>
-        <p:style>
-          <a:lnRef idx="1">
-            <a:schemeClr val="accent1"/>
-          </a:lnRef>
-          <a:fillRef idx="0">
-            <a:schemeClr val="accent1"/>
-          </a:fillRef>
-          <a:effectRef idx="0">
-            <a:schemeClr val="accent1"/>
-          </a:effectRef>
-          <a:fontRef idx="minor">
-            <a:schemeClr val="tx1"/>
-          </a:fontRef>
-        </p:style>
-      </p:cxnSp>
-      <p:cxnSp>
-        <p:nvCxnSpPr>
-          <p:cNvPr id="26" name="Straight Arrow Connector 25"/>
-          <p:cNvCxnSpPr/>
-          <p:nvPr/>
-        </p:nvCxnSpPr>
-        <p:spPr>
-          <a:xfrm>
-            <a:off x="6942514" y="2590801"/>
-            <a:ext cx="448887" cy="21045"/>
-          </a:xfrm>
-          <a:prstGeom prst="straightConnector1">
-            <a:avLst/>
-          </a:prstGeom>
-          <a:ln w="63500">
-            <a:solidFill>
-              <a:schemeClr val="tx1"/>
-            </a:solidFill>
-            <a:headEnd type="triangle"/>
-            <a:tailEnd type="triangle"/>
-          </a:ln>
-        </p:spPr>
-        <p:style>
-          <a:lnRef idx="1">
-            <a:schemeClr val="accent1"/>
-          </a:lnRef>
-          <a:fillRef idx="0">
-            <a:schemeClr val="accent1"/>
-          </a:fillRef>
-          <a:effectRef idx="0">
-            <a:schemeClr val="accent1"/>
-          </a:effectRef>
-          <a:fontRef idx="minor">
-            <a:schemeClr val="tx1"/>
-          </a:fontRef>
-        </p:style>
-      </p:cxnSp>
-      <p:cxnSp>
-        <p:nvCxnSpPr>
-          <p:cNvPr id="27" name="Straight Arrow Connector 26"/>
-          <p:cNvCxnSpPr/>
-          <p:nvPr/>
-        </p:nvCxnSpPr>
-        <p:spPr>
-          <a:xfrm>
-            <a:off x="9492225" y="3958230"/>
-            <a:ext cx="682697" cy="4171"/>
-          </a:xfrm>
-          <a:prstGeom prst="straightConnector1">
-            <a:avLst/>
-          </a:prstGeom>
-          <a:ln w="63500">
-            <a:solidFill>
-              <a:schemeClr val="tx1"/>
-            </a:solidFill>
-            <a:headEnd type="triangle"/>
-            <a:tailEnd type="triangle"/>
-          </a:ln>
-        </p:spPr>
-        <p:style>
-          <a:lnRef idx="1">
-            <a:schemeClr val="accent1"/>
-          </a:lnRef>
-          <a:fillRef idx="0">
-            <a:schemeClr val="accent1"/>
-          </a:fillRef>
-          <a:effectRef idx="0">
-            <a:schemeClr val="accent1"/>
-          </a:effectRef>
-          <a:fontRef idx="minor">
-            <a:schemeClr val="tx1"/>
-          </a:fontRef>
-        </p:style>
-      </p:cxnSp>
-      <p:sp>
-        <p:nvSpPr>
-          <p:cNvPr id="30" name="TextBox 29"/>
-          <p:cNvSpPr txBox="1"/>
-          <p:nvPr/>
-        </p:nvSpPr>
-        <p:spPr>
-          <a:xfrm>
-            <a:off x="7896225" y="5893459"/>
-            <a:ext cx="1552575" cy="523220"/>
-          </a:xfrm>
-          <a:prstGeom prst="rect">
-            <a:avLst/>
-          </a:prstGeom>
-          <a:noFill/>
-        </p:spPr>
-        <p:txBody>
-          <a:bodyPr wrap="square" rtlCol="0">
-            <a:spAutoFit/>
-          </a:bodyPr>
-          <a:lstStyle/>
-          <a:p>
-            <a:r>
-              <a:rPr lang="en-US" sz="2800" dirty="0"/>
-              <a:t>Back-End</a:t>
-            </a:r>
-          </a:p>
-        </p:txBody>
-      </p:sp>
-      <p:sp>
-        <p:nvSpPr>
-          <p:cNvPr id="19" name="Slide Number">
-            <a:extLst>
-              <a:ext uri="{FF2B5EF4-FFF2-40B4-BE49-F238E27FC236}">
-                <a16:creationId xmlns:a16="http://schemas.microsoft.com/office/drawing/2014/main" id="{C1780DB1-0AF0-4108-AFE1-9DA99F0DBCB8}"/>
-              </a:ext>
-            </a:extLst>
-          </p:cNvPr>
-          <p:cNvSpPr>
-            <a:spLocks noGrp="1"/>
-          </p:cNvSpPr>
-          <p:nvPr>
-            <p:ph type="sldNum" sz="quarter" idx="5"/>
-          </p:nvPr>
-        </p:nvSpPr>
-        <p:spPr>
-          <a:xfrm>
-            <a:off x="11753030" y="6507000"/>
-            <a:ext cx="367414" cy="297000"/>
-          </a:xfrm>
-          <a:prstGeom prst="rect">
-            <a:avLst/>
-          </a:prstGeom>
-        </p:spPr>
-        <p:txBody>
-          <a:bodyPr vert="horz" lIns="91440" tIns="45720" rIns="91440" bIns="45720" rtlCol="0" anchor="b"/>
-          <a:lstStyle>
-            <a:lvl1pPr algn="r">
-              <a:defRPr sz="1000"/>
-            </a:lvl1pPr>
-          </a:lstStyle>
-          <a:p>
-            <a:fld id="{2BF067CD-8E6B-4360-9AA8-C5DF2A48A6D1}" type="slidenum">
-              <a:rPr lang="en-US" noProof="0" smtClean="0"/>
-              <a:pPr/>
-              <a:t>11</a:t>
-            </a:fld>
-            <a:endParaRPr lang="en-US" noProof="0" dirty="0"/>
-          </a:p>
-        </p:txBody>
-      </p:sp>
     </p:spTree>
     <p:extLst>
       <p:ext uri="{BB962C8B-B14F-4D97-AF65-F5344CB8AC3E}">
-        <p14:creationId xmlns:p14="http://schemas.microsoft.com/office/powerpoint/2010/main" val="3700477928"/>
+        <p14:creationId xmlns:p14="http://schemas.microsoft.com/office/powerpoint/2010/main" val="2518783948"/>
       </p:ext>
     </p:extLst>
   </p:cSld>
@@ -11822,7 +14606,7 @@
                             </p:stCondLst>
                             <p:childTnLst>
                               <p:par>
-                                <p:cTn id="50" presetID="10" presetClass="entr" presetSubtype="0" fill="hold" grpId="0" nodeType="clickEffect">
+                                <p:cTn id="50" presetID="10" presetClass="entr" presetSubtype="0" fill="hold" nodeType="clickEffect">
                                   <p:stCondLst>
                                     <p:cond delay="0"/>
                                   </p:stCondLst>
@@ -11835,7 +14619,7 @@
                                           </p:stCondLst>
                                         </p:cTn>
                                         <p:tgtEl>
-                                          <p:spTgt spid="13"/>
+                                          <p:spTgt spid="31"/>
                                         </p:tgtEl>
                                         <p:attrNameLst>
                                           <p:attrName>style.visibility</p:attrName>
@@ -11849,7 +14633,7 @@
                                       <p:cBhvr>
                                         <p:cTn id="52" dur="500"/>
                                         <p:tgtEl>
-                                          <p:spTgt spid="13"/>
+                                          <p:spTgt spid="31"/>
                                         </p:tgtEl>
                                       </p:cBhvr>
                                     </p:animEffect>
@@ -11857,7 +14641,7 @@
                                 </p:cTn>
                               </p:par>
                               <p:par>
-                                <p:cTn id="53" presetID="1" presetClass="entr" presetSubtype="0" fill="hold" grpId="0" nodeType="withEffect">
+                                <p:cTn id="53" presetID="10" presetClass="entr" presetSubtype="0" fill="hold" grpId="0" nodeType="withEffect">
                                   <p:stCondLst>
                                     <p:cond delay="0"/>
                                   </p:stCondLst>
@@ -11870,7 +14654,7 @@
                                           </p:stCondLst>
                                         </p:cTn>
                                         <p:tgtEl>
-                                          <p:spTgt spid="30"/>
+                                          <p:spTgt spid="19"/>
                                         </p:tgtEl>
                                         <p:attrNameLst>
                                           <p:attrName>style.visibility</p:attrName>
@@ -11880,6 +14664,14 @@
                                         <p:strVal val="visible"/>
                                       </p:to>
                                     </p:set>
+                                    <p:animEffect transition="in" filter="fade">
+                                      <p:cBhvr>
+                                        <p:cTn id="55" dur="500"/>
+                                        <p:tgtEl>
+                                          <p:spTgt spid="19"/>
+                                        </p:tgtEl>
+                                      </p:cBhvr>
+                                    </p:animEffect>
                                   </p:childTnLst>
                                 </p:cTn>
                               </p:par>
@@ -11890,26 +14682,26 @@
                     </p:cTn>
                   </p:par>
                   <p:par>
-                    <p:cTn id="55" fill="hold">
+                    <p:cTn id="56" fill="hold">
                       <p:stCondLst>
                         <p:cond delay="indefinite"/>
                       </p:stCondLst>
                       <p:childTnLst>
                         <p:par>
-                          <p:cTn id="56" fill="hold">
+                          <p:cTn id="57" fill="hold">
                             <p:stCondLst>
                               <p:cond delay="0"/>
                             </p:stCondLst>
                             <p:childTnLst>
                               <p:par>
-                                <p:cTn id="57" presetID="10" presetClass="entr" presetSubtype="0" fill="hold" nodeType="clickEffect">
+                                <p:cTn id="58" presetID="10" presetClass="entr" presetSubtype="0" fill="hold" nodeType="clickEffect">
                                   <p:stCondLst>
                                     <p:cond delay="0"/>
                                   </p:stCondLst>
                                   <p:childTnLst>
                                     <p:set>
                                       <p:cBhvr>
-                                        <p:cTn id="58" dur="1" fill="hold">
+                                        <p:cTn id="59" dur="1" fill="hold">
                                           <p:stCondLst>
                                             <p:cond delay="0"/>
                                           </p:stCondLst>
@@ -11927,7 +14719,7 @@
                                     </p:set>
                                     <p:animEffect transition="in" filter="fade">
                                       <p:cBhvr>
-                                        <p:cTn id="59" dur="500"/>
+                                        <p:cTn id="60" dur="500"/>
                                         <p:tgtEl>
                                           <p:spTgt spid="27"/>
                                         </p:tgtEl>
@@ -11937,14 +14729,14 @@
                                 </p:cTn>
                               </p:par>
                               <p:par>
-                                <p:cTn id="60" presetID="10" presetClass="entr" presetSubtype="0" fill="hold" grpId="0" nodeType="withEffect">
+                                <p:cTn id="61" presetID="10" presetClass="entr" presetSubtype="0" fill="hold" grpId="0" nodeType="withEffect">
                                   <p:stCondLst>
                                     <p:cond delay="0"/>
                                   </p:stCondLst>
                                   <p:childTnLst>
                                     <p:set>
                                       <p:cBhvr>
-                                        <p:cTn id="61" dur="1" fill="hold">
+                                        <p:cTn id="62" dur="1" fill="hold">
                                           <p:stCondLst>
                                             <p:cond delay="0"/>
                                           </p:stCondLst>
@@ -11962,9 +14754,44 @@
                                     </p:set>
                                     <p:animEffect transition="in" filter="fade">
                                       <p:cBhvr>
-                                        <p:cTn id="62" dur="500"/>
+                                        <p:cTn id="63" dur="500"/>
                                         <p:tgtEl>
                                           <p:spTgt spid="12"/>
+                                        </p:tgtEl>
+                                      </p:cBhvr>
+                                    </p:animEffect>
+                                  </p:childTnLst>
+                                </p:cTn>
+                              </p:par>
+                              <p:par>
+                                <p:cTn id="64" presetID="10" presetClass="entr" presetSubtype="0" fill="hold" nodeType="withEffect">
+                                  <p:stCondLst>
+                                    <p:cond delay="0"/>
+                                  </p:stCondLst>
+                                  <p:childTnLst>
+                                    <p:set>
+                                      <p:cBhvr>
+                                        <p:cTn id="65" dur="1" fill="hold">
+                                          <p:stCondLst>
+                                            <p:cond delay="0"/>
+                                          </p:stCondLst>
+                                        </p:cTn>
+                                        <p:tgtEl>
+                                          <p:spTgt spid="64"/>
+                                        </p:tgtEl>
+                                        <p:attrNameLst>
+                                          <p:attrName>style.visibility</p:attrName>
+                                        </p:attrNameLst>
+                                      </p:cBhvr>
+                                      <p:to>
+                                        <p:strVal val="visible"/>
+                                      </p:to>
+                                    </p:set>
+                                    <p:animEffect transition="in" filter="fade">
+                                      <p:cBhvr>
+                                        <p:cTn id="66" dur="500"/>
+                                        <p:tgtEl>
+                                          <p:spTgt spid="64"/>
                                         </p:tgtEl>
                                       </p:cBhvr>
                                     </p:animEffect>
@@ -11999,7 +14826,6 @@
       </p:par>
     </p:tnLst>
     <p:bldLst>
-      <p:bldP spid="13" grpId="0" animBg="1"/>
       <p:bldP spid="5" grpId="0" animBg="1"/>
       <p:bldP spid="6" grpId="0" animBg="1"/>
       <p:bldP spid="7" grpId="0" animBg="1"/>
@@ -12007,7 +14833,7 @@
       <p:bldP spid="9" grpId="0" animBg="1"/>
       <p:bldP spid="11" grpId="0" animBg="1"/>
       <p:bldP spid="12" grpId="0" animBg="1"/>
-      <p:bldP spid="30" grpId="0"/>
+      <p:bldP spid="19" grpId="0" animBg="1"/>
     </p:bldLst>
   </p:timing>
 </p:sld>
@@ -12295,10 +15121,10 @@
       </p:pic>
       <p:sp>
         <p:nvSpPr>
-          <p:cNvPr id="5" name="Slide Number">
+          <p:cNvPr id="6" name="Slide Number">
             <a:extLst>
               <a:ext uri="{FF2B5EF4-FFF2-40B4-BE49-F238E27FC236}">
-                <a16:creationId xmlns:a16="http://schemas.microsoft.com/office/drawing/2014/main" id="{C1780DB1-0AF0-4108-AFE1-9DA99F0DBCB8}"/>
+                <a16:creationId xmlns:a16="http://schemas.microsoft.com/office/drawing/2014/main" id="{69965550-E0A8-41C4-9CB6-62D3B598EDDF}"/>
               </a:ext>
             </a:extLst>
           </p:cNvPr>
@@ -12338,7 +15164,7 @@
     </p:spTree>
     <p:extLst>
       <p:ext uri="{BB962C8B-B14F-4D97-AF65-F5344CB8AC3E}">
-        <p14:creationId xmlns:p14="http://schemas.microsoft.com/office/powerpoint/2010/main" val="3805059967"/>
+        <p14:creationId xmlns:p14="http://schemas.microsoft.com/office/powerpoint/2010/main" val="3555599419"/>
       </p:ext>
     </p:extLst>
   </p:cSld>
@@ -13539,15 +16365,7 @@
                   <a:schemeClr val="bg2"/>
                 </a:solidFill>
               </a:rPr>
-              <a:t>Later met its application in the </a:t>
-            </a:r>
-            <a:r>
-              <a:rPr lang="en-US" sz="2800" dirty="0" smtClean="0">
-                <a:solidFill>
-                  <a:schemeClr val="bg2"/>
-                </a:solidFill>
-              </a:rPr>
-              <a:t>Web</a:t>
+              <a:t>Later met its application in the Web</a:t>
             </a:r>
           </a:p>
           <a:p>
@@ -13560,7 +16378,7 @@
               </a:buClr>
             </a:pPr>
             <a:r>
-              <a:rPr lang="en-US" sz="3000" b="1" noProof="1" smtClean="0">
+              <a:rPr lang="en-US" sz="3000" b="1" noProof="1">
                 <a:solidFill>
                   <a:schemeClr val="bg1">
                     <a:lumMod val="60000"/>
@@ -13581,7 +16399,7 @@
               </a:buClr>
             </a:pPr>
             <a:r>
-              <a:rPr lang="en-US" sz="2800" b="1" dirty="0" smtClean="0">
+              <a:rPr lang="en-US" sz="2800" b="1" dirty="0">
                 <a:solidFill>
                   <a:schemeClr val="bg1">
                     <a:lumMod val="60000"/>
@@ -13592,20 +16410,12 @@
               <a:t>Model</a:t>
             </a:r>
             <a:r>
-              <a:rPr lang="en-US" sz="2800" dirty="0" smtClean="0">
-                <a:solidFill>
-                  <a:schemeClr val="bg2"/>
-                </a:solidFill>
-              </a:rPr>
-              <a:t> </a:t>
-            </a:r>
-            <a:r>
               <a:rPr lang="en-US" sz="2800" dirty="0">
                 <a:solidFill>
                   <a:schemeClr val="bg2"/>
                 </a:solidFill>
               </a:rPr>
-              <a:t>– The </a:t>
+              <a:t> – The </a:t>
             </a:r>
             <a:r>
               <a:rPr lang="en-US" sz="2800" b="1" dirty="0">
@@ -13751,10 +16561,10 @@
       </p:sp>
       <p:sp>
         <p:nvSpPr>
-          <p:cNvPr id="15" name="Slide Number">
+          <p:cNvPr id="16" name="Slide Number">
             <a:extLst>
               <a:ext uri="{FF2B5EF4-FFF2-40B4-BE49-F238E27FC236}">
-                <a16:creationId xmlns:a16="http://schemas.microsoft.com/office/drawing/2014/main" id="{C1780DB1-0AF0-4108-AFE1-9DA99F0DBCB8}"/>
+                <a16:creationId xmlns:a16="http://schemas.microsoft.com/office/drawing/2014/main" id="{602860B7-525A-482A-A23C-3917375F7E06}"/>
               </a:ext>
             </a:extLst>
           </p:cNvPr>
@@ -13794,7 +16604,7 @@
     </p:spTree>
     <p:extLst>
       <p:ext uri="{BB962C8B-B14F-4D97-AF65-F5344CB8AC3E}">
-        <p14:creationId xmlns:p14="http://schemas.microsoft.com/office/powerpoint/2010/main" val="2087190546"/>
+        <p14:creationId xmlns:p14="http://schemas.microsoft.com/office/powerpoint/2010/main" val="2259198044"/>
       </p:ext>
     </p:extLst>
   </p:cSld>
@@ -14261,7 +17071,7 @@
     </p:spTree>
     <p:extLst>
       <p:ext uri="{BB962C8B-B14F-4D97-AF65-F5344CB8AC3E}">
-        <p14:creationId xmlns:p14="http://schemas.microsoft.com/office/powerpoint/2010/main" val="3538928320"/>
+        <p14:creationId xmlns:p14="http://schemas.microsoft.com/office/powerpoint/2010/main" val="3782559736"/>
       </p:ext>
     </p:extLst>
   </p:cSld>
@@ -14314,7 +17124,7 @@
         </p:spPr>
         <p:txBody>
           <a:bodyPr>
-            <a:normAutofit lnSpcReduction="10000"/>
+            <a:normAutofit/>
           </a:bodyPr>
           <a:lstStyle/>
           <a:p>
@@ -14341,15 +17151,12 @@
               <a:t>, </a:t>
             </a:r>
             <a:r>
-              <a:rPr lang="en-US" sz="3000" noProof="1">
+              <a:rPr lang="en-US" sz="2800" dirty="0">
                 <a:hlinkClick r:id="rId4"/>
               </a:rPr>
-              <a:t>softuni.org</a:t>
-            </a:r>
-            <a:r>
-              <a:rPr lang="en-US" sz="3000" noProof="1"/>
-              <a:t> </a:t>
-            </a:r>
+              <a:t>about.softuni.bg</a:t>
+            </a:r>
+            <a:endParaRPr lang="en-US" sz="3000" noProof="1"/>
           </a:p>
           <a:p>
             <a:pPr>
@@ -14452,16 +17259,14 @@
           <p:cNvPr id="5" name="Slide Number">
             <a:extLst>
               <a:ext uri="{FF2B5EF4-FFF2-40B4-BE49-F238E27FC236}">
-                <a16:creationId xmlns:a16="http://schemas.microsoft.com/office/drawing/2014/main" id="{C1780DB1-0AF0-4108-AFE1-9DA99F0DBCB8}"/>
+                <a16:creationId xmlns:a16="http://schemas.microsoft.com/office/drawing/2014/main" id="{BB0F9306-2C29-4759-8D82-61F0F56E3C3A}"/>
               </a:ext>
             </a:extLst>
           </p:cNvPr>
-          <p:cNvSpPr>
-            <a:spLocks noGrp="1"/>
+          <p:cNvSpPr txBox="1">
+            <a:spLocks/>
           </p:cNvSpPr>
-          <p:nvPr>
-            <p:ph type="sldNum" sz="quarter" idx="4294967295"/>
-          </p:nvPr>
+          <p:nvPr/>
         </p:nvSpPr>
         <p:spPr>
           <a:xfrm>
@@ -14475,24 +17280,114 @@
         <p:txBody>
           <a:bodyPr vert="horz" lIns="91440" tIns="45720" rIns="91440" bIns="45720" rtlCol="0" anchor="b"/>
           <a:lstStyle>
-            <a:lvl1pPr algn="r">
-              <a:defRPr sz="1000"/>
+            <a:defPPr>
+              <a:defRPr lang="en-US"/>
+            </a:defPPr>
+            <a:lvl1pPr marL="0" algn="r" defTabSz="914400" rtl="0" eaLnBrk="1" latinLnBrk="0" hangingPunct="1">
+              <a:defRPr sz="1000" kern="1200">
+                <a:solidFill>
+                  <a:schemeClr val="tx1"/>
+                </a:solidFill>
+                <a:latin typeface="+mn-lt"/>
+                <a:ea typeface="+mn-ea"/>
+                <a:cs typeface="+mn-cs"/>
+              </a:defRPr>
             </a:lvl1pPr>
+            <a:lvl2pPr marL="457200" algn="l" defTabSz="914400" rtl="0" eaLnBrk="1" latinLnBrk="0" hangingPunct="1">
+              <a:defRPr sz="1800" kern="1200">
+                <a:solidFill>
+                  <a:schemeClr val="tx1"/>
+                </a:solidFill>
+                <a:latin typeface="+mn-lt"/>
+                <a:ea typeface="+mn-ea"/>
+                <a:cs typeface="+mn-cs"/>
+              </a:defRPr>
+            </a:lvl2pPr>
+            <a:lvl3pPr marL="914400" algn="l" defTabSz="914400" rtl="0" eaLnBrk="1" latinLnBrk="0" hangingPunct="1">
+              <a:defRPr sz="1800" kern="1200">
+                <a:solidFill>
+                  <a:schemeClr val="tx1"/>
+                </a:solidFill>
+                <a:latin typeface="+mn-lt"/>
+                <a:ea typeface="+mn-ea"/>
+                <a:cs typeface="+mn-cs"/>
+              </a:defRPr>
+            </a:lvl3pPr>
+            <a:lvl4pPr marL="1371600" algn="l" defTabSz="914400" rtl="0" eaLnBrk="1" latinLnBrk="0" hangingPunct="1">
+              <a:defRPr sz="1800" kern="1200">
+                <a:solidFill>
+                  <a:schemeClr val="tx1"/>
+                </a:solidFill>
+                <a:latin typeface="+mn-lt"/>
+                <a:ea typeface="+mn-ea"/>
+                <a:cs typeface="+mn-cs"/>
+              </a:defRPr>
+            </a:lvl4pPr>
+            <a:lvl5pPr marL="1828800" algn="l" defTabSz="914400" rtl="0" eaLnBrk="1" latinLnBrk="0" hangingPunct="1">
+              <a:defRPr sz="1800" kern="1200">
+                <a:solidFill>
+                  <a:schemeClr val="tx1"/>
+                </a:solidFill>
+                <a:latin typeface="+mn-lt"/>
+                <a:ea typeface="+mn-ea"/>
+                <a:cs typeface="+mn-cs"/>
+              </a:defRPr>
+            </a:lvl5pPr>
+            <a:lvl6pPr marL="2286000" algn="l" defTabSz="914400" rtl="0" eaLnBrk="1" latinLnBrk="0" hangingPunct="1">
+              <a:defRPr sz="1800" kern="1200">
+                <a:solidFill>
+                  <a:schemeClr val="tx1"/>
+                </a:solidFill>
+                <a:latin typeface="+mn-lt"/>
+                <a:ea typeface="+mn-ea"/>
+                <a:cs typeface="+mn-cs"/>
+              </a:defRPr>
+            </a:lvl6pPr>
+            <a:lvl7pPr marL="2743200" algn="l" defTabSz="914400" rtl="0" eaLnBrk="1" latinLnBrk="0" hangingPunct="1">
+              <a:defRPr sz="1800" kern="1200">
+                <a:solidFill>
+                  <a:schemeClr val="tx1"/>
+                </a:solidFill>
+                <a:latin typeface="+mn-lt"/>
+                <a:ea typeface="+mn-ea"/>
+                <a:cs typeface="+mn-cs"/>
+              </a:defRPr>
+            </a:lvl7pPr>
+            <a:lvl8pPr marL="3200400" algn="l" defTabSz="914400" rtl="0" eaLnBrk="1" latinLnBrk="0" hangingPunct="1">
+              <a:defRPr sz="1800" kern="1200">
+                <a:solidFill>
+                  <a:schemeClr val="tx1"/>
+                </a:solidFill>
+                <a:latin typeface="+mn-lt"/>
+                <a:ea typeface="+mn-ea"/>
+                <a:cs typeface="+mn-cs"/>
+              </a:defRPr>
+            </a:lvl8pPr>
+            <a:lvl9pPr marL="3657600" algn="l" defTabSz="914400" rtl="0" eaLnBrk="1" latinLnBrk="0" hangingPunct="1">
+              <a:defRPr sz="1800" kern="1200">
+                <a:solidFill>
+                  <a:schemeClr val="tx1"/>
+                </a:solidFill>
+                <a:latin typeface="+mn-lt"/>
+                <a:ea typeface="+mn-ea"/>
+                <a:cs typeface="+mn-cs"/>
+              </a:defRPr>
+            </a:lvl9pPr>
           </a:lstStyle>
           <a:p>
             <a:fld id="{2BF067CD-8E6B-4360-9AA8-C5DF2A48A6D1}" type="slidenum">
-              <a:rPr lang="en-US" noProof="0" smtClean="0"/>
+              <a:rPr lang="en-US" smtClean="0"/>
               <a:pPr/>
               <a:t>15</a:t>
             </a:fld>
-            <a:endParaRPr lang="en-US" noProof="0" dirty="0"/>
+            <a:endParaRPr lang="en-US" dirty="0"/>
           </a:p>
         </p:txBody>
       </p:sp>
     </p:spTree>
     <p:extLst>
       <p:ext uri="{BB962C8B-B14F-4D97-AF65-F5344CB8AC3E}">
-        <p14:creationId xmlns:p14="http://schemas.microsoft.com/office/powerpoint/2010/main" val="144186764"/>
+        <p14:creationId xmlns:p14="http://schemas.microsoft.com/office/powerpoint/2010/main" val="867207017"/>
       </p:ext>
     </p:extLst>
   </p:cSld>
@@ -14593,7 +17488,7 @@
               <a:rPr lang="en-US" dirty="0">
                 <a:hlinkClick r:id="rId3"/>
               </a:rPr>
-              <a:t>https://softuni.org</a:t>
+              <a:t>https://about.softuni.bg</a:t>
             </a:r>
             <a:endParaRPr lang="en-US" dirty="0"/>
           </a:p>
@@ -14692,7 +17587,7 @@
           <p:cNvPr id="7" name="Slide Number">
             <a:extLst>
               <a:ext uri="{FF2B5EF4-FFF2-40B4-BE49-F238E27FC236}">
-                <a16:creationId xmlns:a16="http://schemas.microsoft.com/office/drawing/2014/main" id="{C1780DB1-0AF0-4108-AFE1-9DA99F0DBCB8}"/>
+                <a16:creationId xmlns:a16="http://schemas.microsoft.com/office/drawing/2014/main" id="{3ACF8FC5-29FD-4E2F-B385-98AFB5D6C558}"/>
               </a:ext>
             </a:extLst>
           </p:cNvPr>
@@ -14732,7 +17627,7 @@
     </p:spTree>
     <p:extLst>
       <p:ext uri="{BB962C8B-B14F-4D97-AF65-F5344CB8AC3E}">
-        <p14:creationId xmlns:p14="http://schemas.microsoft.com/office/powerpoint/2010/main" val="3506533871"/>
+        <p14:creationId xmlns:p14="http://schemas.microsoft.com/office/powerpoint/2010/main" val="3962413418"/>
       </p:ext>
     </p:extLst>
   </p:cSld>
@@ -14774,7 +17669,7 @@
             <a:spLocks noGrp="1" noChangeArrowheads="1"/>
           </p:cNvSpPr>
           <p:nvPr>
-            <p:ph type="body" sz="quarter" idx="13"/>
+            <p:ph type="body" sz="quarter" idx="10"/>
           </p:nvPr>
         </p:nvSpPr>
         <p:spPr/>
@@ -14953,10 +17848,10 @@
       </p:sp>
       <p:sp>
         <p:nvSpPr>
-          <p:cNvPr id="5" name="Slide Number">
+          <p:cNvPr id="6" name="Slide Number">
             <a:extLst>
               <a:ext uri="{FF2B5EF4-FFF2-40B4-BE49-F238E27FC236}">
-                <a16:creationId xmlns:a16="http://schemas.microsoft.com/office/drawing/2014/main" id="{C1780DB1-0AF0-4108-AFE1-9DA99F0DBCB8}"/>
+                <a16:creationId xmlns:a16="http://schemas.microsoft.com/office/drawing/2014/main" id="{4838B410-7E62-4BBC-872B-3F8BD9E46301}"/>
               </a:ext>
             </a:extLst>
           </p:cNvPr>
@@ -14964,7 +17859,7 @@
             <a:spLocks noGrp="1"/>
           </p:cNvSpPr>
           <p:nvPr>
-            <p:ph type="sldNum" sz="quarter" idx="4294967295"/>
+            <p:ph type="sldNum" sz="quarter" idx="5"/>
           </p:nvPr>
         </p:nvSpPr>
         <p:spPr>
@@ -14996,7 +17891,7 @@
     </p:spTree>
     <p:extLst>
       <p:ext uri="{BB962C8B-B14F-4D97-AF65-F5344CB8AC3E}">
-        <p14:creationId xmlns:p14="http://schemas.microsoft.com/office/powerpoint/2010/main" val="1646986932"/>
+        <p14:creationId xmlns:p14="http://schemas.microsoft.com/office/powerpoint/2010/main" val="2015589566"/>
       </p:ext>
     </p:extLst>
   </p:cSld>
@@ -15466,10 +18361,6 @@
               </a:rPr>
               <a:t>sli.do</a:t>
             </a:r>
-            <a:r>
-              <a:rPr lang="en-US" sz="6000" b="1" dirty="0"/>
-              <a:t/>
-            </a:r>
             <a:br>
               <a:rPr lang="en-US" sz="6000" b="1" dirty="0"/>
             </a:br>
@@ -15505,10 +18396,10 @@
       </p:sp>
       <p:sp>
         <p:nvSpPr>
-          <p:cNvPr id="5" name="Slide Number">
+          <p:cNvPr id="6" name="Slide Number">
             <a:extLst>
               <a:ext uri="{FF2B5EF4-FFF2-40B4-BE49-F238E27FC236}">
-                <a16:creationId xmlns:a16="http://schemas.microsoft.com/office/drawing/2014/main" id="{C1780DB1-0AF0-4108-AFE1-9DA99F0DBCB8}"/>
+                <a16:creationId xmlns:a16="http://schemas.microsoft.com/office/drawing/2014/main" id="{747C825D-99F0-497A-86D0-8235F5B40E8F}"/>
               </a:ext>
             </a:extLst>
           </p:cNvPr>
@@ -15548,7 +18439,7 @@
     </p:spTree>
     <p:extLst>
       <p:ext uri="{BB962C8B-B14F-4D97-AF65-F5344CB8AC3E}">
-        <p14:creationId xmlns:p14="http://schemas.microsoft.com/office/powerpoint/2010/main" val="2842694622"/>
+        <p14:creationId xmlns:p14="http://schemas.microsoft.com/office/powerpoint/2010/main" val="1964927573"/>
       </p:ext>
     </p:extLst>
   </p:cSld>
@@ -15563,13 +18454,6 @@
       <p:transition spd="slow" advTm="5000"/>
     </mc:Fallback>
   </mc:AlternateContent>
-  <p:timing>
-    <p:tnLst>
-      <p:par>
-        <p:cTn id="1" dur="indefinite" restart="never" nodeType="tmRoot"/>
-      </p:par>
-    </p:tnLst>
-  </p:timing>
 </p:sld>
 </file>
 
@@ -15590,29 +18474,6 @@
           <a:chExt cx="0" cy="0"/>
         </a:xfrm>
       </p:grpSpPr>
-      <p:sp>
-        <p:nvSpPr>
-          <p:cNvPr id="3" name="Title 2"/>
-          <p:cNvSpPr>
-            <a:spLocks noGrp="1"/>
-          </p:cNvSpPr>
-          <p:nvPr>
-            <p:ph type="title" sz="quarter" idx="10"/>
-          </p:nvPr>
-        </p:nvSpPr>
-        <p:spPr/>
-        <p:txBody>
-          <a:bodyPr/>
-          <a:lstStyle/>
-          <a:p>
-            <a:r>
-              <a:rPr lang="en-GB" smtClean="0"/>
-              <a:t>The MVC Pattern</a:t>
-            </a:r>
-            <a:endParaRPr lang="bg-BG"/>
-          </a:p>
-        </p:txBody>
-      </p:sp>
       <p:pic>
         <p:nvPicPr>
           <p:cNvPr id="8" name="Graphic 7" descr="Hierarchy">
@@ -15634,7 +18495,7 @@
                 <a14:useLocalDpi xmlns:a14="http://schemas.microsoft.com/office/drawing/2010/main" val="0"/>
               </a:ext>
               <a:ext uri="{96DAC541-7B7A-43D3-8B79-37D633B846F1}">
-                <asvg:svgBlip xmlns:asvg="http://schemas.microsoft.com/office/drawing/2016/SVG/main" xmlns="" r:embed="rId3"/>
+                <asvg:svgBlip xmlns:asvg="http://schemas.microsoft.com/office/drawing/2016/SVG/main" r:embed="rId3"/>
               </a:ext>
             </a:extLst>
           </a:blip>
@@ -15652,10 +18513,38 @@
           </a:prstGeom>
         </p:spPr>
       </p:pic>
+      <p:sp>
+        <p:nvSpPr>
+          <p:cNvPr id="4" name="Title 3">
+            <a:extLst>
+              <a:ext uri="{FF2B5EF4-FFF2-40B4-BE49-F238E27FC236}">
+                <a16:creationId xmlns:a16="http://schemas.microsoft.com/office/drawing/2014/main" id="{28B2B5C3-8C05-4C80-B939-25C71DA7265C}"/>
+              </a:ext>
+            </a:extLst>
+          </p:cNvPr>
+          <p:cNvSpPr>
+            <a:spLocks noGrp="1"/>
+          </p:cNvSpPr>
+          <p:nvPr>
+            <p:ph type="title" sz="quarter" idx="10"/>
+          </p:nvPr>
+        </p:nvSpPr>
+        <p:spPr/>
+        <p:txBody>
+          <a:bodyPr/>
+          <a:lstStyle/>
+          <a:p>
+            <a:r>
+              <a:rPr lang="en-US"/>
+              <a:t>The MVC Pattern</a:t>
+            </a:r>
+          </a:p>
+        </p:txBody>
+      </p:sp>
     </p:spTree>
     <p:extLst>
       <p:ext uri="{BB962C8B-B14F-4D97-AF65-F5344CB8AC3E}">
-        <p14:creationId xmlns:p14="http://schemas.microsoft.com/office/powerpoint/2010/main" val="3876381353"/>
+        <p14:creationId xmlns:p14="http://schemas.microsoft.com/office/powerpoint/2010/main" val="1766409524"/>
       </p:ext>
     </p:extLst>
   </p:cSld>
@@ -15670,13 +18559,6 @@
       <p:transition spd="slow" advTm="5000"/>
     </mc:Fallback>
   </mc:AlternateContent>
-  <p:timing>
-    <p:tnLst>
-      <p:par>
-        <p:cTn id="1" dur="indefinite" restart="never" nodeType="tmRoot"/>
-      </p:par>
-    </p:tnLst>
-  </p:timing>
 </p:sld>
 </file>
 
@@ -15920,10 +18802,10 @@
       </p:pic>
       <p:sp>
         <p:nvSpPr>
-          <p:cNvPr id="6" name="Slide Number">
+          <p:cNvPr id="7" name="Slide Number">
             <a:extLst>
               <a:ext uri="{FF2B5EF4-FFF2-40B4-BE49-F238E27FC236}">
-                <a16:creationId xmlns:a16="http://schemas.microsoft.com/office/drawing/2014/main" id="{C1780DB1-0AF0-4108-AFE1-9DA99F0DBCB8}"/>
+                <a16:creationId xmlns:a16="http://schemas.microsoft.com/office/drawing/2014/main" id="{FDCCC4BF-F5D9-44F7-A1C5-F6F9D7D81815}"/>
               </a:ext>
             </a:extLst>
           </p:cNvPr>
@@ -15963,7 +18845,7 @@
     </p:spTree>
     <p:extLst>
       <p:ext uri="{BB962C8B-B14F-4D97-AF65-F5344CB8AC3E}">
-        <p14:creationId xmlns:p14="http://schemas.microsoft.com/office/powerpoint/2010/main" val="11503515"/>
+        <p14:creationId xmlns:p14="http://schemas.microsoft.com/office/powerpoint/2010/main" val="3006483792"/>
       </p:ext>
     </p:extLst>
   </p:cSld>
@@ -16380,10 +19262,10 @@
       </p:pic>
       <p:sp>
         <p:nvSpPr>
-          <p:cNvPr id="5" name="Slide Number">
+          <p:cNvPr id="6" name="Slide Number">
             <a:extLst>
               <a:ext uri="{FF2B5EF4-FFF2-40B4-BE49-F238E27FC236}">
-                <a16:creationId xmlns:a16="http://schemas.microsoft.com/office/drawing/2014/main" id="{C1780DB1-0AF0-4108-AFE1-9DA99F0DBCB8}"/>
+                <a16:creationId xmlns:a16="http://schemas.microsoft.com/office/drawing/2014/main" id="{08BE1F9C-23C1-42F1-9BFF-F4470CDE6C2C}"/>
               </a:ext>
             </a:extLst>
           </p:cNvPr>
@@ -16423,7 +19305,7 @@
     </p:spTree>
     <p:extLst>
       <p:ext uri="{BB962C8B-B14F-4D97-AF65-F5344CB8AC3E}">
-        <p14:creationId xmlns:p14="http://schemas.microsoft.com/office/powerpoint/2010/main" val="1579612424"/>
+        <p14:creationId xmlns:p14="http://schemas.microsoft.com/office/powerpoint/2010/main" val="3317436477"/>
       </p:ext>
     </p:extLst>
   </p:cSld>
@@ -16987,10 +19869,6 @@
               <a:rPr lang="en-US" sz="3000" dirty="0"/>
               <a:t> </a:t>
             </a:r>
-            <a:r>
-              <a:rPr lang="bg-BG" sz="3000" dirty="0"/>
-              <a:t/>
-            </a:r>
             <a:br>
               <a:rPr lang="bg-BG" sz="3000" dirty="0"/>
             </a:br>
@@ -17103,10 +19981,10 @@
       </p:pic>
       <p:sp>
         <p:nvSpPr>
-          <p:cNvPr id="6" name="Slide Number">
+          <p:cNvPr id="8" name="Slide Number">
             <a:extLst>
               <a:ext uri="{FF2B5EF4-FFF2-40B4-BE49-F238E27FC236}">
-                <a16:creationId xmlns:a16="http://schemas.microsoft.com/office/drawing/2014/main" id="{C1780DB1-0AF0-4108-AFE1-9DA99F0DBCB8}"/>
+                <a16:creationId xmlns:a16="http://schemas.microsoft.com/office/drawing/2014/main" id="{31EDB977-9C67-4CA8-A0C4-1E1E73BA90D9}"/>
               </a:ext>
             </a:extLst>
           </p:cNvPr>
@@ -17146,7 +20024,7 @@
     </p:spTree>
     <p:extLst>
       <p:ext uri="{BB962C8B-B14F-4D97-AF65-F5344CB8AC3E}">
-        <p14:creationId xmlns:p14="http://schemas.microsoft.com/office/powerpoint/2010/main" val="2624579889"/>
+        <p14:creationId xmlns:p14="http://schemas.microsoft.com/office/powerpoint/2010/main" val="4021847401"/>
       </p:ext>
     </p:extLst>
   </p:cSld>
@@ -17608,15 +20486,14 @@
           <a:effectLst>
             <a:softEdge rad="112500"/>
           </a:effectLst>
-          <a:extLst/>
         </p:spPr>
       </p:pic>
       <p:sp>
         <p:nvSpPr>
-          <p:cNvPr id="6" name="Slide Number">
+          <p:cNvPr id="7" name="Slide Number">
             <a:extLst>
               <a:ext uri="{FF2B5EF4-FFF2-40B4-BE49-F238E27FC236}">
-                <a16:creationId xmlns:a16="http://schemas.microsoft.com/office/drawing/2014/main" id="{C1780DB1-0AF0-4108-AFE1-9DA99F0DBCB8}"/>
+                <a16:creationId xmlns:a16="http://schemas.microsoft.com/office/drawing/2014/main" id="{8E241AA1-D509-4020-A26F-F7405E6F698F}"/>
               </a:ext>
             </a:extLst>
           </p:cNvPr>
@@ -17656,7 +20533,7 @@
     </p:spTree>
     <p:extLst>
       <p:ext uri="{BB962C8B-B14F-4D97-AF65-F5344CB8AC3E}">
-        <p14:creationId xmlns:p14="http://schemas.microsoft.com/office/powerpoint/2010/main" val="3002947581"/>
+        <p14:creationId xmlns:p14="http://schemas.microsoft.com/office/powerpoint/2010/main" val="1381827022"/>
       </p:ext>
     </p:extLst>
   </p:cSld>
@@ -18396,10 +21273,10 @@
       </p:sp>
       <p:sp>
         <p:nvSpPr>
-          <p:cNvPr id="4" name="Slide Number">
+          <p:cNvPr id="5" name="Slide Number">
             <a:extLst>
               <a:ext uri="{FF2B5EF4-FFF2-40B4-BE49-F238E27FC236}">
-                <a16:creationId xmlns:a16="http://schemas.microsoft.com/office/drawing/2014/main" id="{C1780DB1-0AF0-4108-AFE1-9DA99F0DBCB8}"/>
+                <a16:creationId xmlns:a16="http://schemas.microsoft.com/office/drawing/2014/main" id="{641FEDE4-C17B-48E3-91EC-78C380D34F36}"/>
               </a:ext>
             </a:extLst>
           </p:cNvPr>
@@ -18439,7 +21316,7 @@
     </p:spTree>
     <p:extLst>
       <p:ext uri="{BB962C8B-B14F-4D97-AF65-F5344CB8AC3E}">
-        <p14:creationId xmlns:p14="http://schemas.microsoft.com/office/powerpoint/2010/main" val="2289857359"/>
+        <p14:creationId xmlns:p14="http://schemas.microsoft.com/office/powerpoint/2010/main" val="1241433728"/>
       </p:ext>
     </p:extLst>
   </p:cSld>
